--- a/value-calculator-logic/output.pptx
+++ b/value-calculator-logic/output.pptx
@@ -9460,11 +9460,11 @@
                 </a:defRPr>
               </a:pPr>
               <a:r>
-                <a:t>■契約更新対象者数 : 111名</a:t>
+                <a:t>■契約更新対象者数 : 11名</a:t>
               </a:r>
               <a:br/>
               <a:r>
-                <a:t>■店長の時給 : 2,222円</a:t>
+                <a:t>■店長の時給 : 12円</a:t>
               </a:r>
               <a:br/>
               <a:r>
@@ -9577,7 +9577,7 @@
             <a:p>
               <a:pPr/>
               <a:r>
-                <a:t>111人</a:t>
+                <a:t>11人</a:t>
               </a:r>
             </a:p>
           </p:txBody>
@@ -9686,7 +9686,7 @@
             <a:p>
               <a:pPr/>
               <a:r>
-                <a:t>124分</a:t>
+                <a:t>65分</a:t>
               </a:r>
             </a:p>
           </p:txBody>
@@ -9795,7 +9795,7 @@
             <a:p>
               <a:pPr/>
               <a:r>
-                <a:t>41,292分</a:t>
+                <a:t>2,145分</a:t>
               </a:r>
             </a:p>
           </p:txBody>
@@ -10002,7 +10002,7 @@
               </a:r>
               <a:br/>
               <a:r>
-                <a:t>688時間</a:t>
+                <a:t>36時間</a:t>
               </a:r>
             </a:p>
           </p:txBody>
@@ -10302,7 +10302,7 @@
             <a:p>
               <a:pPr/>
               <a:r>
-                <a:t>111人</a:t>
+                <a:t>11人</a:t>
               </a:r>
             </a:p>
           </p:txBody>
@@ -10524,7 +10524,7 @@
             <a:p>
               <a:pPr/>
               <a:r>
-                <a:t>999分</a:t>
+                <a:t>99分</a:t>
               </a:r>
             </a:p>
           </p:txBody>
@@ -10731,7 +10731,7 @@
               </a:r>
               <a:br/>
               <a:r>
-                <a:t>17時間</a:t>
+                <a:t>2時間</a:t>
               </a:r>
             </a:p>
           </p:txBody>
@@ -11549,11 +11549,11 @@
                 </a:defRPr>
               </a:pPr>
               <a:r>
-                <a:t>■契約更新対象者数 : 111名</a:t>
+                <a:t>■契約更新対象者数 : 11名</a:t>
               </a:r>
               <a:br/>
               <a:r>
-                <a:t>■店長の時給 : 2,222円</a:t>
+                <a:t>■店長の時給 : 12円</a:t>
               </a:r>
               <a:br/>
               <a:r>
@@ -11666,7 +11666,7 @@
             <a:p>
               <a:pPr/>
               <a:r>
-                <a:t>688時間</a:t>
+                <a:t>36時間</a:t>
               </a:r>
             </a:p>
           </p:txBody>
@@ -11775,7 +11775,7 @@
             <a:p>
               <a:pPr/>
               <a:r>
-                <a:t>2222円</a:t>
+                <a:t>12円</a:t>
               </a:r>
             </a:p>
           </p:txBody>
@@ -11884,7 +11884,7 @@
             <a:p>
               <a:pPr/>
               <a:r>
-                <a:t>4,586,208円</a:t>
+                <a:t>1,296円</a:t>
               </a:r>
             </a:p>
           </p:txBody>
@@ -12434,7 +12434,7 @@
             <a:p>
               <a:pPr/>
               <a:r>
-                <a:t>17時間</a:t>
+                <a:t>2時間</a:t>
               </a:r>
             </a:p>
           </p:txBody>
@@ -12656,7 +12656,7 @@
             <a:p>
               <a:pPr/>
               <a:r>
-                <a:t>102,000円</a:t>
+                <a:t>12,000円</a:t>
               </a:r>
             </a:p>
           </p:txBody>
@@ -13020,7 +13020,7 @@
             <a:p>
               <a:pPr/>
               <a:r>
-                <a:t>151,950円</a:t>
+                <a:t>16,950円</a:t>
               </a:r>
             </a:p>
           </p:txBody>
@@ -13240,7 +13240,7 @@
             <a:p>
               <a:pPr/>
               <a:r>
-                <a:t>111人</a:t>
+                <a:t>11人</a:t>
               </a:r>
             </a:p>
           </p:txBody>
@@ -13462,7 +13462,7 @@
             <a:p>
               <a:pPr/>
               <a:r>
-                <a:t>49,950円</a:t>
+                <a:t>4,950円</a:t>
               </a:r>
             </a:p>
           </p:txBody>

--- a/value-calculator-logic/output.pptx
+++ b/value-calculator-logic/output.pptx
@@ -1,29 +1,29 @@
 
 <file path=ppt/presentation.xml><?xml version="1.0" encoding="utf-8"?>
-<p:presentation xmlns:a="http://schemas.openxmlformats.org/drawingml/2006/main" xmlns:r="http://schemas.openxmlformats.org/officeDocument/2006/relationships" xmlns:p="http://schemas.openxmlformats.org/presentationml/2006/main" xmlns:m="http://schemas.openxmlformats.org/officeDocument/2006/math" xmlns:a14="http://schemas.microsoft.com/office/drawing/2010/main">
+<p:presentation xmlns:a="http://schemas.openxmlformats.org/drawingml/2006/main" xmlns:r="http://schemas.openxmlformats.org/officeDocument/2006/relationships" xmlns:p="http://schemas.openxmlformats.org/presentationml/2006/main">
   <p:sldMasterIdLst>
-    <p:sldMasterId id="2147483648" r:id="rId5"/>
+    <p:sldMasterId id="2147483648" r:id="rId1"/>
   </p:sldMasterIdLst>
   <p:notesMasterIdLst>
-    <p:notesMasterId r:id="rId7"/>
+    <p:notesMasterId r:id="rId18"/>
   </p:notesMasterIdLst>
   <p:sldIdLst>
-    <p:sldId id="256" r:id="rId8"/>
-    <p:sldId id="257" r:id="rId9"/>
-    <p:sldId id="258" r:id="rId10"/>
-    <p:sldId id="259" r:id="rId11"/>
-    <p:sldId id="260" r:id="rId12"/>
-    <p:sldId id="261" r:id="rId13"/>
-    <p:sldId id="262" r:id="rId14"/>
-    <p:sldId id="263" r:id="rId15"/>
-    <p:sldId id="264" r:id="rId16"/>
-    <p:sldId id="265" r:id="rId17"/>
-    <p:sldId id="266" r:id="rId18"/>
-    <p:sldId id="267" r:id="rId19"/>
-    <p:sldId id="268" r:id="rId20"/>
-    <p:sldId id="269" r:id="rId21"/>
-    <p:sldId id="270" r:id="rId22"/>
-    <p:sldId id="271" r:id="rId23"/>
+    <p:sldId id="256" r:id="rId2"/>
+    <p:sldId id="257" r:id="rId3"/>
+    <p:sldId id="258" r:id="rId4"/>
+    <p:sldId id="259" r:id="rId5"/>
+    <p:sldId id="260" r:id="rId6"/>
+    <p:sldId id="261" r:id="rId7"/>
+    <p:sldId id="262" r:id="rId8"/>
+    <p:sldId id="263" r:id="rId9"/>
+    <p:sldId id="264" r:id="rId10"/>
+    <p:sldId id="265" r:id="rId11"/>
+    <p:sldId id="266" r:id="rId12"/>
+    <p:sldId id="267" r:id="rId13"/>
+    <p:sldId id="268" r:id="rId14"/>
+    <p:sldId id="269" r:id="rId15"/>
+    <p:sldId id="270" r:id="rId16"/>
+    <p:sldId id="271" r:id="rId17"/>
   </p:sldIdLst>
   <p:sldSz cx="12192000" cy="6858000"/>
   <p:notesSz cx="6858000" cy="9144000"/>
@@ -43,7 +43,7 @@
       <a:buFontTx/>
       <a:buNone/>
       <a:tabLst/>
-      <a:defRPr b="0" baseline="0" cap="none" i="0" spc="0" strike="noStrike" sz="1800" u="none" kumimoji="0" normalizeH="0">
+      <a:defRPr kumimoji="0" sz="1800" b="0" i="0" u="none" strike="noStrike" cap="none" spc="0" normalizeH="0" baseline="0">
         <a:ln>
           <a:noFill/>
         </a:ln>
@@ -69,7 +69,7 @@
       <a:buFontTx/>
       <a:buNone/>
       <a:tabLst/>
-      <a:defRPr b="0" baseline="0" cap="none" i="0" spc="0" strike="noStrike" sz="1400" u="none" kumimoji="0" normalizeH="0">
+      <a:defRPr kumimoji="0" sz="1400" b="0" i="0" u="none" strike="noStrike" cap="none" spc="0" normalizeH="0" baseline="0">
         <a:ln>
           <a:noFill/>
         </a:ln>
@@ -99,7 +99,7 @@
       <a:buFontTx/>
       <a:buNone/>
       <a:tabLst/>
-      <a:defRPr b="0" baseline="0" cap="none" i="0" spc="0" strike="noStrike" sz="1400" u="none" kumimoji="0" normalizeH="0">
+      <a:defRPr kumimoji="0" sz="1400" b="0" i="0" u="none" strike="noStrike" cap="none" spc="0" normalizeH="0" baseline="0">
         <a:ln>
           <a:noFill/>
         </a:ln>
@@ -129,7 +129,7 @@
       <a:buFontTx/>
       <a:buNone/>
       <a:tabLst/>
-      <a:defRPr b="0" baseline="0" cap="none" i="0" spc="0" strike="noStrike" sz="1400" u="none" kumimoji="0" normalizeH="0">
+      <a:defRPr kumimoji="0" sz="1400" b="0" i="0" u="none" strike="noStrike" cap="none" spc="0" normalizeH="0" baseline="0">
         <a:ln>
           <a:noFill/>
         </a:ln>
@@ -159,7 +159,7 @@
       <a:buFontTx/>
       <a:buNone/>
       <a:tabLst/>
-      <a:defRPr b="0" baseline="0" cap="none" i="0" spc="0" strike="noStrike" sz="1400" u="none" kumimoji="0" normalizeH="0">
+      <a:defRPr kumimoji="0" sz="1400" b="0" i="0" u="none" strike="noStrike" cap="none" spc="0" normalizeH="0" baseline="0">
         <a:ln>
           <a:noFill/>
         </a:ln>
@@ -189,7 +189,7 @@
       <a:buFontTx/>
       <a:buNone/>
       <a:tabLst/>
-      <a:defRPr b="0" baseline="0" cap="none" i="0" spc="0" strike="noStrike" sz="1400" u="none" kumimoji="0" normalizeH="0">
+      <a:defRPr kumimoji="0" sz="1400" b="0" i="0" u="none" strike="noStrike" cap="none" spc="0" normalizeH="0" baseline="0">
         <a:ln>
           <a:noFill/>
         </a:ln>
@@ -219,7 +219,7 @@
       <a:buFontTx/>
       <a:buNone/>
       <a:tabLst/>
-      <a:defRPr b="0" baseline="0" cap="none" i="0" spc="0" strike="noStrike" sz="1400" u="none" kumimoji="0" normalizeH="0">
+      <a:defRPr kumimoji="0" sz="1400" b="0" i="0" u="none" strike="noStrike" cap="none" spc="0" normalizeH="0" baseline="0">
         <a:ln>
           <a:noFill/>
         </a:ln>
@@ -249,7 +249,7 @@
       <a:buFontTx/>
       <a:buNone/>
       <a:tabLst/>
-      <a:defRPr b="0" baseline="0" cap="none" i="0" spc="0" strike="noStrike" sz="1400" u="none" kumimoji="0" normalizeH="0">
+      <a:defRPr kumimoji="0" sz="1400" b="0" i="0" u="none" strike="noStrike" cap="none" spc="0" normalizeH="0" baseline="0">
         <a:ln>
           <a:noFill/>
         </a:ln>
@@ -279,7 +279,7 @@
       <a:buFontTx/>
       <a:buNone/>
       <a:tabLst/>
-      <a:defRPr b="0" baseline="0" cap="none" i="0" spc="0" strike="noStrike" sz="1400" u="none" kumimoji="0" normalizeH="0">
+      <a:defRPr kumimoji="0" sz="1400" b="0" i="0" u="none" strike="noStrike" cap="none" spc="0" normalizeH="0" baseline="0">
         <a:ln>
           <a:noFill/>
         </a:ln>
@@ -309,7 +309,7 @@
       <a:buFontTx/>
       <a:buNone/>
       <a:tabLst/>
-      <a:defRPr b="0" baseline="0" cap="none" i="0" spc="0" strike="noStrike" sz="1400" u="none" kumimoji="0" normalizeH="0">
+      <a:defRPr kumimoji="0" sz="1400" b="0" i="0" u="none" strike="noStrike" cap="none" spc="0" normalizeH="0" baseline="0">
         <a:ln>
           <a:noFill/>
         </a:ln>
@@ -333,8 +333,13 @@
 </file>
 
 <file path=ppt/notesMasters/notesMaster1.xml><?xml version="1.0" encoding="utf-8"?>
-<p:notesMaster xmlns:a="http://schemas.openxmlformats.org/drawingml/2006/main" xmlns:r="http://schemas.openxmlformats.org/officeDocument/2006/relationships" xmlns:p="http://schemas.openxmlformats.org/presentationml/2006/main" xmlns:m="http://schemas.openxmlformats.org/officeDocument/2006/math" xmlns:a14="http://schemas.microsoft.com/office/drawing/2010/main">
+<p:notesMaster xmlns:a="http://schemas.openxmlformats.org/drawingml/2006/main" xmlns:r="http://schemas.openxmlformats.org/officeDocument/2006/relationships" xmlns:p="http://schemas.openxmlformats.org/presentationml/2006/main">
   <p:cSld>
+    <p:bg>
+      <p:bgRef idx="1001">
+        <a:schemeClr val="bg1"/>
+      </p:bgRef>
+    </p:bg>
     <p:spTree>
       <p:nvGrpSpPr>
         <p:cNvPr id="1" name=""/>
@@ -352,7 +357,9 @@
       <p:sp>
         <p:nvSpPr>
           <p:cNvPr id="281" name="Shape 281"/>
-          <p:cNvSpPr/>
+          <p:cNvSpPr>
+            <a:spLocks noGrp="1" noRot="1" noChangeAspect="1"/>
+          </p:cNvSpPr>
           <p:nvPr>
             <p:ph type="sldImg"/>
           </p:nvPr>
@@ -370,14 +377,16 @@
           <a:bodyPr/>
           <a:lstStyle/>
           <a:p>
-            <a:pPr/>
+            <a:endParaRPr/>
           </a:p>
         </p:txBody>
       </p:sp>
       <p:sp>
         <p:nvSpPr>
           <p:cNvPr id="282" name="Shape 282"/>
-          <p:cNvSpPr/>
+          <p:cNvSpPr>
+            <a:spLocks noGrp="1"/>
+          </p:cNvSpPr>
           <p:nvPr>
             <p:ph type="body" sz="quarter" idx="1"/>
           </p:nvPr>
@@ -395,7 +404,7 @@
           <a:bodyPr/>
           <a:lstStyle/>
           <a:p>
-            <a:pPr/>
+            <a:endParaRPr/>
           </a:p>
         </p:txBody>
       </p:sp>
@@ -480,7 +489,7 @@
 </file>
 
 <file path=ppt/slideLayouts/slideLayout1.xml><?xml version="1.0" encoding="utf-8"?>
-<p:sldLayout xmlns:a="http://schemas.openxmlformats.org/drawingml/2006/main" xmlns:r="http://schemas.openxmlformats.org/officeDocument/2006/relationships" xmlns:p="http://schemas.openxmlformats.org/presentationml/2006/main" xmlns:m="http://schemas.openxmlformats.org/officeDocument/2006/math" xmlns:a14="http://schemas.microsoft.com/office/drawing/2010/main" type="tx" showMasterSp="1" showMasterPhAnim="1">
+<p:sldLayout xmlns:a="http://schemas.openxmlformats.org/drawingml/2006/main" xmlns:r="http://schemas.openxmlformats.org/officeDocument/2006/relationships" xmlns:p="http://schemas.openxmlformats.org/presentationml/2006/main" type="tx">
   <p:cSld name="Title and Content">
     <p:spTree>
       <p:nvGrpSpPr>
@@ -499,7 +508,9 @@
       <p:sp>
         <p:nvSpPr>
           <p:cNvPr id="15" name="Slide Number"/>
-          <p:cNvSpPr txBox="1"/>
+          <p:cNvSpPr txBox="1">
+            <a:spLocks noGrp="1"/>
+          </p:cNvSpPr>
           <p:nvPr>
             <p:ph type="sldNum" sz="quarter" idx="2"/>
           </p:nvPr>
@@ -513,8 +524,10 @@
           <a:bodyPr/>
           <a:lstStyle/>
           <a:p>
-            <a:pPr/>
-            <a:fld id="{86CB4B4D-7CA3-9044-876B-883B54F8677D}" type="slidenum"/>
+            <a:fld id="{86CB4B4D-7CA3-9044-876B-883B54F8677D}" type="slidenum">
+              <a:t>‹#›</a:t>
+            </a:fld>
+            <a:endParaRPr/>
           </a:p>
         </p:txBody>
       </p:sp>
@@ -523,12 +536,12 @@
   <p:clrMapOvr>
     <a:masterClrMapping/>
   </p:clrMapOvr>
-  <p:transition xmlns:p14="http://schemas.microsoft.com/office/powerpoint/2010/main" spd="med" advClick="1"/>
+  <p:transition spd="med"/>
 </p:sldLayout>
 </file>
 
 <file path=ppt/slideLayouts/slideLayout10.xml><?xml version="1.0" encoding="utf-8"?>
-<p:sldLayout xmlns:a="http://schemas.openxmlformats.org/drawingml/2006/main" xmlns:r="http://schemas.openxmlformats.org/officeDocument/2006/relationships" xmlns:p="http://schemas.openxmlformats.org/presentationml/2006/main" xmlns:m="http://schemas.openxmlformats.org/officeDocument/2006/math" xmlns:a14="http://schemas.microsoft.com/office/drawing/2010/main" type="tx" showMasterSp="0" showMasterPhAnim="1">
+<p:sldLayout xmlns:a="http://schemas.openxmlformats.org/drawingml/2006/main" xmlns:r="http://schemas.openxmlformats.org/officeDocument/2006/relationships" xmlns:p="http://schemas.openxmlformats.org/presentationml/2006/main" showMasterSp="0" type="tx">
   <p:cSld name="4_Title Slide">
     <p:spTree>
       <p:nvGrpSpPr>
@@ -547,7 +560,9 @@
       <p:sp>
         <p:nvSpPr>
           <p:cNvPr id="89" name="Google Shape;68;p11"/>
-          <p:cNvSpPr/>
+          <p:cNvSpPr>
+            <a:spLocks noGrp="1"/>
+          </p:cNvSpPr>
           <p:nvPr>
             <p:ph type="pic" idx="21"/>
           </p:nvPr>
@@ -567,7 +582,7 @@
           </a:bodyPr>
           <a:lstStyle/>
           <a:p>
-            <a:pPr/>
+            <a:endParaRPr/>
           </a:p>
         </p:txBody>
       </p:sp>
@@ -580,9 +595,7 @@
           <p:nvPr/>
         </p:nvPicPr>
         <p:blipFill>
-          <a:blip r:embed="rId2">
-            <a:extLst/>
-          </a:blip>
+          <a:blip r:embed="rId2"/>
           <a:stretch>
             <a:fillRect/>
           </a:stretch>
@@ -603,7 +616,9 @@
       <p:sp>
         <p:nvSpPr>
           <p:cNvPr id="91" name="Slide Number"/>
-          <p:cNvSpPr txBox="1"/>
+          <p:cNvSpPr txBox="1">
+            <a:spLocks noGrp="1"/>
+          </p:cNvSpPr>
           <p:nvPr>
             <p:ph type="sldNum" sz="quarter" idx="2"/>
           </p:nvPr>
@@ -617,8 +632,10 @@
           <a:bodyPr/>
           <a:lstStyle/>
           <a:p>
-            <a:pPr/>
-            <a:fld id="{86CB4B4D-7CA3-9044-876B-883B54F8677D}" type="slidenum"/>
+            <a:fld id="{86CB4B4D-7CA3-9044-876B-883B54F8677D}" type="slidenum">
+              <a:t>‹#›</a:t>
+            </a:fld>
+            <a:endParaRPr/>
           </a:p>
         </p:txBody>
       </p:sp>
@@ -627,12 +644,12 @@
   <p:clrMapOvr>
     <a:masterClrMapping/>
   </p:clrMapOvr>
-  <p:transition xmlns:p14="http://schemas.microsoft.com/office/powerpoint/2010/main" spd="med" advClick="1"/>
+  <p:transition spd="med"/>
 </p:sldLayout>
 </file>
 
 <file path=ppt/slideLayouts/slideLayout11.xml><?xml version="1.0" encoding="utf-8"?>
-<p:sldLayout xmlns:a="http://schemas.openxmlformats.org/drawingml/2006/main" xmlns:r="http://schemas.openxmlformats.org/officeDocument/2006/relationships" xmlns:p="http://schemas.openxmlformats.org/presentationml/2006/main" xmlns:m="http://schemas.openxmlformats.org/officeDocument/2006/math" xmlns:a14="http://schemas.microsoft.com/office/drawing/2010/main" type="tx" showMasterSp="0" showMasterPhAnim="1">
+<p:sldLayout xmlns:a="http://schemas.openxmlformats.org/drawingml/2006/main" xmlns:r="http://schemas.openxmlformats.org/officeDocument/2006/relationships" xmlns:p="http://schemas.openxmlformats.org/presentationml/2006/main" showMasterSp="0" type="tx">
   <p:cSld name="Title Slide">
     <p:spTree>
       <p:nvGrpSpPr>
@@ -667,7 +684,7 @@
           </a:ln>
           <a:extLst>
             <a:ext uri="{C572A759-6A51-4108-AA02-DFA0A04FC94B}">
-              <ma14:wrappingTextBoxFlag xmlns:ma14="http://schemas.microsoft.com/office/mac/drawingml/2011/main" val="1"/>
+              <ma14:wrappingTextBoxFlag xmlns:ma14="http://schemas.microsoft.com/office/mac/drawingml/2011/main" xmlns:a14="http://schemas.microsoft.com/office/drawing/2010/main" xmlns:m="http://schemas.openxmlformats.org/officeDocument/2006/math" xmlns="" val="1"/>
             </a:ext>
           </a:extLst>
         </p:spPr>
@@ -761,6 +778,7 @@
                   <a:sym typeface="Calibri"/>
                 </a:defRPr>
               </a:pPr>
+              <a:endParaRPr/>
             </a:p>
           </p:txBody>
         </p:sp>
@@ -801,6 +819,7 @@
                   <a:sym typeface="Calibri"/>
                 </a:defRPr>
               </a:pPr>
+              <a:endParaRPr/>
             </a:p>
           </p:txBody>
         </p:sp>
@@ -843,6 +862,7 @@
                   <a:sym typeface="Calibri"/>
                 </a:defRPr>
               </a:pPr>
+              <a:endParaRPr/>
             </a:p>
           </p:txBody>
         </p:sp>
@@ -850,7 +870,9 @@
       <p:sp>
         <p:nvSpPr>
           <p:cNvPr id="103" name="Google Shape;76;p12"/>
-          <p:cNvSpPr/>
+          <p:cNvSpPr>
+            <a:spLocks noGrp="1"/>
+          </p:cNvSpPr>
           <p:nvPr>
             <p:ph type="pic" sz="half" idx="21"/>
           </p:nvPr>
@@ -870,7 +892,7 @@
           </a:bodyPr>
           <a:lstStyle/>
           <a:p>
-            <a:pPr/>
+            <a:endParaRPr/>
           </a:p>
         </p:txBody>
       </p:sp>
@@ -883,9 +905,7 @@
           <p:nvPr/>
         </p:nvPicPr>
         <p:blipFill>
-          <a:blip r:embed="rId2">
-            <a:extLst/>
-          </a:blip>
+          <a:blip r:embed="rId2"/>
           <a:stretch>
             <a:fillRect/>
           </a:stretch>
@@ -906,7 +926,9 @@
       <p:sp>
         <p:nvSpPr>
           <p:cNvPr id="105" name="Slide Number"/>
-          <p:cNvSpPr txBox="1"/>
+          <p:cNvSpPr txBox="1">
+            <a:spLocks noGrp="1"/>
+          </p:cNvSpPr>
           <p:nvPr>
             <p:ph type="sldNum" sz="quarter" idx="2"/>
           </p:nvPr>
@@ -920,8 +942,10 @@
           <a:bodyPr/>
           <a:lstStyle/>
           <a:p>
-            <a:pPr/>
-            <a:fld id="{86CB4B4D-7CA3-9044-876B-883B54F8677D}" type="slidenum"/>
+            <a:fld id="{86CB4B4D-7CA3-9044-876B-883B54F8677D}" type="slidenum">
+              <a:t>‹#›</a:t>
+            </a:fld>
+            <a:endParaRPr/>
           </a:p>
         </p:txBody>
       </p:sp>
@@ -930,12 +954,12 @@
   <p:clrMapOvr>
     <a:masterClrMapping/>
   </p:clrMapOvr>
-  <p:transition xmlns:p14="http://schemas.microsoft.com/office/powerpoint/2010/main" spd="med" advClick="1"/>
+  <p:transition spd="med"/>
 </p:sldLayout>
 </file>
 
 <file path=ppt/slideLayouts/slideLayout12.xml><?xml version="1.0" encoding="utf-8"?>
-<p:sldLayout xmlns:a="http://schemas.openxmlformats.org/drawingml/2006/main" xmlns:r="http://schemas.openxmlformats.org/officeDocument/2006/relationships" xmlns:p="http://schemas.openxmlformats.org/presentationml/2006/main" xmlns:m="http://schemas.openxmlformats.org/officeDocument/2006/math" xmlns:a14="http://schemas.microsoft.com/office/drawing/2010/main" type="tx" showMasterSp="1" showMasterPhAnim="1">
+<p:sldLayout xmlns:a="http://schemas.openxmlformats.org/drawingml/2006/main" xmlns:r="http://schemas.openxmlformats.org/officeDocument/2006/relationships" xmlns:p="http://schemas.openxmlformats.org/presentationml/2006/main" type="tx">
   <p:cSld name="11_Title Slide">
     <p:spTree>
       <p:nvGrpSpPr>
@@ -954,7 +978,9 @@
       <p:sp>
         <p:nvSpPr>
           <p:cNvPr id="112" name="Google Shape;83;p13"/>
-          <p:cNvSpPr/>
+          <p:cNvSpPr>
+            <a:spLocks noGrp="1"/>
+          </p:cNvSpPr>
           <p:nvPr>
             <p:ph type="pic" sz="quarter" idx="21"/>
           </p:nvPr>
@@ -974,7 +1000,7 @@
           </a:bodyPr>
           <a:lstStyle/>
           <a:p>
-            <a:pPr/>
+            <a:endParaRPr/>
           </a:p>
         </p:txBody>
       </p:sp>
@@ -987,9 +1013,7 @@
           <p:nvPr/>
         </p:nvPicPr>
         <p:blipFill>
-          <a:blip r:embed="rId2">
-            <a:extLst/>
-          </a:blip>
+          <a:blip r:embed="rId2"/>
           <a:stretch>
             <a:fillRect/>
           </a:stretch>
@@ -1010,7 +1034,9 @@
       <p:sp>
         <p:nvSpPr>
           <p:cNvPr id="114" name="Slide Number"/>
-          <p:cNvSpPr txBox="1"/>
+          <p:cNvSpPr txBox="1">
+            <a:spLocks noGrp="1"/>
+          </p:cNvSpPr>
           <p:nvPr>
             <p:ph type="sldNum" sz="quarter" idx="2"/>
           </p:nvPr>
@@ -1024,8 +1050,10 @@
           <a:bodyPr/>
           <a:lstStyle/>
           <a:p>
-            <a:pPr/>
-            <a:fld id="{86CB4B4D-7CA3-9044-876B-883B54F8677D}" type="slidenum"/>
+            <a:fld id="{86CB4B4D-7CA3-9044-876B-883B54F8677D}" type="slidenum">
+              <a:t>‹#›</a:t>
+            </a:fld>
+            <a:endParaRPr/>
           </a:p>
         </p:txBody>
       </p:sp>
@@ -1034,12 +1062,12 @@
   <p:clrMapOvr>
     <a:masterClrMapping/>
   </p:clrMapOvr>
-  <p:transition xmlns:p14="http://schemas.microsoft.com/office/powerpoint/2010/main" spd="med" advClick="1"/>
+  <p:transition spd="med"/>
 </p:sldLayout>
 </file>
 
 <file path=ppt/slideLayouts/slideLayout13.xml><?xml version="1.0" encoding="utf-8"?>
-<p:sldLayout xmlns:a="http://schemas.openxmlformats.org/drawingml/2006/main" xmlns:r="http://schemas.openxmlformats.org/officeDocument/2006/relationships" xmlns:p="http://schemas.openxmlformats.org/presentationml/2006/main" xmlns:m="http://schemas.openxmlformats.org/officeDocument/2006/math" xmlns:a14="http://schemas.microsoft.com/office/drawing/2010/main" type="tx" showMasterSp="1" showMasterPhAnim="1">
+<p:sldLayout xmlns:a="http://schemas.openxmlformats.org/drawingml/2006/main" xmlns:r="http://schemas.openxmlformats.org/officeDocument/2006/relationships" xmlns:p="http://schemas.openxmlformats.org/presentationml/2006/main" type="tx">
   <p:cSld name="8_Title Slide">
     <p:spTree>
       <p:nvGrpSpPr>
@@ -1058,7 +1086,9 @@
       <p:sp>
         <p:nvSpPr>
           <p:cNvPr id="121" name="Google Shape;90;p14"/>
-          <p:cNvSpPr/>
+          <p:cNvSpPr>
+            <a:spLocks noGrp="1"/>
+          </p:cNvSpPr>
           <p:nvPr>
             <p:ph type="pic" sz="quarter" idx="21"/>
           </p:nvPr>
@@ -1078,14 +1108,16 @@
           </a:bodyPr>
           <a:lstStyle/>
           <a:p>
-            <a:pPr/>
+            <a:endParaRPr/>
           </a:p>
         </p:txBody>
       </p:sp>
       <p:sp>
         <p:nvSpPr>
           <p:cNvPr id="122" name="Google Shape;91;p14"/>
-          <p:cNvSpPr/>
+          <p:cNvSpPr>
+            <a:spLocks noGrp="1"/>
+          </p:cNvSpPr>
           <p:nvPr>
             <p:ph type="pic" sz="quarter" idx="22"/>
           </p:nvPr>
@@ -1105,14 +1137,16 @@
           </a:bodyPr>
           <a:lstStyle/>
           <a:p>
-            <a:pPr/>
+            <a:endParaRPr/>
           </a:p>
         </p:txBody>
       </p:sp>
       <p:sp>
         <p:nvSpPr>
           <p:cNvPr id="123" name="Google Shape;92;p14"/>
-          <p:cNvSpPr/>
+          <p:cNvSpPr>
+            <a:spLocks noGrp="1"/>
+          </p:cNvSpPr>
           <p:nvPr>
             <p:ph type="pic" sz="quarter" idx="23"/>
           </p:nvPr>
@@ -1132,7 +1166,7 @@
           </a:bodyPr>
           <a:lstStyle/>
           <a:p>
-            <a:pPr/>
+            <a:endParaRPr/>
           </a:p>
         </p:txBody>
       </p:sp>
@@ -1145,9 +1179,7 @@
           <p:nvPr/>
         </p:nvPicPr>
         <p:blipFill>
-          <a:blip r:embed="rId2">
-            <a:extLst/>
-          </a:blip>
+          <a:blip r:embed="rId2"/>
           <a:stretch>
             <a:fillRect/>
           </a:stretch>
@@ -1168,7 +1200,9 @@
       <p:sp>
         <p:nvSpPr>
           <p:cNvPr id="125" name="Slide Number"/>
-          <p:cNvSpPr txBox="1"/>
+          <p:cNvSpPr txBox="1">
+            <a:spLocks noGrp="1"/>
+          </p:cNvSpPr>
           <p:nvPr>
             <p:ph type="sldNum" sz="quarter" idx="2"/>
           </p:nvPr>
@@ -1182,8 +1216,10 @@
           <a:bodyPr/>
           <a:lstStyle/>
           <a:p>
-            <a:pPr/>
-            <a:fld id="{86CB4B4D-7CA3-9044-876B-883B54F8677D}" type="slidenum"/>
+            <a:fld id="{86CB4B4D-7CA3-9044-876B-883B54F8677D}" type="slidenum">
+              <a:t>‹#›</a:t>
+            </a:fld>
+            <a:endParaRPr/>
           </a:p>
         </p:txBody>
       </p:sp>
@@ -1192,12 +1228,12 @@
   <p:clrMapOvr>
     <a:masterClrMapping/>
   </p:clrMapOvr>
-  <p:transition xmlns:p14="http://schemas.microsoft.com/office/powerpoint/2010/main" spd="med" advClick="1"/>
+  <p:transition spd="med"/>
 </p:sldLayout>
 </file>
 
 <file path=ppt/slideLayouts/slideLayout14.xml><?xml version="1.0" encoding="utf-8"?>
-<p:sldLayout xmlns:a="http://schemas.openxmlformats.org/drawingml/2006/main" xmlns:r="http://schemas.openxmlformats.org/officeDocument/2006/relationships" xmlns:p="http://schemas.openxmlformats.org/presentationml/2006/main" xmlns:m="http://schemas.openxmlformats.org/officeDocument/2006/math" xmlns:a14="http://schemas.microsoft.com/office/drawing/2010/main" type="tx" showMasterSp="1" showMasterPhAnim="1">
+<p:sldLayout xmlns:a="http://schemas.openxmlformats.org/drawingml/2006/main" xmlns:r="http://schemas.openxmlformats.org/officeDocument/2006/relationships" xmlns:p="http://schemas.openxmlformats.org/presentationml/2006/main" type="tx">
   <p:cSld name="9_Title Slide">
     <p:spTree>
       <p:nvGrpSpPr>
@@ -1216,7 +1252,9 @@
       <p:sp>
         <p:nvSpPr>
           <p:cNvPr id="132" name="Google Shape;99;p15"/>
-          <p:cNvSpPr/>
+          <p:cNvSpPr>
+            <a:spLocks noGrp="1"/>
+          </p:cNvSpPr>
           <p:nvPr>
             <p:ph type="pic" sz="quarter" idx="21"/>
           </p:nvPr>
@@ -1236,14 +1274,16 @@
           </a:bodyPr>
           <a:lstStyle/>
           <a:p>
-            <a:pPr/>
+            <a:endParaRPr/>
           </a:p>
         </p:txBody>
       </p:sp>
       <p:sp>
         <p:nvSpPr>
           <p:cNvPr id="133" name="Google Shape;100;p15"/>
-          <p:cNvSpPr/>
+          <p:cNvSpPr>
+            <a:spLocks noGrp="1"/>
+          </p:cNvSpPr>
           <p:nvPr>
             <p:ph type="pic" sz="quarter" idx="22"/>
           </p:nvPr>
@@ -1263,14 +1303,16 @@
           </a:bodyPr>
           <a:lstStyle/>
           <a:p>
-            <a:pPr/>
+            <a:endParaRPr/>
           </a:p>
         </p:txBody>
       </p:sp>
       <p:sp>
         <p:nvSpPr>
           <p:cNvPr id="134" name="Google Shape;101;p15"/>
-          <p:cNvSpPr/>
+          <p:cNvSpPr>
+            <a:spLocks noGrp="1"/>
+          </p:cNvSpPr>
           <p:nvPr>
             <p:ph type="pic" sz="quarter" idx="23"/>
           </p:nvPr>
@@ -1290,7 +1332,7 @@
           </a:bodyPr>
           <a:lstStyle/>
           <a:p>
-            <a:pPr/>
+            <a:endParaRPr/>
           </a:p>
         </p:txBody>
       </p:sp>
@@ -1303,9 +1345,7 @@
           <p:nvPr/>
         </p:nvPicPr>
         <p:blipFill>
-          <a:blip r:embed="rId2">
-            <a:extLst/>
-          </a:blip>
+          <a:blip r:embed="rId2"/>
           <a:stretch>
             <a:fillRect/>
           </a:stretch>
@@ -1326,7 +1366,9 @@
       <p:sp>
         <p:nvSpPr>
           <p:cNvPr id="136" name="Slide Number"/>
-          <p:cNvSpPr txBox="1"/>
+          <p:cNvSpPr txBox="1">
+            <a:spLocks noGrp="1"/>
+          </p:cNvSpPr>
           <p:nvPr>
             <p:ph type="sldNum" sz="quarter" idx="2"/>
           </p:nvPr>
@@ -1340,8 +1382,10 @@
           <a:bodyPr/>
           <a:lstStyle/>
           <a:p>
-            <a:pPr/>
-            <a:fld id="{86CB4B4D-7CA3-9044-876B-883B54F8677D}" type="slidenum"/>
+            <a:fld id="{86CB4B4D-7CA3-9044-876B-883B54F8677D}" type="slidenum">
+              <a:t>‹#›</a:t>
+            </a:fld>
+            <a:endParaRPr/>
           </a:p>
         </p:txBody>
       </p:sp>
@@ -1350,12 +1394,12 @@
   <p:clrMapOvr>
     <a:masterClrMapping/>
   </p:clrMapOvr>
-  <p:transition xmlns:p14="http://schemas.microsoft.com/office/powerpoint/2010/main" spd="med" advClick="1"/>
+  <p:transition spd="med"/>
 </p:sldLayout>
 </file>
 
 <file path=ppt/slideLayouts/slideLayout15.xml><?xml version="1.0" encoding="utf-8"?>
-<p:sldLayout xmlns:a="http://schemas.openxmlformats.org/drawingml/2006/main" xmlns:r="http://schemas.openxmlformats.org/officeDocument/2006/relationships" xmlns:p="http://schemas.openxmlformats.org/presentationml/2006/main" xmlns:m="http://schemas.openxmlformats.org/officeDocument/2006/math" xmlns:a14="http://schemas.microsoft.com/office/drawing/2010/main" type="tx" showMasterSp="1" showMasterPhAnim="1">
+<p:sldLayout xmlns:a="http://schemas.openxmlformats.org/drawingml/2006/main" xmlns:r="http://schemas.openxmlformats.org/officeDocument/2006/relationships" xmlns:p="http://schemas.openxmlformats.org/presentationml/2006/main" type="tx">
   <p:cSld name="13_Title Slide">
     <p:spTree>
       <p:nvGrpSpPr>
@@ -1380,9 +1424,7 @@
           <p:nvPr/>
         </p:nvPicPr>
         <p:blipFill>
-          <a:blip r:embed="rId2">
-            <a:extLst/>
-          </a:blip>
+          <a:blip r:embed="rId2"/>
           <a:stretch>
             <a:fillRect/>
           </a:stretch>
@@ -1403,7 +1445,9 @@
       <p:sp>
         <p:nvSpPr>
           <p:cNvPr id="144" name="Slide Number"/>
-          <p:cNvSpPr txBox="1"/>
+          <p:cNvSpPr txBox="1">
+            <a:spLocks noGrp="1"/>
+          </p:cNvSpPr>
           <p:nvPr>
             <p:ph type="sldNum" sz="quarter" idx="2"/>
           </p:nvPr>
@@ -1417,8 +1461,10 @@
           <a:bodyPr/>
           <a:lstStyle/>
           <a:p>
-            <a:pPr/>
-            <a:fld id="{86CB4B4D-7CA3-9044-876B-883B54F8677D}" type="slidenum"/>
+            <a:fld id="{86CB4B4D-7CA3-9044-876B-883B54F8677D}" type="slidenum">
+              <a:t>‹#›</a:t>
+            </a:fld>
+            <a:endParaRPr/>
           </a:p>
         </p:txBody>
       </p:sp>
@@ -1427,12 +1473,12 @@
   <p:clrMapOvr>
     <a:masterClrMapping/>
   </p:clrMapOvr>
-  <p:transition xmlns:p14="http://schemas.microsoft.com/office/powerpoint/2010/main" spd="med" advClick="1"/>
+  <p:transition spd="med"/>
 </p:sldLayout>
 </file>
 
 <file path=ppt/slideLayouts/slideLayout16.xml><?xml version="1.0" encoding="utf-8"?>
-<p:sldLayout xmlns:a="http://schemas.openxmlformats.org/drawingml/2006/main" xmlns:r="http://schemas.openxmlformats.org/officeDocument/2006/relationships" xmlns:p="http://schemas.openxmlformats.org/presentationml/2006/main" xmlns:m="http://schemas.openxmlformats.org/officeDocument/2006/math" xmlns:a14="http://schemas.microsoft.com/office/drawing/2010/main" type="tx" showMasterSp="1" showMasterPhAnim="1">
+<p:sldLayout xmlns:a="http://schemas.openxmlformats.org/drawingml/2006/main" xmlns:r="http://schemas.openxmlformats.org/officeDocument/2006/relationships" xmlns:p="http://schemas.openxmlformats.org/presentationml/2006/main" type="tx">
   <p:cSld name="14_Title Slide">
     <p:spTree>
       <p:nvGrpSpPr>
@@ -1457,9 +1503,7 @@
           <p:nvPr/>
         </p:nvPicPr>
         <p:blipFill>
-          <a:blip r:embed="rId2">
-            <a:extLst/>
-          </a:blip>
+          <a:blip r:embed="rId2"/>
           <a:stretch>
             <a:fillRect/>
           </a:stretch>
@@ -1480,7 +1524,9 @@
       <p:sp>
         <p:nvSpPr>
           <p:cNvPr id="152" name="Slide Number"/>
-          <p:cNvSpPr txBox="1"/>
+          <p:cNvSpPr txBox="1">
+            <a:spLocks noGrp="1"/>
+          </p:cNvSpPr>
           <p:nvPr>
             <p:ph type="sldNum" sz="quarter" idx="2"/>
           </p:nvPr>
@@ -1494,8 +1540,10 @@
           <a:bodyPr/>
           <a:lstStyle/>
           <a:p>
-            <a:pPr/>
-            <a:fld id="{86CB4B4D-7CA3-9044-876B-883B54F8677D}" type="slidenum"/>
+            <a:fld id="{86CB4B4D-7CA3-9044-876B-883B54F8677D}" type="slidenum">
+              <a:t>‹#›</a:t>
+            </a:fld>
+            <a:endParaRPr/>
           </a:p>
         </p:txBody>
       </p:sp>
@@ -1504,12 +1552,12 @@
   <p:clrMapOvr>
     <a:masterClrMapping/>
   </p:clrMapOvr>
-  <p:transition xmlns:p14="http://schemas.microsoft.com/office/powerpoint/2010/main" spd="med" advClick="1"/>
+  <p:transition spd="med"/>
 </p:sldLayout>
 </file>
 
 <file path=ppt/slideLayouts/slideLayout17.xml><?xml version="1.0" encoding="utf-8"?>
-<p:sldLayout xmlns:a="http://schemas.openxmlformats.org/drawingml/2006/main" xmlns:r="http://schemas.openxmlformats.org/officeDocument/2006/relationships" xmlns:p="http://schemas.openxmlformats.org/presentationml/2006/main" xmlns:m="http://schemas.openxmlformats.org/officeDocument/2006/math" xmlns:a14="http://schemas.microsoft.com/office/drawing/2010/main" type="tx" showMasterSp="1" showMasterPhAnim="1">
+<p:sldLayout xmlns:a="http://schemas.openxmlformats.org/drawingml/2006/main" xmlns:r="http://schemas.openxmlformats.org/officeDocument/2006/relationships" xmlns:p="http://schemas.openxmlformats.org/presentationml/2006/main" type="tx">
   <p:cSld name="15_Title Slide">
     <p:spTree>
       <p:nvGrpSpPr>
@@ -1528,7 +1576,9 @@
       <p:sp>
         <p:nvSpPr>
           <p:cNvPr id="159" name="Google Shape;120;p18"/>
-          <p:cNvSpPr/>
+          <p:cNvSpPr>
+            <a:spLocks noGrp="1"/>
+          </p:cNvSpPr>
           <p:nvPr>
             <p:ph type="pic" sz="quarter" idx="21"/>
           </p:nvPr>
@@ -1548,7 +1598,7 @@
           </a:bodyPr>
           <a:lstStyle/>
           <a:p>
-            <a:pPr/>
+            <a:endParaRPr/>
           </a:p>
         </p:txBody>
       </p:sp>
@@ -1561,9 +1611,7 @@
           <p:nvPr/>
         </p:nvPicPr>
         <p:blipFill>
-          <a:blip r:embed="rId2">
-            <a:extLst/>
-          </a:blip>
+          <a:blip r:embed="rId2"/>
           <a:stretch>
             <a:fillRect/>
           </a:stretch>
@@ -1584,7 +1632,9 @@
       <p:sp>
         <p:nvSpPr>
           <p:cNvPr id="161" name="Slide Number"/>
-          <p:cNvSpPr txBox="1"/>
+          <p:cNvSpPr txBox="1">
+            <a:spLocks noGrp="1"/>
+          </p:cNvSpPr>
           <p:nvPr>
             <p:ph type="sldNum" sz="quarter" idx="2"/>
           </p:nvPr>
@@ -1598,8 +1648,10 @@
           <a:bodyPr/>
           <a:lstStyle/>
           <a:p>
-            <a:pPr/>
-            <a:fld id="{86CB4B4D-7CA3-9044-876B-883B54F8677D}" type="slidenum"/>
+            <a:fld id="{86CB4B4D-7CA3-9044-876B-883B54F8677D}" type="slidenum">
+              <a:t>‹#›</a:t>
+            </a:fld>
+            <a:endParaRPr/>
           </a:p>
         </p:txBody>
       </p:sp>
@@ -1608,12 +1660,12 @@
   <p:clrMapOvr>
     <a:masterClrMapping/>
   </p:clrMapOvr>
-  <p:transition xmlns:p14="http://schemas.microsoft.com/office/powerpoint/2010/main" spd="med" advClick="1"/>
+  <p:transition spd="med"/>
 </p:sldLayout>
 </file>
 
 <file path=ppt/slideLayouts/slideLayout18.xml><?xml version="1.0" encoding="utf-8"?>
-<p:sldLayout xmlns:a="http://schemas.openxmlformats.org/drawingml/2006/main" xmlns:r="http://schemas.openxmlformats.org/officeDocument/2006/relationships" xmlns:p="http://schemas.openxmlformats.org/presentationml/2006/main" xmlns:m="http://schemas.openxmlformats.org/officeDocument/2006/math" xmlns:a14="http://schemas.microsoft.com/office/drawing/2010/main" type="tx" showMasterSp="1" showMasterPhAnim="1">
+<p:sldLayout xmlns:a="http://schemas.openxmlformats.org/drawingml/2006/main" xmlns:r="http://schemas.openxmlformats.org/officeDocument/2006/relationships" xmlns:p="http://schemas.openxmlformats.org/presentationml/2006/main" type="tx">
   <p:cSld name="17_Title Slide">
     <p:spTree>
       <p:nvGrpSpPr>
@@ -1638,9 +1690,7 @@
           <p:nvPr/>
         </p:nvPicPr>
         <p:blipFill>
-          <a:blip r:embed="rId2">
-            <a:extLst/>
-          </a:blip>
+          <a:blip r:embed="rId2"/>
           <a:stretch>
             <a:fillRect/>
           </a:stretch>
@@ -1661,7 +1711,9 @@
       <p:sp>
         <p:nvSpPr>
           <p:cNvPr id="169" name="Slide Number"/>
-          <p:cNvSpPr txBox="1"/>
+          <p:cNvSpPr txBox="1">
+            <a:spLocks noGrp="1"/>
+          </p:cNvSpPr>
           <p:nvPr>
             <p:ph type="sldNum" sz="quarter" idx="2"/>
           </p:nvPr>
@@ -1675,8 +1727,10 @@
           <a:bodyPr/>
           <a:lstStyle/>
           <a:p>
-            <a:pPr/>
-            <a:fld id="{86CB4B4D-7CA3-9044-876B-883B54F8677D}" type="slidenum"/>
+            <a:fld id="{86CB4B4D-7CA3-9044-876B-883B54F8677D}" type="slidenum">
+              <a:t>‹#›</a:t>
+            </a:fld>
+            <a:endParaRPr/>
           </a:p>
         </p:txBody>
       </p:sp>
@@ -1685,12 +1739,12 @@
   <p:clrMapOvr>
     <a:masterClrMapping/>
   </p:clrMapOvr>
-  <p:transition xmlns:p14="http://schemas.microsoft.com/office/powerpoint/2010/main" spd="med" advClick="1"/>
+  <p:transition spd="med"/>
 </p:sldLayout>
 </file>
 
 <file path=ppt/slideLayouts/slideLayout19.xml><?xml version="1.0" encoding="utf-8"?>
-<p:sldLayout xmlns:a="http://schemas.openxmlformats.org/drawingml/2006/main" xmlns:r="http://schemas.openxmlformats.org/officeDocument/2006/relationships" xmlns:p="http://schemas.openxmlformats.org/presentationml/2006/main" xmlns:m="http://schemas.openxmlformats.org/officeDocument/2006/math" xmlns:a14="http://schemas.microsoft.com/office/drawing/2010/main" type="tx" showMasterSp="0" showMasterPhAnim="1">
+<p:sldLayout xmlns:a="http://schemas.openxmlformats.org/drawingml/2006/main" xmlns:r="http://schemas.openxmlformats.org/officeDocument/2006/relationships" xmlns:p="http://schemas.openxmlformats.org/presentationml/2006/main" showMasterSp="0" type="tx">
   <p:cSld name="16_Title Slide">
     <p:spTree>
       <p:nvGrpSpPr>
@@ -1759,6 +1813,7 @@
                   <a:sym typeface="Calibri"/>
                 </a:defRPr>
               </a:pPr>
+              <a:endParaRPr/>
             </a:p>
           </p:txBody>
         </p:sp>
@@ -1801,6 +1856,7 @@
                   <a:sym typeface="Calibri"/>
                 </a:defRPr>
               </a:pPr>
+              <a:endParaRPr/>
             </a:p>
           </p:txBody>
         </p:sp>
@@ -1843,6 +1899,7 @@
                   <a:sym typeface="Calibri"/>
                 </a:defRPr>
               </a:pPr>
+              <a:endParaRPr/>
             </a:p>
           </p:txBody>
         </p:sp>
@@ -1885,6 +1942,7 @@
                   <a:sym typeface="Calibri"/>
                 </a:defRPr>
               </a:pPr>
+              <a:endParaRPr/>
             </a:p>
           </p:txBody>
         </p:sp>
@@ -1927,6 +1985,7 @@
                   <a:sym typeface="Calibri"/>
                 </a:defRPr>
               </a:pPr>
+              <a:endParaRPr/>
             </a:p>
           </p:txBody>
         </p:sp>
@@ -1969,6 +2028,7 @@
                   <a:sym typeface="Calibri"/>
                 </a:defRPr>
               </a:pPr>
+              <a:endParaRPr/>
             </a:p>
           </p:txBody>
         </p:sp>
@@ -2011,6 +2071,7 @@
                   <a:sym typeface="Calibri"/>
                 </a:defRPr>
               </a:pPr>
+              <a:endParaRPr/>
             </a:p>
           </p:txBody>
         </p:sp>
@@ -2053,6 +2114,7 @@
                   <a:sym typeface="Calibri"/>
                 </a:defRPr>
               </a:pPr>
+              <a:endParaRPr/>
             </a:p>
           </p:txBody>
         </p:sp>
@@ -2095,6 +2157,7 @@
                   <a:sym typeface="Calibri"/>
                 </a:defRPr>
               </a:pPr>
+              <a:endParaRPr/>
             </a:p>
           </p:txBody>
         </p:sp>
@@ -2137,6 +2200,7 @@
                   <a:sym typeface="Calibri"/>
                 </a:defRPr>
               </a:pPr>
+              <a:endParaRPr/>
             </a:p>
           </p:txBody>
         </p:sp>
@@ -2179,6 +2243,7 @@
                   <a:sym typeface="Calibri"/>
                 </a:defRPr>
               </a:pPr>
+              <a:endParaRPr/>
             </a:p>
           </p:txBody>
         </p:sp>
@@ -2221,6 +2286,7 @@
                   <a:sym typeface="Calibri"/>
                 </a:defRPr>
               </a:pPr>
+              <a:endParaRPr/>
             </a:p>
           </p:txBody>
         </p:sp>
@@ -2263,6 +2329,7 @@
                   <a:sym typeface="Calibri"/>
                 </a:defRPr>
               </a:pPr>
+              <a:endParaRPr/>
             </a:p>
           </p:txBody>
         </p:sp>
@@ -2303,6 +2370,7 @@
                   <a:sym typeface="Calibri"/>
                 </a:defRPr>
               </a:pPr>
+              <a:endParaRPr/>
             </a:p>
           </p:txBody>
         </p:sp>
@@ -2345,6 +2413,7 @@
                   <a:sym typeface="Calibri"/>
                 </a:defRPr>
               </a:pPr>
+              <a:endParaRPr/>
             </a:p>
           </p:txBody>
         </p:sp>
@@ -2387,6 +2456,7 @@
                   <a:sym typeface="Calibri"/>
                 </a:defRPr>
               </a:pPr>
+              <a:endParaRPr/>
             </a:p>
           </p:txBody>
         </p:sp>
@@ -2427,6 +2497,7 @@
                   <a:sym typeface="Calibri"/>
                 </a:defRPr>
               </a:pPr>
+              <a:endParaRPr/>
             </a:p>
           </p:txBody>
         </p:sp>
@@ -2467,6 +2538,7 @@
                   <a:sym typeface="Calibri"/>
                 </a:defRPr>
               </a:pPr>
+              <a:endParaRPr/>
             </a:p>
           </p:txBody>
         </p:sp>
@@ -2501,7 +2573,7 @@
               </a:cxnLst>
               <a:rect l="0" t="0" r="r" b="b"/>
               <a:pathLst>
-                <a:path w="21600" h="21600" fill="norm" stroke="1" extrusionOk="0">
+                <a:path w="21600" h="21600" extrusionOk="0">
                   <a:moveTo>
                     <a:pt x="21600" y="20178"/>
                   </a:moveTo>
@@ -2595,6 +2667,7 @@
                   <a:sym typeface="Calibri"/>
                 </a:defRPr>
               </a:pPr>
+              <a:endParaRPr/>
             </a:p>
           </p:txBody>
         </p:sp>
@@ -2629,7 +2702,7 @@
               </a:cxnLst>
               <a:rect l="0" t="0" r="r" b="b"/>
               <a:pathLst>
-                <a:path w="21600" h="21600" fill="norm" stroke="1" extrusionOk="0">
+                <a:path w="21600" h="21600" extrusionOk="0">
                   <a:moveTo>
                     <a:pt x="21600" y="0"/>
                   </a:moveTo>
@@ -2678,6 +2751,7 @@
                   <a:sym typeface="Calibri"/>
                 </a:defRPr>
               </a:pPr>
+              <a:endParaRPr/>
             </a:p>
           </p:txBody>
         </p:sp>
@@ -2712,7 +2786,7 @@
               </a:cxnLst>
               <a:rect l="0" t="0" r="r" b="b"/>
               <a:pathLst>
-                <a:path w="21600" h="21600" fill="norm" stroke="1" extrusionOk="0">
+                <a:path w="21600" h="21600" extrusionOk="0">
                   <a:moveTo>
                     <a:pt x="21600" y="10666"/>
                   </a:moveTo>
@@ -2817,6 +2891,7 @@
                   <a:sym typeface="Calibri"/>
                 </a:defRPr>
               </a:pPr>
+              <a:endParaRPr/>
             </a:p>
           </p:txBody>
         </p:sp>
@@ -2851,7 +2926,7 @@
               </a:cxnLst>
               <a:rect l="0" t="0" r="r" b="b"/>
               <a:pathLst>
-                <a:path w="21600" h="21600" fill="norm" stroke="1" extrusionOk="0">
+                <a:path w="21600" h="21600" extrusionOk="0">
                   <a:moveTo>
                     <a:pt x="10800" y="21600"/>
                   </a:moveTo>
@@ -2926,6 +3001,7 @@
                   <a:sym typeface="Calibri"/>
                 </a:defRPr>
               </a:pPr>
+              <a:endParaRPr/>
             </a:p>
           </p:txBody>
         </p:sp>
@@ -2960,7 +3036,7 @@
               </a:cxnLst>
               <a:rect l="0" t="0" r="r" b="b"/>
               <a:pathLst>
-                <a:path w="21600" h="21600" fill="norm" stroke="1" extrusionOk="0">
+                <a:path w="21600" h="21600" extrusionOk="0">
                   <a:moveTo>
                     <a:pt x="0" y="0"/>
                   </a:moveTo>
@@ -3041,6 +3117,7 @@
                   <a:sym typeface="Calibri"/>
                 </a:defRPr>
               </a:pPr>
+              <a:endParaRPr/>
             </a:p>
           </p:txBody>
         </p:sp>
@@ -3075,7 +3152,7 @@
               </a:cxnLst>
               <a:rect l="0" t="0" r="r" b="b"/>
               <a:pathLst>
-                <a:path w="21600" h="21600" fill="norm" stroke="1" extrusionOk="0">
+                <a:path w="21600" h="21600" extrusionOk="0">
                   <a:moveTo>
                     <a:pt x="0" y="10800"/>
                   </a:moveTo>
@@ -3150,6 +3227,7 @@
                   <a:sym typeface="Calibri"/>
                 </a:defRPr>
               </a:pPr>
+              <a:endParaRPr/>
             </a:p>
           </p:txBody>
         </p:sp>
@@ -3184,7 +3262,7 @@
               </a:cxnLst>
               <a:rect l="0" t="0" r="r" b="b"/>
               <a:pathLst>
-                <a:path w="21600" h="21600" fill="norm" stroke="1" extrusionOk="0">
+                <a:path w="21600" h="21600" extrusionOk="0">
                   <a:moveTo>
                     <a:pt x="9293" y="2120"/>
                   </a:moveTo>
@@ -3239,6 +3317,7 @@
                   <a:sym typeface="Calibri"/>
                 </a:defRPr>
               </a:pPr>
+              <a:endParaRPr/>
             </a:p>
           </p:txBody>
         </p:sp>
@@ -3273,7 +3352,7 @@
               </a:cxnLst>
               <a:rect l="0" t="0" r="r" b="b"/>
               <a:pathLst>
-                <a:path w="21600" h="21600" fill="norm" stroke="1" extrusionOk="0">
+                <a:path w="21600" h="21600" extrusionOk="0">
                   <a:moveTo>
                     <a:pt x="10019" y="1514"/>
                   </a:moveTo>
@@ -3328,6 +3407,7 @@
                   <a:sym typeface="Calibri"/>
                 </a:defRPr>
               </a:pPr>
+              <a:endParaRPr/>
             </a:p>
           </p:txBody>
         </p:sp>
@@ -3368,6 +3448,7 @@
                   <a:sym typeface="Calibri"/>
                 </a:defRPr>
               </a:pPr>
+              <a:endParaRPr/>
             </a:p>
           </p:txBody>
         </p:sp>
@@ -3402,7 +3483,7 @@
               </a:cxnLst>
               <a:rect l="0" t="0" r="r" b="b"/>
               <a:pathLst>
-                <a:path w="21600" h="21600" fill="norm" stroke="1" extrusionOk="0">
+                <a:path w="21600" h="21600" extrusionOk="0">
                   <a:moveTo>
                     <a:pt x="21600" y="20086"/>
                   </a:moveTo>
@@ -3469,6 +3550,7 @@
                   <a:sym typeface="Calibri"/>
                 </a:defRPr>
               </a:pPr>
+              <a:endParaRPr/>
             </a:p>
           </p:txBody>
         </p:sp>
@@ -3503,7 +3585,7 @@
               </a:cxnLst>
               <a:rect l="0" t="0" r="r" b="b"/>
               <a:pathLst>
-                <a:path w="21600" h="21600" fill="norm" stroke="1" extrusionOk="0">
+                <a:path w="21600" h="21600" extrusionOk="0">
                   <a:moveTo>
                     <a:pt x="0" y="18600"/>
                   </a:moveTo>
@@ -3594,6 +3676,7 @@
                   <a:sym typeface="Calibri"/>
                 </a:defRPr>
               </a:pPr>
+              <a:endParaRPr/>
             </a:p>
           </p:txBody>
         </p:sp>
@@ -3649,6 +3732,7 @@
                   <a:sym typeface="Calibri"/>
                 </a:defRPr>
               </a:pPr>
+              <a:endParaRPr/>
             </a:p>
           </p:txBody>
         </p:sp>
@@ -3689,6 +3773,7 @@
                   <a:sym typeface="Calibri"/>
                 </a:defRPr>
               </a:pPr>
+              <a:endParaRPr/>
             </a:p>
           </p:txBody>
         </p:sp>
@@ -3731,6 +3816,7 @@
                   <a:sym typeface="Calibri"/>
                 </a:defRPr>
               </a:pPr>
+              <a:endParaRPr/>
             </a:p>
           </p:txBody>
         </p:sp>
@@ -3738,7 +3824,9 @@
       <p:sp>
         <p:nvSpPr>
           <p:cNvPr id="210" name="Google Shape;164;p20"/>
-          <p:cNvSpPr/>
+          <p:cNvSpPr>
+            <a:spLocks noGrp="1"/>
+          </p:cNvSpPr>
           <p:nvPr>
             <p:ph type="pic" sz="half" idx="21"/>
           </p:nvPr>
@@ -3758,14 +3846,16 @@
           </a:bodyPr>
           <a:lstStyle/>
           <a:p>
-            <a:pPr/>
+            <a:endParaRPr/>
           </a:p>
         </p:txBody>
       </p:sp>
       <p:sp>
         <p:nvSpPr>
           <p:cNvPr id="211" name="Google Shape;165;p20"/>
-          <p:cNvSpPr/>
+          <p:cNvSpPr>
+            <a:spLocks noGrp="1"/>
+          </p:cNvSpPr>
           <p:nvPr>
             <p:ph type="pic" sz="half" idx="22"/>
           </p:nvPr>
@@ -3785,14 +3875,16 @@
           </a:bodyPr>
           <a:lstStyle/>
           <a:p>
-            <a:pPr/>
+            <a:endParaRPr/>
           </a:p>
         </p:txBody>
       </p:sp>
       <p:sp>
         <p:nvSpPr>
           <p:cNvPr id="212" name="Google Shape;166;p20"/>
-          <p:cNvSpPr/>
+          <p:cNvSpPr>
+            <a:spLocks noGrp="1"/>
+          </p:cNvSpPr>
           <p:nvPr>
             <p:ph type="pic" sz="half" idx="23"/>
           </p:nvPr>
@@ -3812,14 +3904,16 @@
           </a:bodyPr>
           <a:lstStyle/>
           <a:p>
-            <a:pPr/>
+            <a:endParaRPr/>
           </a:p>
         </p:txBody>
       </p:sp>
       <p:sp>
         <p:nvSpPr>
           <p:cNvPr id="213" name="Slide Number"/>
-          <p:cNvSpPr txBox="1"/>
+          <p:cNvSpPr txBox="1">
+            <a:spLocks noGrp="1"/>
+          </p:cNvSpPr>
           <p:nvPr>
             <p:ph type="sldNum" sz="quarter" idx="2"/>
           </p:nvPr>
@@ -3833,8 +3927,10 @@
           <a:bodyPr/>
           <a:lstStyle/>
           <a:p>
-            <a:pPr/>
-            <a:fld id="{86CB4B4D-7CA3-9044-876B-883B54F8677D}" type="slidenum"/>
+            <a:fld id="{86CB4B4D-7CA3-9044-876B-883B54F8677D}" type="slidenum">
+              <a:t>‹#›</a:t>
+            </a:fld>
+            <a:endParaRPr/>
           </a:p>
         </p:txBody>
       </p:sp>
@@ -3843,12 +3939,12 @@
   <p:clrMapOvr>
     <a:masterClrMapping/>
   </p:clrMapOvr>
-  <p:transition xmlns:p14="http://schemas.microsoft.com/office/powerpoint/2010/main" spd="med" advClick="1"/>
+  <p:transition spd="med"/>
 </p:sldLayout>
 </file>
 
 <file path=ppt/slideLayouts/slideLayout2.xml><?xml version="1.0" encoding="utf-8"?>
-<p:sldLayout xmlns:a="http://schemas.openxmlformats.org/drawingml/2006/main" xmlns:r="http://schemas.openxmlformats.org/officeDocument/2006/relationships" xmlns:p="http://schemas.openxmlformats.org/presentationml/2006/main" xmlns:m="http://schemas.openxmlformats.org/officeDocument/2006/math" xmlns:a14="http://schemas.microsoft.com/office/drawing/2010/main" type="tx" showMasterSp="1" showMasterPhAnim="1">
+<p:sldLayout xmlns:a="http://schemas.openxmlformats.org/drawingml/2006/main" xmlns:r="http://schemas.openxmlformats.org/officeDocument/2006/relationships" xmlns:p="http://schemas.openxmlformats.org/presentationml/2006/main" type="tx">
   <p:cSld name="7_Title Slide">
     <p:spTree>
       <p:nvGrpSpPr>
@@ -3867,7 +3963,9 @@
       <p:sp>
         <p:nvSpPr>
           <p:cNvPr id="22" name="Google Shape;17;p3"/>
-          <p:cNvSpPr/>
+          <p:cNvSpPr>
+            <a:spLocks noGrp="1"/>
+          </p:cNvSpPr>
           <p:nvPr>
             <p:ph type="pic" sz="quarter" idx="21"/>
           </p:nvPr>
@@ -3887,7 +3985,7 @@
           </a:bodyPr>
           <a:lstStyle/>
           <a:p>
-            <a:pPr/>
+            <a:endParaRPr/>
           </a:p>
         </p:txBody>
       </p:sp>
@@ -3900,9 +3998,7 @@
           <p:nvPr/>
         </p:nvPicPr>
         <p:blipFill>
-          <a:blip r:embed="rId2">
-            <a:extLst/>
-          </a:blip>
+          <a:blip r:embed="rId2"/>
           <a:stretch>
             <a:fillRect/>
           </a:stretch>
@@ -3923,7 +4019,9 @@
       <p:sp>
         <p:nvSpPr>
           <p:cNvPr id="24" name="Slide Number"/>
-          <p:cNvSpPr txBox="1"/>
+          <p:cNvSpPr txBox="1">
+            <a:spLocks noGrp="1"/>
+          </p:cNvSpPr>
           <p:nvPr>
             <p:ph type="sldNum" sz="quarter" idx="2"/>
           </p:nvPr>
@@ -3937,8 +4035,10 @@
           <a:bodyPr/>
           <a:lstStyle/>
           <a:p>
-            <a:pPr/>
-            <a:fld id="{86CB4B4D-7CA3-9044-876B-883B54F8677D}" type="slidenum"/>
+            <a:fld id="{86CB4B4D-7CA3-9044-876B-883B54F8677D}" type="slidenum">
+              <a:t>‹#›</a:t>
+            </a:fld>
+            <a:endParaRPr/>
           </a:p>
         </p:txBody>
       </p:sp>
@@ -3947,12 +4047,12 @@
   <p:clrMapOvr>
     <a:masterClrMapping/>
   </p:clrMapOvr>
-  <p:transition xmlns:p14="http://schemas.microsoft.com/office/powerpoint/2010/main" spd="med" advClick="1"/>
+  <p:transition spd="med"/>
 </p:sldLayout>
 </file>
 
 <file path=ppt/slideLayouts/slideLayout20.xml><?xml version="1.0" encoding="utf-8"?>
-<p:sldLayout xmlns:a="http://schemas.openxmlformats.org/drawingml/2006/main" xmlns:r="http://schemas.openxmlformats.org/officeDocument/2006/relationships" xmlns:p="http://schemas.openxmlformats.org/presentationml/2006/main" xmlns:m="http://schemas.openxmlformats.org/officeDocument/2006/math" xmlns:a14="http://schemas.microsoft.com/office/drawing/2010/main" type="tx" showMasterSp="1" showMasterPhAnim="1">
+<p:sldLayout xmlns:a="http://schemas.openxmlformats.org/drawingml/2006/main" xmlns:r="http://schemas.openxmlformats.org/officeDocument/2006/relationships" xmlns:p="http://schemas.openxmlformats.org/presentationml/2006/main" type="tx">
   <p:cSld name="18_Title Slide">
     <p:spTree>
       <p:nvGrpSpPr>
@@ -3977,9 +4077,7 @@
           <p:nvPr/>
         </p:nvPicPr>
         <p:blipFill>
-          <a:blip r:embed="rId2">
-            <a:extLst/>
-          </a:blip>
+          <a:blip r:embed="rId2"/>
           <a:stretch>
             <a:fillRect/>
           </a:stretch>
@@ -4000,7 +4098,9 @@
       <p:sp>
         <p:nvSpPr>
           <p:cNvPr id="221" name="Slide Number"/>
-          <p:cNvSpPr txBox="1"/>
+          <p:cNvSpPr txBox="1">
+            <a:spLocks noGrp="1"/>
+          </p:cNvSpPr>
           <p:nvPr>
             <p:ph type="sldNum" sz="quarter" idx="2"/>
           </p:nvPr>
@@ -4014,8 +4114,10 @@
           <a:bodyPr/>
           <a:lstStyle/>
           <a:p>
-            <a:pPr/>
-            <a:fld id="{86CB4B4D-7CA3-9044-876B-883B54F8677D}" type="slidenum"/>
+            <a:fld id="{86CB4B4D-7CA3-9044-876B-883B54F8677D}" type="slidenum">
+              <a:t>‹#›</a:t>
+            </a:fld>
+            <a:endParaRPr/>
           </a:p>
         </p:txBody>
       </p:sp>
@@ -4024,12 +4126,12 @@
   <p:clrMapOvr>
     <a:masterClrMapping/>
   </p:clrMapOvr>
-  <p:transition xmlns:p14="http://schemas.microsoft.com/office/powerpoint/2010/main" spd="med" advClick="1"/>
+  <p:transition spd="med"/>
 </p:sldLayout>
 </file>
 
 <file path=ppt/slideLayouts/slideLayout21.xml><?xml version="1.0" encoding="utf-8"?>
-<p:sldLayout xmlns:a="http://schemas.openxmlformats.org/drawingml/2006/main" xmlns:r="http://schemas.openxmlformats.org/officeDocument/2006/relationships" xmlns:p="http://schemas.openxmlformats.org/presentationml/2006/main" xmlns:m="http://schemas.openxmlformats.org/officeDocument/2006/math" xmlns:a14="http://schemas.microsoft.com/office/drawing/2010/main" type="tx" showMasterSp="0" showMasterPhAnim="1">
+<p:sldLayout xmlns:a="http://schemas.openxmlformats.org/drawingml/2006/main" xmlns:r="http://schemas.openxmlformats.org/officeDocument/2006/relationships" xmlns:p="http://schemas.openxmlformats.org/presentationml/2006/main" showMasterSp="0" type="tx">
   <p:cSld name="TITLE_AND_BODY">
     <p:spTree>
       <p:nvGrpSpPr>
@@ -4048,7 +4150,9 @@
       <p:sp>
         <p:nvSpPr>
           <p:cNvPr id="228" name="Google Shape;174;p22"/>
-          <p:cNvSpPr/>
+          <p:cNvSpPr>
+            <a:spLocks noGrp="1"/>
+          </p:cNvSpPr>
           <p:nvPr>
             <p:ph type="pic" sz="half" idx="21"/>
           </p:nvPr>
@@ -4068,14 +4172,16 @@
           </a:bodyPr>
           <a:lstStyle/>
           <a:p>
-            <a:pPr/>
+            <a:endParaRPr/>
           </a:p>
         </p:txBody>
       </p:sp>
       <p:sp>
         <p:nvSpPr>
           <p:cNvPr id="229" name="Title Text"/>
-          <p:cNvSpPr txBox="1"/>
+          <p:cNvSpPr txBox="1">
+            <a:spLocks noGrp="1"/>
+          </p:cNvSpPr>
           <p:nvPr>
             <p:ph type="title"/>
           </p:nvPr>
@@ -4099,7 +4205,6 @@
             </a:lvl1pPr>
           </a:lstStyle>
           <a:p>
-            <a:pPr/>
             <a:r>
               <a:t>Title Text</a:t>
             </a:r>
@@ -4109,7 +4214,9 @@
       <p:sp>
         <p:nvSpPr>
           <p:cNvPr id="230" name="Body Level One…"/>
-          <p:cNvSpPr txBox="1"/>
+          <p:cNvSpPr txBox="1">
+            <a:spLocks noGrp="1"/>
+          </p:cNvSpPr>
           <p:nvPr>
             <p:ph type="body" sz="half" idx="1"/>
           </p:nvPr>
@@ -4183,7 +4290,6 @@
             </a:lvl5pPr>
           </a:lstStyle>
           <a:p>
-            <a:pPr/>
             <a:r>
               <a:t>Body Level One</a:t>
             </a:r>
@@ -4217,7 +4323,9 @@
       <p:sp>
         <p:nvSpPr>
           <p:cNvPr id="231" name="Slide Number"/>
-          <p:cNvSpPr txBox="1"/>
+          <p:cNvSpPr txBox="1">
+            <a:spLocks noGrp="1"/>
+          </p:cNvSpPr>
           <p:nvPr>
             <p:ph type="sldNum" sz="quarter" idx="2"/>
           </p:nvPr>
@@ -4244,8 +4352,10 @@
             </a:lvl1pPr>
           </a:lstStyle>
           <a:p>
-            <a:pPr/>
-            <a:fld id="{86CB4B4D-7CA3-9044-876B-883B54F8677D}" type="slidenum"/>
+            <a:fld id="{86CB4B4D-7CA3-9044-876B-883B54F8677D}" type="slidenum">
+              <a:t>‹#›</a:t>
+            </a:fld>
+            <a:endParaRPr/>
           </a:p>
         </p:txBody>
       </p:sp>
@@ -4254,12 +4364,12 @@
   <p:clrMapOvr>
     <a:masterClrMapping/>
   </p:clrMapOvr>
-  <p:transition xmlns:p14="http://schemas.microsoft.com/office/powerpoint/2010/main" spd="med" advClick="1"/>
+  <p:transition spd="med"/>
 </p:sldLayout>
 </file>
 
 <file path=ppt/slideLayouts/slideLayout22.xml><?xml version="1.0" encoding="utf-8"?>
-<p:sldLayout xmlns:a="http://schemas.openxmlformats.org/drawingml/2006/main" xmlns:r="http://schemas.openxmlformats.org/officeDocument/2006/relationships" xmlns:p="http://schemas.openxmlformats.org/presentationml/2006/main" xmlns:m="http://schemas.openxmlformats.org/officeDocument/2006/math" xmlns:a14="http://schemas.microsoft.com/office/drawing/2010/main" type="tx" showMasterSp="0" showMasterPhAnim="1">
+<p:sldLayout xmlns:a="http://schemas.openxmlformats.org/drawingml/2006/main" xmlns:r="http://schemas.openxmlformats.org/officeDocument/2006/relationships" xmlns:p="http://schemas.openxmlformats.org/presentationml/2006/main" showMasterSp="0" type="tx">
   <p:cSld name="TITLE_AND_BODY_1">
     <p:spTree>
       <p:nvGrpSpPr>
@@ -4278,7 +4388,9 @@
       <p:sp>
         <p:nvSpPr>
           <p:cNvPr id="238" name="Title Text"/>
-          <p:cNvSpPr txBox="1"/>
+          <p:cNvSpPr txBox="1">
+            <a:spLocks noGrp="1"/>
+          </p:cNvSpPr>
           <p:nvPr>
             <p:ph type="title"/>
           </p:nvPr>
@@ -4302,7 +4414,6 @@
             </a:lvl1pPr>
           </a:lstStyle>
           <a:p>
-            <a:pPr/>
             <a:r>
               <a:t>Title Text</a:t>
             </a:r>
@@ -4312,7 +4423,9 @@
       <p:sp>
         <p:nvSpPr>
           <p:cNvPr id="239" name="Body Level One…"/>
-          <p:cNvSpPr txBox="1"/>
+          <p:cNvSpPr txBox="1">
+            <a:spLocks noGrp="1"/>
+          </p:cNvSpPr>
           <p:nvPr>
             <p:ph type="body" idx="1"/>
           </p:nvPr>
@@ -4376,7 +4489,6 @@
             </a:lvl5pPr>
           </a:lstStyle>
           <a:p>
-            <a:pPr/>
             <a:r>
               <a:t>Body Level One</a:t>
             </a:r>
@@ -4410,7 +4522,9 @@
       <p:sp>
         <p:nvSpPr>
           <p:cNvPr id="240" name="Slide Number"/>
-          <p:cNvSpPr txBox="1"/>
+          <p:cNvSpPr txBox="1">
+            <a:spLocks noGrp="1"/>
+          </p:cNvSpPr>
           <p:nvPr>
             <p:ph type="sldNum" sz="quarter" idx="2"/>
           </p:nvPr>
@@ -4440,8 +4554,10 @@
             </a:lvl1pPr>
           </a:lstStyle>
           <a:p>
-            <a:pPr/>
-            <a:fld id="{86CB4B4D-7CA3-9044-876B-883B54F8677D}" type="slidenum"/>
+            <a:fld id="{86CB4B4D-7CA3-9044-876B-883B54F8677D}" type="slidenum">
+              <a:t>‹#›</a:t>
+            </a:fld>
+            <a:endParaRPr/>
           </a:p>
         </p:txBody>
       </p:sp>
@@ -4450,12 +4566,12 @@
   <p:clrMapOvr>
     <a:masterClrMapping/>
   </p:clrMapOvr>
-  <p:transition xmlns:p14="http://schemas.microsoft.com/office/powerpoint/2010/main" spd="med" advClick="1"/>
+  <p:transition spd="med"/>
 </p:sldLayout>
 </file>
 
 <file path=ppt/slideLayouts/slideLayout23.xml><?xml version="1.0" encoding="utf-8"?>
-<p:sldLayout xmlns:a="http://schemas.openxmlformats.org/drawingml/2006/main" xmlns:r="http://schemas.openxmlformats.org/officeDocument/2006/relationships" xmlns:p="http://schemas.openxmlformats.org/presentationml/2006/main" xmlns:m="http://schemas.openxmlformats.org/officeDocument/2006/math" xmlns:a14="http://schemas.microsoft.com/office/drawing/2010/main" type="tx" showMasterSp="0" showMasterPhAnim="1">
+<p:sldLayout xmlns:a="http://schemas.openxmlformats.org/drawingml/2006/main" xmlns:r="http://schemas.openxmlformats.org/officeDocument/2006/relationships" xmlns:p="http://schemas.openxmlformats.org/presentationml/2006/main" showMasterSp="0" type="tx">
   <p:cSld name="MAIN_POINT">
     <p:spTree>
       <p:nvGrpSpPr>
@@ -4474,7 +4590,9 @@
       <p:sp>
         <p:nvSpPr>
           <p:cNvPr id="247" name="Title Text"/>
-          <p:cNvSpPr txBox="1"/>
+          <p:cNvSpPr txBox="1">
+            <a:spLocks noGrp="1"/>
+          </p:cNvSpPr>
           <p:nvPr>
             <p:ph type="title"/>
           </p:nvPr>
@@ -4496,7 +4614,6 @@
             </a:lvl1pPr>
           </a:lstStyle>
           <a:p>
-            <a:pPr/>
             <a:r>
               <a:t>Title Text</a:t>
             </a:r>
@@ -4506,7 +4623,9 @@
       <p:sp>
         <p:nvSpPr>
           <p:cNvPr id="248" name="Slide Number"/>
-          <p:cNvSpPr txBox="1"/>
+          <p:cNvSpPr txBox="1">
+            <a:spLocks noGrp="1"/>
+          </p:cNvSpPr>
           <p:nvPr>
             <p:ph type="sldNum" sz="quarter" idx="2"/>
           </p:nvPr>
@@ -4524,8 +4643,10 @@
           <a:bodyPr/>
           <a:lstStyle/>
           <a:p>
-            <a:pPr/>
-            <a:fld id="{86CB4B4D-7CA3-9044-876B-883B54F8677D}" type="slidenum"/>
+            <a:fld id="{86CB4B4D-7CA3-9044-876B-883B54F8677D}" type="slidenum">
+              <a:t>‹#›</a:t>
+            </a:fld>
+            <a:endParaRPr/>
           </a:p>
         </p:txBody>
       </p:sp>
@@ -4534,18 +4655,19 @@
   <p:clrMapOvr>
     <a:masterClrMapping/>
   </p:clrMapOvr>
-  <p:transition xmlns:p14="http://schemas.microsoft.com/office/powerpoint/2010/main" spd="med" advClick="1"/>
+  <p:transition spd="med"/>
 </p:sldLayout>
 </file>
 
 <file path=ppt/slideLayouts/slideLayout24.xml><?xml version="1.0" encoding="utf-8"?>
-<p:sldLayout xmlns:a="http://schemas.openxmlformats.org/drawingml/2006/main" xmlns:r="http://schemas.openxmlformats.org/officeDocument/2006/relationships" xmlns:p="http://schemas.openxmlformats.org/presentationml/2006/main" xmlns:m="http://schemas.openxmlformats.org/officeDocument/2006/math" xmlns:a14="http://schemas.microsoft.com/office/drawing/2010/main" type="tx" showMasterSp="0" showMasterPhAnim="1">
+<p:sldLayout xmlns:a="http://schemas.openxmlformats.org/drawingml/2006/main" xmlns:r="http://schemas.openxmlformats.org/officeDocument/2006/relationships" xmlns:p="http://schemas.openxmlformats.org/presentationml/2006/main" showMasterSp="0" type="tx">
   <p:cSld name="TITLE">
     <p:bg>
       <p:bgPr>
         <a:solidFill>
           <a:srgbClr val="000000"/>
         </a:solidFill>
+        <a:effectLst/>
       </p:bgPr>
     </p:bg>
     <p:spTree>
@@ -4593,7 +4715,7 @@
             </a:cxnLst>
             <a:rect l="0" t="0" r="r" b="b"/>
             <a:pathLst>
-              <a:path w="21600" h="21600" fill="norm" stroke="1" extrusionOk="0">
+              <a:path w="21600" h="21600" extrusionOk="0">
                 <a:moveTo>
                   <a:pt x="0" y="0"/>
                 </a:moveTo>
@@ -4621,14 +4743,16 @@
           <a:bodyPr lIns="0" tIns="0" rIns="0" bIns="0"/>
           <a:lstStyle/>
           <a:p>
-            <a:pPr/>
+            <a:endParaRPr/>
           </a:p>
         </p:txBody>
       </p:sp>
       <p:sp>
         <p:nvSpPr>
           <p:cNvPr id="256" name="Title Text"/>
-          <p:cNvSpPr txBox="1"/>
+          <p:cNvSpPr txBox="1">
+            <a:spLocks noGrp="1"/>
+          </p:cNvSpPr>
           <p:nvPr>
             <p:ph type="title"/>
           </p:nvPr>
@@ -4650,7 +4774,6 @@
             </a:lvl1pPr>
           </a:lstStyle>
           <a:p>
-            <a:pPr/>
             <a:r>
               <a:t>Title Text</a:t>
             </a:r>
@@ -4660,7 +4783,9 @@
       <p:sp>
         <p:nvSpPr>
           <p:cNvPr id="257" name="Body Level One…"/>
-          <p:cNvSpPr txBox="1"/>
+          <p:cNvSpPr txBox="1">
+            <a:spLocks noGrp="1"/>
+          </p:cNvSpPr>
           <p:nvPr>
             <p:ph type="body" sz="quarter" idx="1"/>
           </p:nvPr>
@@ -4749,7 +4874,6 @@
             </a:lvl5pPr>
           </a:lstStyle>
           <a:p>
-            <a:pPr/>
             <a:r>
               <a:t>Body Level One</a:t>
             </a:r>
@@ -4783,7 +4907,9 @@
       <p:sp>
         <p:nvSpPr>
           <p:cNvPr id="258" name="Slide Number"/>
-          <p:cNvSpPr txBox="1"/>
+          <p:cNvSpPr txBox="1">
+            <a:spLocks noGrp="1"/>
+          </p:cNvSpPr>
           <p:nvPr>
             <p:ph type="sldNum" sz="quarter" idx="2"/>
           </p:nvPr>
@@ -4809,8 +4935,10 @@
             </a:lvl1pPr>
           </a:lstStyle>
           <a:p>
-            <a:pPr/>
-            <a:fld id="{86CB4B4D-7CA3-9044-876B-883B54F8677D}" type="slidenum"/>
+            <a:fld id="{86CB4B4D-7CA3-9044-876B-883B54F8677D}" type="slidenum">
+              <a:t>‹#›</a:t>
+            </a:fld>
+            <a:endParaRPr/>
           </a:p>
         </p:txBody>
       </p:sp>
@@ -4819,12 +4947,12 @@
   <p:clrMapOvr>
     <a:masterClrMapping/>
   </p:clrMapOvr>
-  <p:transition xmlns:p14="http://schemas.microsoft.com/office/powerpoint/2010/main" spd="med" advClick="1"/>
+  <p:transition spd="med"/>
 </p:sldLayout>
 </file>
 
 <file path=ppt/slideLayouts/slideLayout25.xml><?xml version="1.0" encoding="utf-8"?>
-<p:sldLayout xmlns:a="http://schemas.openxmlformats.org/drawingml/2006/main" xmlns:r="http://schemas.openxmlformats.org/officeDocument/2006/relationships" xmlns:p="http://schemas.openxmlformats.org/presentationml/2006/main" xmlns:m="http://schemas.openxmlformats.org/officeDocument/2006/math" xmlns:a14="http://schemas.microsoft.com/office/drawing/2010/main" type="tx" showMasterSp="0" showMasterPhAnim="1">
+<p:sldLayout xmlns:a="http://schemas.openxmlformats.org/drawingml/2006/main" xmlns:r="http://schemas.openxmlformats.org/officeDocument/2006/relationships" xmlns:p="http://schemas.openxmlformats.org/presentationml/2006/main" showMasterSp="0" type="tx">
   <p:cSld name="ONE_COLUMN_TEXT">
     <p:spTree>
       <p:nvGrpSpPr>
@@ -4843,7 +4971,9 @@
       <p:sp>
         <p:nvSpPr>
           <p:cNvPr id="265" name="Title Text"/>
-          <p:cNvSpPr txBox="1"/>
+          <p:cNvSpPr txBox="1">
+            <a:spLocks noGrp="1"/>
+          </p:cNvSpPr>
           <p:nvPr>
             <p:ph type="title"/>
           </p:nvPr>
@@ -4865,7 +4995,6 @@
             </a:lvl1pPr>
           </a:lstStyle>
           <a:p>
-            <a:pPr/>
             <a:r>
               <a:t>Title Text</a:t>
             </a:r>
@@ -4875,7 +5004,9 @@
       <p:sp>
         <p:nvSpPr>
           <p:cNvPr id="266" name="Body Level One…"/>
-          <p:cNvSpPr txBox="1"/>
+          <p:cNvSpPr txBox="1">
+            <a:spLocks noGrp="1"/>
+          </p:cNvSpPr>
           <p:nvPr>
             <p:ph type="body" sz="quarter" idx="1"/>
           </p:nvPr>
@@ -4914,7 +5045,6 @@
             </a:lvl5pPr>
           </a:lstStyle>
           <a:p>
-            <a:pPr/>
             <a:r>
               <a:t>Body Level One</a:t>
             </a:r>
@@ -4948,7 +5078,9 @@
       <p:sp>
         <p:nvSpPr>
           <p:cNvPr id="267" name="Slide Number"/>
-          <p:cNvSpPr txBox="1"/>
+          <p:cNvSpPr txBox="1">
+            <a:spLocks noGrp="1"/>
+          </p:cNvSpPr>
           <p:nvPr>
             <p:ph type="sldNum" sz="quarter" idx="2"/>
           </p:nvPr>
@@ -4966,8 +5098,10 @@
           <a:bodyPr/>
           <a:lstStyle/>
           <a:p>
-            <a:pPr/>
-            <a:fld id="{86CB4B4D-7CA3-9044-876B-883B54F8677D}" type="slidenum"/>
+            <a:fld id="{86CB4B4D-7CA3-9044-876B-883B54F8677D}" type="slidenum">
+              <a:t>‹#›</a:t>
+            </a:fld>
+            <a:endParaRPr/>
           </a:p>
         </p:txBody>
       </p:sp>
@@ -4976,12 +5110,12 @@
   <p:clrMapOvr>
     <a:masterClrMapping/>
   </p:clrMapOvr>
-  <p:transition xmlns:p14="http://schemas.microsoft.com/office/powerpoint/2010/main" spd="med" advClick="1"/>
+  <p:transition spd="med"/>
 </p:sldLayout>
 </file>
 
 <file path=ppt/slideLayouts/slideLayout26.xml><?xml version="1.0" encoding="utf-8"?>
-<p:sldLayout xmlns:a="http://schemas.openxmlformats.org/drawingml/2006/main" xmlns:r="http://schemas.openxmlformats.org/officeDocument/2006/relationships" xmlns:p="http://schemas.openxmlformats.org/presentationml/2006/main" xmlns:m="http://schemas.openxmlformats.org/officeDocument/2006/math" xmlns:a14="http://schemas.microsoft.com/office/drawing/2010/main" type="tx" showMasterSp="0" showMasterPhAnim="1">
+<p:sldLayout xmlns:a="http://schemas.openxmlformats.org/drawingml/2006/main" xmlns:r="http://schemas.openxmlformats.org/officeDocument/2006/relationships" xmlns:p="http://schemas.openxmlformats.org/presentationml/2006/main" showMasterSp="0" type="tx">
   <p:cSld name="BLANK">
     <p:spTree>
       <p:nvGrpSpPr>
@@ -5025,13 +5159,16 @@
             <a:pPr>
               <a:defRPr sz="1500"/>
             </a:pPr>
+            <a:endParaRPr/>
           </a:p>
         </p:txBody>
       </p:sp>
       <p:sp>
         <p:nvSpPr>
           <p:cNvPr id="275" name="Slide Number"/>
-          <p:cNvSpPr txBox="1"/>
+          <p:cNvSpPr txBox="1">
+            <a:spLocks noGrp="1"/>
+          </p:cNvSpPr>
           <p:nvPr>
             <p:ph type="sldNum" sz="quarter" idx="2"/>
           </p:nvPr>
@@ -5061,8 +5198,10 @@
             </a:lvl1pPr>
           </a:lstStyle>
           <a:p>
-            <a:pPr/>
-            <a:fld id="{86CB4B4D-7CA3-9044-876B-883B54F8677D}" type="slidenum"/>
+            <a:fld id="{86CB4B4D-7CA3-9044-876B-883B54F8677D}" type="slidenum">
+              <a:t>‹#›</a:t>
+            </a:fld>
+            <a:endParaRPr/>
           </a:p>
         </p:txBody>
       </p:sp>
@@ -5071,12 +5210,12 @@
   <p:clrMapOvr>
     <a:masterClrMapping/>
   </p:clrMapOvr>
-  <p:transition xmlns:p14="http://schemas.microsoft.com/office/powerpoint/2010/main" spd="med" advClick="1"/>
+  <p:transition spd="med"/>
 </p:sldLayout>
 </file>
 
 <file path=ppt/slideLayouts/slideLayout3.xml><?xml version="1.0" encoding="utf-8"?>
-<p:sldLayout xmlns:a="http://schemas.openxmlformats.org/drawingml/2006/main" xmlns:r="http://schemas.openxmlformats.org/officeDocument/2006/relationships" xmlns:p="http://schemas.openxmlformats.org/presentationml/2006/main" xmlns:m="http://schemas.openxmlformats.org/officeDocument/2006/math" xmlns:a14="http://schemas.microsoft.com/office/drawing/2010/main" type="tx" showMasterSp="1" showMasterPhAnim="1">
+<p:sldLayout xmlns:a="http://schemas.openxmlformats.org/drawingml/2006/main" xmlns:r="http://schemas.openxmlformats.org/officeDocument/2006/relationships" xmlns:p="http://schemas.openxmlformats.org/presentationml/2006/main" type="tx">
   <p:cSld name="1_Title Slide">
     <p:spTree>
       <p:nvGrpSpPr>
@@ -5101,9 +5240,7 @@
           <p:nvPr/>
         </p:nvPicPr>
         <p:blipFill>
-          <a:blip r:embed="rId2">
-            <a:extLst/>
-          </a:blip>
+          <a:blip r:embed="rId2"/>
           <a:stretch>
             <a:fillRect/>
           </a:stretch>
@@ -5124,7 +5261,9 @@
       <p:sp>
         <p:nvSpPr>
           <p:cNvPr id="32" name="Slide Number"/>
-          <p:cNvSpPr txBox="1"/>
+          <p:cNvSpPr txBox="1">
+            <a:spLocks noGrp="1"/>
+          </p:cNvSpPr>
           <p:nvPr>
             <p:ph type="sldNum" sz="quarter" idx="2"/>
           </p:nvPr>
@@ -5138,8 +5277,10 @@
           <a:bodyPr/>
           <a:lstStyle/>
           <a:p>
-            <a:pPr/>
-            <a:fld id="{86CB4B4D-7CA3-9044-876B-883B54F8677D}" type="slidenum"/>
+            <a:fld id="{86CB4B4D-7CA3-9044-876B-883B54F8677D}" type="slidenum">
+              <a:t>‹#›</a:t>
+            </a:fld>
+            <a:endParaRPr/>
           </a:p>
         </p:txBody>
       </p:sp>
@@ -5148,12 +5289,12 @@
   <p:clrMapOvr>
     <a:masterClrMapping/>
   </p:clrMapOvr>
-  <p:transition xmlns:p14="http://schemas.microsoft.com/office/powerpoint/2010/main" spd="med" advClick="1"/>
+  <p:transition spd="med"/>
 </p:sldLayout>
 </file>
 
 <file path=ppt/slideLayouts/slideLayout4.xml><?xml version="1.0" encoding="utf-8"?>
-<p:sldLayout xmlns:a="http://schemas.openxmlformats.org/drawingml/2006/main" xmlns:r="http://schemas.openxmlformats.org/officeDocument/2006/relationships" xmlns:p="http://schemas.openxmlformats.org/presentationml/2006/main" xmlns:m="http://schemas.openxmlformats.org/officeDocument/2006/math" xmlns:a14="http://schemas.microsoft.com/office/drawing/2010/main" type="tx" showMasterSp="1" showMasterPhAnim="1">
+<p:sldLayout xmlns:a="http://schemas.openxmlformats.org/drawingml/2006/main" xmlns:r="http://schemas.openxmlformats.org/officeDocument/2006/relationships" xmlns:p="http://schemas.openxmlformats.org/presentationml/2006/main" type="tx">
   <p:cSld name="12_Title Slide">
     <p:spTree>
       <p:nvGrpSpPr>
@@ -5178,9 +5319,7 @@
           <p:nvPr/>
         </p:nvPicPr>
         <p:blipFill>
-          <a:blip r:embed="rId2">
-            <a:extLst/>
-          </a:blip>
+          <a:blip r:embed="rId2"/>
           <a:stretch>
             <a:fillRect/>
           </a:stretch>
@@ -5201,7 +5340,9 @@
       <p:sp>
         <p:nvSpPr>
           <p:cNvPr id="40" name="Slide Number"/>
-          <p:cNvSpPr txBox="1"/>
+          <p:cNvSpPr txBox="1">
+            <a:spLocks noGrp="1"/>
+          </p:cNvSpPr>
           <p:nvPr>
             <p:ph type="sldNum" sz="quarter" idx="2"/>
           </p:nvPr>
@@ -5215,8 +5356,10 @@
           <a:bodyPr/>
           <a:lstStyle/>
           <a:p>
-            <a:pPr/>
-            <a:fld id="{86CB4B4D-7CA3-9044-876B-883B54F8677D}" type="slidenum"/>
+            <a:fld id="{86CB4B4D-7CA3-9044-876B-883B54F8677D}" type="slidenum">
+              <a:t>‹#›</a:t>
+            </a:fld>
+            <a:endParaRPr/>
           </a:p>
         </p:txBody>
       </p:sp>
@@ -5225,12 +5368,12 @@
   <p:clrMapOvr>
     <a:masterClrMapping/>
   </p:clrMapOvr>
-  <p:transition xmlns:p14="http://schemas.microsoft.com/office/powerpoint/2010/main" spd="med" advClick="1"/>
+  <p:transition spd="med"/>
 </p:sldLayout>
 </file>
 
 <file path=ppt/slideLayouts/slideLayout5.xml><?xml version="1.0" encoding="utf-8"?>
-<p:sldLayout xmlns:a="http://schemas.openxmlformats.org/drawingml/2006/main" xmlns:r="http://schemas.openxmlformats.org/officeDocument/2006/relationships" xmlns:p="http://schemas.openxmlformats.org/presentationml/2006/main" xmlns:m="http://schemas.openxmlformats.org/officeDocument/2006/math" xmlns:a14="http://schemas.microsoft.com/office/drawing/2010/main" type="tx" showMasterSp="1" showMasterPhAnim="1">
+<p:sldLayout xmlns:a="http://schemas.openxmlformats.org/drawingml/2006/main" xmlns:r="http://schemas.openxmlformats.org/officeDocument/2006/relationships" xmlns:p="http://schemas.openxmlformats.org/presentationml/2006/main" type="tx">
   <p:cSld name="2_Title Slide">
     <p:spTree>
       <p:nvGrpSpPr>
@@ -5249,7 +5392,9 @@
       <p:sp>
         <p:nvSpPr>
           <p:cNvPr id="47" name="Google Shape;36;p6"/>
-          <p:cNvSpPr/>
+          <p:cNvSpPr>
+            <a:spLocks noGrp="1"/>
+          </p:cNvSpPr>
           <p:nvPr>
             <p:ph type="pic" sz="half" idx="21"/>
           </p:nvPr>
@@ -5269,7 +5414,7 @@
           </a:bodyPr>
           <a:lstStyle/>
           <a:p>
-            <a:pPr/>
+            <a:endParaRPr/>
           </a:p>
         </p:txBody>
       </p:sp>
@@ -5282,9 +5427,7 @@
           <p:nvPr/>
         </p:nvPicPr>
         <p:blipFill>
-          <a:blip r:embed="rId2">
-            <a:extLst/>
-          </a:blip>
+          <a:blip r:embed="rId2"/>
           <a:stretch>
             <a:fillRect/>
           </a:stretch>
@@ -5305,7 +5448,9 @@
       <p:sp>
         <p:nvSpPr>
           <p:cNvPr id="49" name="Slide Number"/>
-          <p:cNvSpPr txBox="1"/>
+          <p:cNvSpPr txBox="1">
+            <a:spLocks noGrp="1"/>
+          </p:cNvSpPr>
           <p:nvPr>
             <p:ph type="sldNum" sz="quarter" idx="2"/>
           </p:nvPr>
@@ -5319,8 +5464,10 @@
           <a:bodyPr/>
           <a:lstStyle/>
           <a:p>
-            <a:pPr/>
-            <a:fld id="{86CB4B4D-7CA3-9044-876B-883B54F8677D}" type="slidenum"/>
+            <a:fld id="{86CB4B4D-7CA3-9044-876B-883B54F8677D}" type="slidenum">
+              <a:t>‹#›</a:t>
+            </a:fld>
+            <a:endParaRPr/>
           </a:p>
         </p:txBody>
       </p:sp>
@@ -5329,12 +5476,12 @@
   <p:clrMapOvr>
     <a:masterClrMapping/>
   </p:clrMapOvr>
-  <p:transition xmlns:p14="http://schemas.microsoft.com/office/powerpoint/2010/main" spd="med" advClick="1"/>
+  <p:transition spd="med"/>
 </p:sldLayout>
 </file>
 
 <file path=ppt/slideLayouts/slideLayout6.xml><?xml version="1.0" encoding="utf-8"?>
-<p:sldLayout xmlns:a="http://schemas.openxmlformats.org/drawingml/2006/main" xmlns:r="http://schemas.openxmlformats.org/officeDocument/2006/relationships" xmlns:p="http://schemas.openxmlformats.org/presentationml/2006/main" xmlns:m="http://schemas.openxmlformats.org/officeDocument/2006/math" xmlns:a14="http://schemas.microsoft.com/office/drawing/2010/main" type="tx" showMasterSp="1" showMasterPhAnim="1">
+<p:sldLayout xmlns:a="http://schemas.openxmlformats.org/drawingml/2006/main" xmlns:r="http://schemas.openxmlformats.org/officeDocument/2006/relationships" xmlns:p="http://schemas.openxmlformats.org/presentationml/2006/main" type="tx">
   <p:cSld name="6_Title Slide">
     <p:spTree>
       <p:nvGrpSpPr>
@@ -5359,9 +5506,7 @@
           <p:nvPr/>
         </p:nvPicPr>
         <p:blipFill>
-          <a:blip r:embed="rId2">
-            <a:extLst/>
-          </a:blip>
+          <a:blip r:embed="rId2"/>
           <a:stretch>
             <a:fillRect/>
           </a:stretch>
@@ -5382,7 +5527,9 @@
       <p:sp>
         <p:nvSpPr>
           <p:cNvPr id="57" name="Slide Number"/>
-          <p:cNvSpPr txBox="1"/>
+          <p:cNvSpPr txBox="1">
+            <a:spLocks noGrp="1"/>
+          </p:cNvSpPr>
           <p:nvPr>
             <p:ph type="sldNum" sz="quarter" idx="2"/>
           </p:nvPr>
@@ -5396,8 +5543,10 @@
           <a:bodyPr/>
           <a:lstStyle/>
           <a:p>
-            <a:pPr/>
-            <a:fld id="{86CB4B4D-7CA3-9044-876B-883B54F8677D}" type="slidenum"/>
+            <a:fld id="{86CB4B4D-7CA3-9044-876B-883B54F8677D}" type="slidenum">
+              <a:t>‹#›</a:t>
+            </a:fld>
+            <a:endParaRPr/>
           </a:p>
         </p:txBody>
       </p:sp>
@@ -5406,12 +5555,12 @@
   <p:clrMapOvr>
     <a:masterClrMapping/>
   </p:clrMapOvr>
-  <p:transition xmlns:p14="http://schemas.microsoft.com/office/powerpoint/2010/main" spd="med" advClick="1"/>
+  <p:transition spd="med"/>
 </p:sldLayout>
 </file>
 
 <file path=ppt/slideLayouts/slideLayout7.xml><?xml version="1.0" encoding="utf-8"?>
-<p:sldLayout xmlns:a="http://schemas.openxmlformats.org/drawingml/2006/main" xmlns:r="http://schemas.openxmlformats.org/officeDocument/2006/relationships" xmlns:p="http://schemas.openxmlformats.org/presentationml/2006/main" xmlns:m="http://schemas.openxmlformats.org/officeDocument/2006/math" xmlns:a14="http://schemas.microsoft.com/office/drawing/2010/main" type="tx" showMasterSp="1" showMasterPhAnim="1">
+<p:sldLayout xmlns:a="http://schemas.openxmlformats.org/drawingml/2006/main" xmlns:r="http://schemas.openxmlformats.org/officeDocument/2006/relationships" xmlns:p="http://schemas.openxmlformats.org/presentationml/2006/main" type="tx">
   <p:cSld name="3_Title Slide">
     <p:spTree>
       <p:nvGrpSpPr>
@@ -5430,7 +5579,9 @@
       <p:sp>
         <p:nvSpPr>
           <p:cNvPr id="64" name="Google Shape;53;p8"/>
-          <p:cNvSpPr/>
+          <p:cNvSpPr>
+            <a:spLocks noGrp="1"/>
+          </p:cNvSpPr>
           <p:nvPr>
             <p:ph type="pic" sz="half" idx="21"/>
           </p:nvPr>
@@ -5450,7 +5601,7 @@
           </a:bodyPr>
           <a:lstStyle/>
           <a:p>
-            <a:pPr/>
+            <a:endParaRPr/>
           </a:p>
         </p:txBody>
       </p:sp>
@@ -5463,9 +5614,7 @@
           <p:nvPr/>
         </p:nvPicPr>
         <p:blipFill>
-          <a:blip r:embed="rId2">
-            <a:extLst/>
-          </a:blip>
+          <a:blip r:embed="rId2"/>
           <a:stretch>
             <a:fillRect/>
           </a:stretch>
@@ -5486,7 +5635,9 @@
       <p:sp>
         <p:nvSpPr>
           <p:cNvPr id="66" name="Slide Number"/>
-          <p:cNvSpPr txBox="1"/>
+          <p:cNvSpPr txBox="1">
+            <a:spLocks noGrp="1"/>
+          </p:cNvSpPr>
           <p:nvPr>
             <p:ph type="sldNum" sz="quarter" idx="2"/>
           </p:nvPr>
@@ -5500,8 +5651,10 @@
           <a:bodyPr/>
           <a:lstStyle/>
           <a:p>
-            <a:pPr/>
-            <a:fld id="{86CB4B4D-7CA3-9044-876B-883B54F8677D}" type="slidenum"/>
+            <a:fld id="{86CB4B4D-7CA3-9044-876B-883B54F8677D}" type="slidenum">
+              <a:t>‹#›</a:t>
+            </a:fld>
+            <a:endParaRPr/>
           </a:p>
         </p:txBody>
       </p:sp>
@@ -5510,12 +5663,12 @@
   <p:clrMapOvr>
     <a:masterClrMapping/>
   </p:clrMapOvr>
-  <p:transition xmlns:p14="http://schemas.microsoft.com/office/powerpoint/2010/main" spd="med" advClick="1"/>
+  <p:transition spd="med"/>
 </p:sldLayout>
 </file>
 
 <file path=ppt/slideLayouts/slideLayout8.xml><?xml version="1.0" encoding="utf-8"?>
-<p:sldLayout xmlns:a="http://schemas.openxmlformats.org/drawingml/2006/main" xmlns:r="http://schemas.openxmlformats.org/officeDocument/2006/relationships" xmlns:p="http://schemas.openxmlformats.org/presentationml/2006/main" xmlns:m="http://schemas.openxmlformats.org/officeDocument/2006/math" xmlns:a14="http://schemas.microsoft.com/office/drawing/2010/main" type="tx" showMasterSp="1" showMasterPhAnim="1">
+<p:sldLayout xmlns:a="http://schemas.openxmlformats.org/drawingml/2006/main" xmlns:r="http://schemas.openxmlformats.org/officeDocument/2006/relationships" xmlns:p="http://schemas.openxmlformats.org/presentationml/2006/main" type="tx">
   <p:cSld name="5_Title Slide">
     <p:spTree>
       <p:nvGrpSpPr>
@@ -5540,9 +5693,7 @@
           <p:nvPr/>
         </p:nvPicPr>
         <p:blipFill>
-          <a:blip r:embed="rId2">
-            <a:extLst/>
-          </a:blip>
+          <a:blip r:embed="rId2"/>
           <a:stretch>
             <a:fillRect/>
           </a:stretch>
@@ -5563,7 +5714,9 @@
       <p:sp>
         <p:nvSpPr>
           <p:cNvPr id="74" name="Slide Number"/>
-          <p:cNvSpPr txBox="1"/>
+          <p:cNvSpPr txBox="1">
+            <a:spLocks noGrp="1"/>
+          </p:cNvSpPr>
           <p:nvPr>
             <p:ph type="sldNum" sz="quarter" idx="2"/>
           </p:nvPr>
@@ -5577,8 +5730,10 @@
           <a:bodyPr/>
           <a:lstStyle/>
           <a:p>
-            <a:pPr/>
-            <a:fld id="{86CB4B4D-7CA3-9044-876B-883B54F8677D}" type="slidenum"/>
+            <a:fld id="{86CB4B4D-7CA3-9044-876B-883B54F8677D}" type="slidenum">
+              <a:t>‹#›</a:t>
+            </a:fld>
+            <a:endParaRPr/>
           </a:p>
         </p:txBody>
       </p:sp>
@@ -5587,12 +5742,12 @@
   <p:clrMapOvr>
     <a:masterClrMapping/>
   </p:clrMapOvr>
-  <p:transition xmlns:p14="http://schemas.microsoft.com/office/powerpoint/2010/main" spd="med" advClick="1"/>
+  <p:transition spd="med"/>
 </p:sldLayout>
 </file>
 
 <file path=ppt/slideLayouts/slideLayout9.xml><?xml version="1.0" encoding="utf-8"?>
-<p:sldLayout xmlns:a="http://schemas.openxmlformats.org/drawingml/2006/main" xmlns:r="http://schemas.openxmlformats.org/officeDocument/2006/relationships" xmlns:p="http://schemas.openxmlformats.org/presentationml/2006/main" xmlns:m="http://schemas.openxmlformats.org/officeDocument/2006/math" xmlns:a14="http://schemas.microsoft.com/office/drawing/2010/main" type="tx" showMasterSp="1" showMasterPhAnim="1">
+<p:sldLayout xmlns:a="http://schemas.openxmlformats.org/drawingml/2006/main" xmlns:r="http://schemas.openxmlformats.org/officeDocument/2006/relationships" xmlns:p="http://schemas.openxmlformats.org/presentationml/2006/main" type="tx">
   <p:cSld name="10_Title Slide">
     <p:spTree>
       <p:nvGrpSpPr>
@@ -5617,9 +5772,7 @@
           <p:nvPr/>
         </p:nvPicPr>
         <p:blipFill>
-          <a:blip r:embed="rId2">
-            <a:extLst/>
-          </a:blip>
+          <a:blip r:embed="rId2"/>
           <a:stretch>
             <a:fillRect/>
           </a:stretch>
@@ -5640,7 +5793,9 @@
       <p:sp>
         <p:nvSpPr>
           <p:cNvPr id="82" name="Slide Number"/>
-          <p:cNvSpPr txBox="1"/>
+          <p:cNvSpPr txBox="1">
+            <a:spLocks noGrp="1"/>
+          </p:cNvSpPr>
           <p:nvPr>
             <p:ph type="sldNum" sz="quarter" idx="2"/>
           </p:nvPr>
@@ -5654,8 +5809,10 @@
           <a:bodyPr/>
           <a:lstStyle/>
           <a:p>
-            <a:pPr/>
-            <a:fld id="{86CB4B4D-7CA3-9044-876B-883B54F8677D}" type="slidenum"/>
+            <a:fld id="{86CB4B4D-7CA3-9044-876B-883B54F8677D}" type="slidenum">
+              <a:t>‹#›</a:t>
+            </a:fld>
+            <a:endParaRPr/>
           </a:p>
         </p:txBody>
       </p:sp>
@@ -5664,18 +5821,19 @@
   <p:clrMapOvr>
     <a:masterClrMapping/>
   </p:clrMapOvr>
-  <p:transition xmlns:p14="http://schemas.microsoft.com/office/powerpoint/2010/main" spd="med" advClick="1"/>
+  <p:transition spd="med"/>
 </p:sldLayout>
 </file>
 
 <file path=ppt/slideMasters/slideMaster1.xml><?xml version="1.0" encoding="utf-8"?>
-<p:sldMaster xmlns:a="http://schemas.openxmlformats.org/drawingml/2006/main" xmlns:r="http://schemas.openxmlformats.org/officeDocument/2006/relationships" xmlns:p="http://schemas.openxmlformats.org/presentationml/2006/main" xmlns:m="http://schemas.openxmlformats.org/officeDocument/2006/math" xmlns:a14="http://schemas.microsoft.com/office/drawing/2010/main">
+<p:sldMaster xmlns:a="http://schemas.openxmlformats.org/drawingml/2006/main" xmlns:r="http://schemas.openxmlformats.org/officeDocument/2006/relationships" xmlns:p="http://schemas.openxmlformats.org/presentationml/2006/main">
   <p:cSld>
     <p:bg>
       <p:bgPr>
         <a:solidFill>
           <a:srgbClr val="FFFFFF"/>
         </a:solidFill>
+        <a:effectLst/>
       </p:bgPr>
     </p:bg>
     <p:spTree>
@@ -5743,6 +5901,7 @@
                   <a:sym typeface="Calibri"/>
                 </a:defRPr>
               </a:pPr>
+              <a:endParaRPr/>
             </a:p>
           </p:txBody>
         </p:sp>
@@ -5783,6 +5942,7 @@
                   <a:sym typeface="Calibri"/>
                 </a:defRPr>
               </a:pPr>
+              <a:endParaRPr/>
             </a:p>
           </p:txBody>
         </p:sp>
@@ -5825,6 +5985,7 @@
                   <a:sym typeface="Calibri"/>
                 </a:defRPr>
               </a:pPr>
+              <a:endParaRPr/>
             </a:p>
           </p:txBody>
         </p:sp>
@@ -5832,7 +5993,9 @@
       <p:sp>
         <p:nvSpPr>
           <p:cNvPr id="6" name="Title Text"/>
-          <p:cNvSpPr txBox="1"/>
+          <p:cNvSpPr txBox="1">
+            <a:spLocks noGrp="1"/>
+          </p:cNvSpPr>
           <p:nvPr>
             <p:ph type="title"/>
           </p:nvPr>
@@ -5850,17 +6013,16 @@
           </a:ln>
           <a:extLst>
             <a:ext uri="{C572A759-6A51-4108-AA02-DFA0A04FC94B}">
-              <ma14:wrappingTextBoxFlag xmlns:ma14="http://schemas.microsoft.com/office/mac/drawingml/2011/main" val="1"/>
+              <ma14:wrappingTextBoxFlag xmlns:ma14="http://schemas.microsoft.com/office/mac/drawingml/2011/main" xmlns:a14="http://schemas.microsoft.com/office/drawing/2010/main" xmlns:m="http://schemas.openxmlformats.org/officeDocument/2006/math" xmlns="" val="1"/>
             </a:ext>
           </a:extLst>
         </p:spPr>
         <p:txBody>
           <a:bodyPr lIns="45699" tIns="45699" rIns="45699" bIns="45699" anchor="ctr">
-            <a:normAutofit fontScale="100000" lnSpcReduction="0"/>
+            <a:normAutofit/>
           </a:bodyPr>
           <a:lstStyle/>
           <a:p>
-            <a:pPr/>
             <a:r>
               <a:t>Title Text</a:t>
             </a:r>
@@ -5870,7 +6032,9 @@
       <p:sp>
         <p:nvSpPr>
           <p:cNvPr id="7" name="Body Level One…"/>
-          <p:cNvSpPr txBox="1"/>
+          <p:cNvSpPr txBox="1">
+            <a:spLocks noGrp="1"/>
+          </p:cNvSpPr>
           <p:nvPr>
             <p:ph type="body" idx="1"/>
           </p:nvPr>
@@ -5888,17 +6052,16 @@
           </a:ln>
           <a:extLst>
             <a:ext uri="{C572A759-6A51-4108-AA02-DFA0A04FC94B}">
-              <ma14:wrappingTextBoxFlag xmlns:ma14="http://schemas.microsoft.com/office/mac/drawingml/2011/main" val="1"/>
+              <ma14:wrappingTextBoxFlag xmlns:ma14="http://schemas.microsoft.com/office/mac/drawingml/2011/main" xmlns:a14="http://schemas.microsoft.com/office/drawing/2010/main" xmlns:m="http://schemas.openxmlformats.org/officeDocument/2006/math" xmlns="" val="1"/>
             </a:ext>
           </a:extLst>
         </p:spPr>
         <p:txBody>
           <a:bodyPr lIns="45699" tIns="45699" rIns="45699" bIns="45699">
-            <a:normAutofit fontScale="100000" lnSpcReduction="0"/>
+            <a:normAutofit/>
           </a:bodyPr>
           <a:lstStyle/>
           <a:p>
-            <a:pPr/>
             <a:r>
               <a:t>Body Level One</a:t>
             </a:r>
@@ -5932,7 +6095,9 @@
       <p:sp>
         <p:nvSpPr>
           <p:cNvPr id="8" name="Slide Number"/>
-          <p:cNvSpPr txBox="1"/>
+          <p:cNvSpPr txBox="1">
+            <a:spLocks noGrp="1"/>
+          </p:cNvSpPr>
           <p:nvPr>
             <p:ph type="sldNum" sz="quarter" idx="2"/>
           </p:nvPr>
@@ -5967,8 +6132,10 @@
             </a:lvl1pPr>
           </a:lstStyle>
           <a:p>
-            <a:pPr/>
-            <a:fld id="{86CB4B4D-7CA3-9044-876B-883B54F8677D}" type="slidenum"/>
+            <a:fld id="{86CB4B4D-7CA3-9044-876B-883B54F8677D}" type="slidenum">
+              <a:t>‹#›</a:t>
+            </a:fld>
+            <a:endParaRPr/>
           </a:p>
         </p:txBody>
       </p:sp>
@@ -5976,34 +6143,34 @@
   </p:cSld>
   <p:clrMap bg1="lt1" tx1="dk1" bg2="lt2" tx2="dk2" accent1="accent1" accent2="accent2" accent3="accent3" accent4="accent4" accent5="accent5" accent6="accent6" hlink="hlink" folHlink="folHlink"/>
   <p:sldLayoutIdLst>
-    <p:sldLayoutId id="2147483649" r:id="rId2"/>
-    <p:sldLayoutId id="2147483650" r:id="rId3"/>
-    <p:sldLayoutId id="2147483651" r:id="rId4"/>
-    <p:sldLayoutId id="2147483652" r:id="rId5"/>
-    <p:sldLayoutId id="2147483653" r:id="rId6"/>
-    <p:sldLayoutId id="2147483654" r:id="rId7"/>
-    <p:sldLayoutId id="2147483655" r:id="rId8"/>
-    <p:sldLayoutId id="2147483656" r:id="rId9"/>
-    <p:sldLayoutId id="2147483657" r:id="rId10"/>
-    <p:sldLayoutId id="2147483658" r:id="rId11"/>
-    <p:sldLayoutId id="2147483659" r:id="rId12"/>
-    <p:sldLayoutId id="2147483660" r:id="rId13"/>
-    <p:sldLayoutId id="2147483661" r:id="rId14"/>
-    <p:sldLayoutId id="2147483662" r:id="rId15"/>
-    <p:sldLayoutId id="2147483663" r:id="rId16"/>
-    <p:sldLayoutId id="2147483664" r:id="rId17"/>
-    <p:sldLayoutId id="2147483665" r:id="rId18"/>
-    <p:sldLayoutId id="2147483666" r:id="rId19"/>
-    <p:sldLayoutId id="2147483667" r:id="rId20"/>
-    <p:sldLayoutId id="2147483668" r:id="rId21"/>
-    <p:sldLayoutId id="2147483669" r:id="rId22"/>
-    <p:sldLayoutId id="2147483670" r:id="rId23"/>
-    <p:sldLayoutId id="2147483671" r:id="rId24"/>
-    <p:sldLayoutId id="2147483672" r:id="rId25"/>
-    <p:sldLayoutId id="2147483673" r:id="rId26"/>
-    <p:sldLayoutId id="2147483674" r:id="rId27"/>
+    <p:sldLayoutId id="2147483649" r:id="rId1"/>
+    <p:sldLayoutId id="2147483650" r:id="rId2"/>
+    <p:sldLayoutId id="2147483651" r:id="rId3"/>
+    <p:sldLayoutId id="2147483652" r:id="rId4"/>
+    <p:sldLayoutId id="2147483653" r:id="rId5"/>
+    <p:sldLayoutId id="2147483654" r:id="rId6"/>
+    <p:sldLayoutId id="2147483655" r:id="rId7"/>
+    <p:sldLayoutId id="2147483656" r:id="rId8"/>
+    <p:sldLayoutId id="2147483657" r:id="rId9"/>
+    <p:sldLayoutId id="2147483658" r:id="rId10"/>
+    <p:sldLayoutId id="2147483659" r:id="rId11"/>
+    <p:sldLayoutId id="2147483660" r:id="rId12"/>
+    <p:sldLayoutId id="2147483661" r:id="rId13"/>
+    <p:sldLayoutId id="2147483662" r:id="rId14"/>
+    <p:sldLayoutId id="2147483663" r:id="rId15"/>
+    <p:sldLayoutId id="2147483664" r:id="rId16"/>
+    <p:sldLayoutId id="2147483665" r:id="rId17"/>
+    <p:sldLayoutId id="2147483666" r:id="rId18"/>
+    <p:sldLayoutId id="2147483667" r:id="rId19"/>
+    <p:sldLayoutId id="2147483668" r:id="rId20"/>
+    <p:sldLayoutId id="2147483669" r:id="rId21"/>
+    <p:sldLayoutId id="2147483670" r:id="rId22"/>
+    <p:sldLayoutId id="2147483671" r:id="rId23"/>
+    <p:sldLayoutId id="2147483672" r:id="rId24"/>
+    <p:sldLayoutId id="2147483673" r:id="rId25"/>
+    <p:sldLayoutId id="2147483674" r:id="rId26"/>
   </p:sldLayoutIdLst>
-  <p:transition xmlns:p14="http://schemas.microsoft.com/office/powerpoint/2010/main" spd="med" advClick="1"/>
+  <p:transition spd="med"/>
   <p:txStyles>
     <p:titleStyle>
       <a:lvl1pPr marL="0" marR="0" indent="0" algn="l" defTabSz="914400" rtl="0" latinLnBrk="0">
@@ -6021,7 +6188,7 @@
         <a:buFontTx/>
         <a:buNone/>
         <a:tabLst/>
-        <a:defRPr b="0" baseline="0" cap="none" i="0" spc="0" strike="noStrike" sz="4400" u="none">
+        <a:defRPr sz="4400" b="0" i="0" u="none" strike="noStrike" cap="none" spc="0" baseline="0">
           <a:solidFill>
             <a:srgbClr val="000000"/>
           </a:solidFill>
@@ -6047,7 +6214,7 @@
         <a:buFontTx/>
         <a:buNone/>
         <a:tabLst/>
-        <a:defRPr b="0" baseline="0" cap="none" i="0" spc="0" strike="noStrike" sz="4400" u="none">
+        <a:defRPr sz="4400" b="0" i="0" u="none" strike="noStrike" cap="none" spc="0" baseline="0">
           <a:solidFill>
             <a:srgbClr val="000000"/>
           </a:solidFill>
@@ -6073,7 +6240,7 @@
         <a:buFontTx/>
         <a:buNone/>
         <a:tabLst/>
-        <a:defRPr b="0" baseline="0" cap="none" i="0" spc="0" strike="noStrike" sz="4400" u="none">
+        <a:defRPr sz="4400" b="0" i="0" u="none" strike="noStrike" cap="none" spc="0" baseline="0">
           <a:solidFill>
             <a:srgbClr val="000000"/>
           </a:solidFill>
@@ -6099,7 +6266,7 @@
         <a:buFontTx/>
         <a:buNone/>
         <a:tabLst/>
-        <a:defRPr b="0" baseline="0" cap="none" i="0" spc="0" strike="noStrike" sz="4400" u="none">
+        <a:defRPr sz="4400" b="0" i="0" u="none" strike="noStrike" cap="none" spc="0" baseline="0">
           <a:solidFill>
             <a:srgbClr val="000000"/>
           </a:solidFill>
@@ -6125,7 +6292,7 @@
         <a:buFontTx/>
         <a:buNone/>
         <a:tabLst/>
-        <a:defRPr b="0" baseline="0" cap="none" i="0" spc="0" strike="noStrike" sz="4400" u="none">
+        <a:defRPr sz="4400" b="0" i="0" u="none" strike="noStrike" cap="none" spc="0" baseline="0">
           <a:solidFill>
             <a:srgbClr val="000000"/>
           </a:solidFill>
@@ -6151,7 +6318,7 @@
         <a:buFontTx/>
         <a:buNone/>
         <a:tabLst/>
-        <a:defRPr b="0" baseline="0" cap="none" i="0" spc="0" strike="noStrike" sz="4400" u="none">
+        <a:defRPr sz="4400" b="0" i="0" u="none" strike="noStrike" cap="none" spc="0" baseline="0">
           <a:solidFill>
             <a:srgbClr val="000000"/>
           </a:solidFill>
@@ -6177,7 +6344,7 @@
         <a:buFontTx/>
         <a:buNone/>
         <a:tabLst/>
-        <a:defRPr b="0" baseline="0" cap="none" i="0" spc="0" strike="noStrike" sz="4400" u="none">
+        <a:defRPr sz="4400" b="0" i="0" u="none" strike="noStrike" cap="none" spc="0" baseline="0">
           <a:solidFill>
             <a:srgbClr val="000000"/>
           </a:solidFill>
@@ -6203,7 +6370,7 @@
         <a:buFontTx/>
         <a:buNone/>
         <a:tabLst/>
-        <a:defRPr b="0" baseline="0" cap="none" i="0" spc="0" strike="noStrike" sz="4400" u="none">
+        <a:defRPr sz="4400" b="0" i="0" u="none" strike="noStrike" cap="none" spc="0" baseline="0">
           <a:solidFill>
             <a:srgbClr val="000000"/>
           </a:solidFill>
@@ -6229,7 +6396,7 @@
         <a:buFontTx/>
         <a:buNone/>
         <a:tabLst/>
-        <a:defRPr b="0" baseline="0" cap="none" i="0" spc="0" strike="noStrike" sz="4400" u="none">
+        <a:defRPr sz="4400" b="0" i="0" u="none" strike="noStrike" cap="none" spc="0" baseline="0">
           <a:solidFill>
             <a:srgbClr val="000000"/>
           </a:solidFill>
@@ -6259,7 +6426,7 @@
         <a:buFont typeface="Arial"/>
         <a:buChar char="•"/>
         <a:tabLst/>
-        <a:defRPr b="0" baseline="0" cap="none" i="0" spc="0" strike="noStrike" sz="2800" u="none">
+        <a:defRPr sz="2800" b="0" i="0" u="none" strike="noStrike" cap="none" spc="0" baseline="0">
           <a:solidFill>
             <a:srgbClr val="000000"/>
           </a:solidFill>
@@ -6287,7 +6454,7 @@
         <a:buFont typeface="Arial"/>
         <a:buChar char="•"/>
         <a:tabLst/>
-        <a:defRPr b="0" baseline="0" cap="none" i="0" spc="0" strike="noStrike" sz="2800" u="none">
+        <a:defRPr sz="2800" b="0" i="0" u="none" strike="noStrike" cap="none" spc="0" baseline="0">
           <a:solidFill>
             <a:srgbClr val="000000"/>
           </a:solidFill>
@@ -6315,7 +6482,7 @@
         <a:buFont typeface="Arial"/>
         <a:buChar char="•"/>
         <a:tabLst/>
-        <a:defRPr b="0" baseline="0" cap="none" i="0" spc="0" strike="noStrike" sz="2800" u="none">
+        <a:defRPr sz="2800" b="0" i="0" u="none" strike="noStrike" cap="none" spc="0" baseline="0">
           <a:solidFill>
             <a:srgbClr val="000000"/>
           </a:solidFill>
@@ -6343,7 +6510,7 @@
         <a:buFont typeface="Arial"/>
         <a:buChar char="•"/>
         <a:tabLst/>
-        <a:defRPr b="0" baseline="0" cap="none" i="0" spc="0" strike="noStrike" sz="2800" u="none">
+        <a:defRPr sz="2800" b="0" i="0" u="none" strike="noStrike" cap="none" spc="0" baseline="0">
           <a:solidFill>
             <a:srgbClr val="000000"/>
           </a:solidFill>
@@ -6371,7 +6538,7 @@
         <a:buFont typeface="Arial"/>
         <a:buChar char="•"/>
         <a:tabLst/>
-        <a:defRPr b="0" baseline="0" cap="none" i="0" spc="0" strike="noStrike" sz="2800" u="none">
+        <a:defRPr sz="2800" b="0" i="0" u="none" strike="noStrike" cap="none" spc="0" baseline="0">
           <a:solidFill>
             <a:srgbClr val="000000"/>
           </a:solidFill>
@@ -6399,7 +6566,7 @@
         <a:buFont typeface="Arial"/>
         <a:buChar char="•"/>
         <a:tabLst/>
-        <a:defRPr b="0" baseline="0" cap="none" i="0" spc="0" strike="noStrike" sz="2800" u="none">
+        <a:defRPr sz="2800" b="0" i="0" u="none" strike="noStrike" cap="none" spc="0" baseline="0">
           <a:solidFill>
             <a:srgbClr val="000000"/>
           </a:solidFill>
@@ -6427,7 +6594,7 @@
         <a:buFont typeface="Arial"/>
         <a:buChar char="•"/>
         <a:tabLst/>
-        <a:defRPr b="0" baseline="0" cap="none" i="0" spc="0" strike="noStrike" sz="2800" u="none">
+        <a:defRPr sz="2800" b="0" i="0" u="none" strike="noStrike" cap="none" spc="0" baseline="0">
           <a:solidFill>
             <a:srgbClr val="000000"/>
           </a:solidFill>
@@ -6455,7 +6622,7 @@
         <a:buFont typeface="Arial"/>
         <a:buChar char="•"/>
         <a:tabLst/>
-        <a:defRPr b="0" baseline="0" cap="none" i="0" spc="0" strike="noStrike" sz="2800" u="none">
+        <a:defRPr sz="2800" b="0" i="0" u="none" strike="noStrike" cap="none" spc="0" baseline="0">
           <a:solidFill>
             <a:srgbClr val="000000"/>
           </a:solidFill>
@@ -6483,7 +6650,7 @@
         <a:buFont typeface="Arial"/>
         <a:buChar char="•"/>
         <a:tabLst/>
-        <a:defRPr b="0" baseline="0" cap="none" i="0" spc="0" strike="noStrike" sz="2800" u="none">
+        <a:defRPr sz="2800" b="0" i="0" u="none" strike="noStrike" cap="none" spc="0" baseline="0">
           <a:solidFill>
             <a:srgbClr val="000000"/>
           </a:solidFill>
@@ -6511,7 +6678,7 @@
         <a:buFontTx/>
         <a:buNone/>
         <a:tabLst/>
-        <a:defRPr b="0" baseline="0" cap="none" i="0" spc="0" strike="noStrike" sz="1200" u="none">
+        <a:defRPr sz="1200" b="0" i="0" u="none" strike="noStrike" cap="none" spc="0" baseline="0">
           <a:solidFill>
             <a:schemeClr val="tx1"/>
           </a:solidFill>
@@ -6537,7 +6704,7 @@
         <a:buFontTx/>
         <a:buNone/>
         <a:tabLst/>
-        <a:defRPr b="0" baseline="0" cap="none" i="0" spc="0" strike="noStrike" sz="1200" u="none">
+        <a:defRPr sz="1200" b="0" i="0" u="none" strike="noStrike" cap="none" spc="0" baseline="0">
           <a:solidFill>
             <a:schemeClr val="tx1"/>
           </a:solidFill>
@@ -6563,7 +6730,7 @@
         <a:buFontTx/>
         <a:buNone/>
         <a:tabLst/>
-        <a:defRPr b="0" baseline="0" cap="none" i="0" spc="0" strike="noStrike" sz="1200" u="none">
+        <a:defRPr sz="1200" b="0" i="0" u="none" strike="noStrike" cap="none" spc="0" baseline="0">
           <a:solidFill>
             <a:schemeClr val="tx1"/>
           </a:solidFill>
@@ -6589,7 +6756,7 @@
         <a:buFontTx/>
         <a:buNone/>
         <a:tabLst/>
-        <a:defRPr b="0" baseline="0" cap="none" i="0" spc="0" strike="noStrike" sz="1200" u="none">
+        <a:defRPr sz="1200" b="0" i="0" u="none" strike="noStrike" cap="none" spc="0" baseline="0">
           <a:solidFill>
             <a:schemeClr val="tx1"/>
           </a:solidFill>
@@ -6615,7 +6782,7 @@
         <a:buFontTx/>
         <a:buNone/>
         <a:tabLst/>
-        <a:defRPr b="0" baseline="0" cap="none" i="0" spc="0" strike="noStrike" sz="1200" u="none">
+        <a:defRPr sz="1200" b="0" i="0" u="none" strike="noStrike" cap="none" spc="0" baseline="0">
           <a:solidFill>
             <a:schemeClr val="tx1"/>
           </a:solidFill>
@@ -6641,7 +6808,7 @@
         <a:buFontTx/>
         <a:buNone/>
         <a:tabLst/>
-        <a:defRPr b="0" baseline="0" cap="none" i="0" spc="0" strike="noStrike" sz="1200" u="none">
+        <a:defRPr sz="1200" b="0" i="0" u="none" strike="noStrike" cap="none" spc="0" baseline="0">
           <a:solidFill>
             <a:schemeClr val="tx1"/>
           </a:solidFill>
@@ -6667,7 +6834,7 @@
         <a:buFontTx/>
         <a:buNone/>
         <a:tabLst/>
-        <a:defRPr b="0" baseline="0" cap="none" i="0" spc="0" strike="noStrike" sz="1200" u="none">
+        <a:defRPr sz="1200" b="0" i="0" u="none" strike="noStrike" cap="none" spc="0" baseline="0">
           <a:solidFill>
             <a:schemeClr val="tx1"/>
           </a:solidFill>
@@ -6693,7 +6860,7 @@
         <a:buFontTx/>
         <a:buNone/>
         <a:tabLst/>
-        <a:defRPr b="0" baseline="0" cap="none" i="0" spc="0" strike="noStrike" sz="1200" u="none">
+        <a:defRPr sz="1200" b="0" i="0" u="none" strike="noStrike" cap="none" spc="0" baseline="0">
           <a:solidFill>
             <a:schemeClr val="tx1"/>
           </a:solidFill>
@@ -6719,7 +6886,7 @@
         <a:buFontTx/>
         <a:buNone/>
         <a:tabLst/>
-        <a:defRPr b="0" baseline="0" cap="none" i="0" spc="0" strike="noStrike" sz="1200" u="none">
+        <a:defRPr sz="1200" b="0" i="0" u="none" strike="noStrike" cap="none" spc="0" baseline="0">
           <a:solidFill>
             <a:schemeClr val="tx1"/>
           </a:solidFill>
@@ -6736,7 +6903,7 @@
 </file>
 
 <file path=ppt/slides/slide1.xml><?xml version="1.0" encoding="utf-8"?>
-<p:sld xmlns:a="http://schemas.openxmlformats.org/drawingml/2006/main" xmlns:r="http://schemas.openxmlformats.org/officeDocument/2006/relationships" xmlns:p="http://schemas.openxmlformats.org/presentationml/2006/main" xmlns:m="http://schemas.openxmlformats.org/officeDocument/2006/math" xmlns:a14="http://schemas.microsoft.com/office/drawing/2010/main" showMasterSp="1" showMasterPhAnim="1">
+<p:sld xmlns:a="http://schemas.openxmlformats.org/drawingml/2006/main" xmlns:r="http://schemas.openxmlformats.org/officeDocument/2006/relationships" xmlns:p="http://schemas.openxmlformats.org/presentationml/2006/main">
   <p:cSld>
     <p:bg>
       <p:bgPr>
@@ -6745,6 +6912,7 @@
             <a:alpha val="96470"/>
           </a:srgbClr>
         </a:solidFill>
+        <a:effectLst/>
       </p:bgPr>
     </p:bg>
     <p:spTree>
@@ -6764,7 +6932,9 @@
       <p:sp>
         <p:nvSpPr>
           <p:cNvPr id="284" name="Google Shape;203;p28"/>
-          <p:cNvSpPr txBox="1"/>
+          <p:cNvSpPr txBox="1">
+            <a:spLocks noGrp="1"/>
+          </p:cNvSpPr>
           <p:nvPr>
             <p:ph type="title"/>
           </p:nvPr>
@@ -6797,15 +6967,29 @@
               </a:defRPr>
             </a:pPr>
             <a:r>
+              <a:rPr lang="en-US" altLang="ja-JP" dirty="0"/>
+              <a:t>abc123</a:t>
+            </a:r>
+            <a:r>
+              <a:rPr lang="ja-JP" altLang="en-US"/>
+              <a:t>社卸中</a:t>
+            </a:r>
+            <a:br>
+              <a:rPr lang="en-US" dirty="0"/>
+            </a:br>
+            <a:r>
+              <a:rPr dirty="0" err="1"/>
               <a:t>店長が</a:t>
             </a:r>
             <a:r>
-              <a:rPr sz="3600"/>
+              <a:rPr sz="3600" dirty="0" err="1"/>
               <a:t>簡単に</a:t>
             </a:r>
             <a:r>
+              <a:rPr dirty="0" err="1"/>
               <a:t>使える</a:t>
             </a:r>
+            <a:endParaRPr dirty="0"/>
           </a:p>
           <a:p>
             <a:pPr>
@@ -6823,23 +7007,29 @@
               </a:defRPr>
             </a:pPr>
             <a:r>
+              <a:rPr dirty="0" err="1"/>
               <a:t>入社手続き</a:t>
             </a:r>
             <a:r>
-              <a:rPr sz="3400"/>
+              <a:rPr sz="3400" dirty="0" err="1"/>
               <a:t>プラットフォーム</a:t>
             </a:r>
             <a:br>
-              <a:rPr sz="3400"/>
+              <a:rPr sz="3400" dirty="0"/>
             </a:br>
             <a:r>
-              <a:rPr sz="3400">
+              <a:rPr sz="3400" dirty="0" err="1">
                 <a:solidFill>
                   <a:schemeClr val="accent6"/>
                 </a:solidFill>
               </a:rPr>
               <a:t>WelcomeHR_サービス概要</a:t>
             </a:r>
+            <a:endParaRPr sz="3400" dirty="0">
+              <a:solidFill>
+                <a:schemeClr val="accent6"/>
+              </a:solidFill>
+            </a:endParaRPr>
           </a:p>
         </p:txBody>
       </p:sp>
@@ -6852,9 +7042,7 @@
           <p:nvPr/>
         </p:nvPicPr>
         <p:blipFill>
-          <a:blip r:embed="rId2">
-            <a:extLst/>
-          </a:blip>
+          <a:blip r:embed="rId2"/>
           <a:stretch>
             <a:fillRect/>
           </a:stretch>
@@ -6881,9 +7069,7 @@
           <p:nvPr/>
         </p:nvPicPr>
         <p:blipFill>
-          <a:blip r:embed="rId3">
-            <a:extLst/>
-          </a:blip>
+          <a:blip r:embed="rId3"/>
           <a:stretch>
             <a:fillRect/>
           </a:stretch>
@@ -6906,12 +7092,12 @@
   <p:clrMapOvr>
     <a:masterClrMapping/>
   </p:clrMapOvr>
-  <p:transition xmlns:p14="http://schemas.microsoft.com/office/powerpoint/2010/main" spd="med" advClick="1"/>
+  <p:transition spd="med"/>
 </p:sld>
 </file>
 
 <file path=ppt/slides/slide10.xml><?xml version="1.0" encoding="utf-8"?>
-<p:sld xmlns:a="http://schemas.openxmlformats.org/drawingml/2006/main" xmlns:r="http://schemas.openxmlformats.org/officeDocument/2006/relationships" xmlns:p="http://schemas.openxmlformats.org/presentationml/2006/main" xmlns:m="http://schemas.openxmlformats.org/officeDocument/2006/math" xmlns:a14="http://schemas.microsoft.com/office/drawing/2010/main" showMasterSp="1" showMasterPhAnim="1">
+<p:sld xmlns:a="http://schemas.openxmlformats.org/drawingml/2006/main" xmlns:r="http://schemas.openxmlformats.org/officeDocument/2006/relationships" xmlns:p="http://schemas.openxmlformats.org/presentationml/2006/main">
   <p:cSld>
     <p:spTree>
       <p:nvGrpSpPr>
@@ -6959,6 +7145,7 @@
                 </a:solidFill>
               </a:defRPr>
             </a:pPr>
+            <a:endParaRPr/>
           </a:p>
         </p:txBody>
       </p:sp>
@@ -6981,7 +7168,7 @@
           </a:ln>
           <a:extLst>
             <a:ext uri="{C572A759-6A51-4108-AA02-DFA0A04FC94B}">
-              <ma14:wrappingTextBoxFlag xmlns:ma14="http://schemas.microsoft.com/office/mac/drawingml/2011/main" val="1"/>
+              <ma14:wrappingTextBoxFlag xmlns:ma14="http://schemas.microsoft.com/office/mac/drawingml/2011/main" xmlns:a14="http://schemas.microsoft.com/office/drawing/2010/main" xmlns:m="http://schemas.openxmlformats.org/officeDocument/2006/math" xmlns="" val="1"/>
             </a:ext>
           </a:extLst>
         </p:spPr>
@@ -7003,9 +7190,8 @@
             </a:lvl1pPr>
           </a:lstStyle>
           <a:p>
-            <a:pPr/>
             <a:r>
-              <a:t>導入効果イメージ例 / A社様 (契約更新時)</a:t>
+              <a:t>導入効果イメージ例 / abc123社様 (契約更新時)</a:t>
             </a:r>
           </a:p>
         </p:txBody>
@@ -7064,6 +7250,7 @@
                   <a:sym typeface="HiraMaruPro-W4"/>
                 </a:defRPr>
               </a:pPr>
+              <a:endParaRPr/>
             </a:p>
           </p:txBody>
         </p:sp>
@@ -7089,7 +7276,7 @@
             <a:effectLst/>
             <a:extLst>
               <a:ext uri="{C572A759-6A51-4108-AA02-DFA0A04FC94B}">
-                <ma14:wrappingTextBoxFlag xmlns:ma14="http://schemas.microsoft.com/office/mac/drawingml/2011/main" val="1"/>
+                <ma14:wrappingTextBoxFlag xmlns:ma14="http://schemas.microsoft.com/office/mac/drawingml/2011/main" xmlns:a14="http://schemas.microsoft.com/office/drawing/2010/main" xmlns:m="http://schemas.openxmlformats.org/officeDocument/2006/math" xmlns="" val="1"/>
               </a:ext>
             </a:extLst>
           </p:spPr>
@@ -7179,6 +7366,7 @@
                   <a:sym typeface="HiraMaruPro-W4"/>
                 </a:defRPr>
               </a:pPr>
+              <a:endParaRPr/>
             </a:p>
           </p:txBody>
         </p:sp>
@@ -7204,7 +7392,7 @@
             <a:effectLst/>
             <a:extLst>
               <a:ext uri="{C572A759-6A51-4108-AA02-DFA0A04FC94B}">
-                <ma14:wrappingTextBoxFlag xmlns:ma14="http://schemas.microsoft.com/office/mac/drawingml/2011/main" val="1"/>
+                <ma14:wrappingTextBoxFlag xmlns:ma14="http://schemas.microsoft.com/office/mac/drawingml/2011/main" xmlns:a14="http://schemas.microsoft.com/office/drawing/2010/main" xmlns:m="http://schemas.openxmlformats.org/officeDocument/2006/math" xmlns="" val="1"/>
               </a:ext>
             </a:extLst>
           </p:spPr>
@@ -7226,7 +7414,6 @@
               </a:lvl1pPr>
             </a:lstStyle>
             <a:p>
-              <a:pPr/>
               <a:r>
                 <a:t>15分</a:t>
               </a:r>
@@ -7288,6 +7475,7 @@
                   <a:sym typeface="HiraMaruPro-W4"/>
                 </a:defRPr>
               </a:pPr>
+              <a:endParaRPr/>
             </a:p>
           </p:txBody>
         </p:sp>
@@ -7313,7 +7501,7 @@
             <a:effectLst/>
             <a:extLst>
               <a:ext uri="{C572A759-6A51-4108-AA02-DFA0A04FC94B}">
-                <ma14:wrappingTextBoxFlag xmlns:ma14="http://schemas.microsoft.com/office/mac/drawingml/2011/main" val="1"/>
+                <ma14:wrappingTextBoxFlag xmlns:ma14="http://schemas.microsoft.com/office/mac/drawingml/2011/main" xmlns:a14="http://schemas.microsoft.com/office/drawing/2010/main" xmlns:m="http://schemas.openxmlformats.org/officeDocument/2006/math" xmlns="" val="1"/>
               </a:ext>
             </a:extLst>
           </p:spPr>
@@ -7335,7 +7523,6 @@
               </a:lvl1pPr>
             </a:lstStyle>
             <a:p>
-              <a:pPr/>
               <a:r>
                 <a:t>20分</a:t>
               </a:r>
@@ -7397,6 +7584,7 @@
                   <a:sym typeface="HiraMaruPro-W4"/>
                 </a:defRPr>
               </a:pPr>
+              <a:endParaRPr/>
             </a:p>
           </p:txBody>
         </p:sp>
@@ -7422,7 +7610,7 @@
             <a:effectLst/>
             <a:extLst>
               <a:ext uri="{C572A759-6A51-4108-AA02-DFA0A04FC94B}">
-                <ma14:wrappingTextBoxFlag xmlns:ma14="http://schemas.microsoft.com/office/mac/drawingml/2011/main" val="1"/>
+                <ma14:wrappingTextBoxFlag xmlns:ma14="http://schemas.microsoft.com/office/mac/drawingml/2011/main" xmlns:a14="http://schemas.microsoft.com/office/drawing/2010/main" xmlns:m="http://schemas.openxmlformats.org/officeDocument/2006/math" xmlns="" val="1"/>
               </a:ext>
             </a:extLst>
           </p:spPr>
@@ -7444,7 +7632,6 @@
               </a:lvl1pPr>
             </a:lstStyle>
             <a:p>
-              <a:pPr/>
               <a:r>
                 <a:t>10分</a:t>
               </a:r>
@@ -7506,6 +7693,7 @@
                   <a:sym typeface="HiraMaruPro-W4"/>
                 </a:defRPr>
               </a:pPr>
+              <a:endParaRPr/>
             </a:p>
           </p:txBody>
         </p:sp>
@@ -7531,7 +7719,7 @@
             <a:effectLst/>
             <a:extLst>
               <a:ext uri="{C572A759-6A51-4108-AA02-DFA0A04FC94B}">
-                <ma14:wrappingTextBoxFlag xmlns:ma14="http://schemas.microsoft.com/office/mac/drawingml/2011/main" val="1"/>
+                <ma14:wrappingTextBoxFlag xmlns:ma14="http://schemas.microsoft.com/office/mac/drawingml/2011/main" xmlns:a14="http://schemas.microsoft.com/office/drawing/2010/main" xmlns:m="http://schemas.openxmlformats.org/officeDocument/2006/math" xmlns="" val="1"/>
               </a:ext>
             </a:extLst>
           </p:spPr>
@@ -7553,7 +7741,6 @@
               </a:lvl1pPr>
             </a:lstStyle>
             <a:p>
-              <a:pPr/>
               <a:r>
                 <a:t>10分</a:t>
               </a:r>
@@ -7615,6 +7802,7 @@
                   <a:sym typeface="HiraMaruPro-W4"/>
                 </a:defRPr>
               </a:pPr>
+              <a:endParaRPr/>
             </a:p>
           </p:txBody>
         </p:sp>
@@ -7640,7 +7828,7 @@
             <a:effectLst/>
             <a:extLst>
               <a:ext uri="{C572A759-6A51-4108-AA02-DFA0A04FC94B}">
-                <ma14:wrappingTextBoxFlag xmlns:ma14="http://schemas.microsoft.com/office/mac/drawingml/2011/main" val="1"/>
+                <ma14:wrappingTextBoxFlag xmlns:ma14="http://schemas.microsoft.com/office/mac/drawingml/2011/main" xmlns:a14="http://schemas.microsoft.com/office/drawing/2010/main" xmlns:m="http://schemas.openxmlformats.org/officeDocument/2006/math" xmlns="" val="1"/>
               </a:ext>
             </a:extLst>
           </p:spPr>
@@ -7662,7 +7850,6 @@
               </a:lvl1pPr>
             </a:lstStyle>
             <a:p>
-              <a:pPr/>
               <a:r>
                 <a:t>5分</a:t>
               </a:r>
@@ -7724,6 +7911,7 @@
                   <a:sym typeface="HiraMaruPro-W4"/>
                 </a:defRPr>
               </a:pPr>
+              <a:endParaRPr/>
             </a:p>
           </p:txBody>
         </p:sp>
@@ -7749,7 +7937,7 @@
             <a:effectLst/>
             <a:extLst>
               <a:ext uri="{C572A759-6A51-4108-AA02-DFA0A04FC94B}">
-                <ma14:wrappingTextBoxFlag xmlns:ma14="http://schemas.microsoft.com/office/mac/drawingml/2011/main" val="1"/>
+                <ma14:wrappingTextBoxFlag xmlns:ma14="http://schemas.microsoft.com/office/mac/drawingml/2011/main" xmlns:a14="http://schemas.microsoft.com/office/drawing/2010/main" xmlns:m="http://schemas.openxmlformats.org/officeDocument/2006/math" xmlns="" val="1"/>
               </a:ext>
             </a:extLst>
           </p:spPr>
@@ -7771,7 +7959,6 @@
               </a:lvl1pPr>
             </a:lstStyle>
             <a:p>
-              <a:pPr/>
               <a:r>
                 <a:t>面談をする</a:t>
               </a:r>
@@ -7833,6 +8020,7 @@
                   <a:sym typeface="HiraMaruPro-W4"/>
                 </a:defRPr>
               </a:pPr>
+              <a:endParaRPr/>
             </a:p>
           </p:txBody>
         </p:sp>
@@ -7858,7 +8046,7 @@
             <a:effectLst/>
             <a:extLst>
               <a:ext uri="{C572A759-6A51-4108-AA02-DFA0A04FC94B}">
-                <ma14:wrappingTextBoxFlag xmlns:ma14="http://schemas.microsoft.com/office/mac/drawingml/2011/main" val="1"/>
+                <ma14:wrappingTextBoxFlag xmlns:ma14="http://schemas.microsoft.com/office/mac/drawingml/2011/main" xmlns:a14="http://schemas.microsoft.com/office/drawing/2010/main" xmlns:m="http://schemas.openxmlformats.org/officeDocument/2006/math" xmlns="" val="1"/>
               </a:ext>
             </a:extLst>
           </p:spPr>
@@ -7948,6 +8136,7 @@
                   <a:sym typeface="HiraMaruPro-W4"/>
                 </a:defRPr>
               </a:pPr>
+              <a:endParaRPr/>
             </a:p>
           </p:txBody>
         </p:sp>
@@ -7973,7 +8162,7 @@
             <a:effectLst/>
             <a:extLst>
               <a:ext uri="{C572A759-6A51-4108-AA02-DFA0A04FC94B}">
-                <ma14:wrappingTextBoxFlag xmlns:ma14="http://schemas.microsoft.com/office/mac/drawingml/2011/main" val="1"/>
+                <ma14:wrappingTextBoxFlag xmlns:ma14="http://schemas.microsoft.com/office/mac/drawingml/2011/main" xmlns:a14="http://schemas.microsoft.com/office/drawing/2010/main" xmlns:m="http://schemas.openxmlformats.org/officeDocument/2006/math" xmlns="" val="1"/>
               </a:ext>
             </a:extLst>
           </p:spPr>
@@ -7995,7 +8184,6 @@
               </a:lvl1pPr>
             </a:lstStyle>
             <a:p>
-              <a:pPr/>
               <a:r>
                 <a:t>店舗回収して本部に郵送</a:t>
               </a:r>
@@ -8057,6 +8245,7 @@
                   <a:sym typeface="HiraMaruPro-W4"/>
                 </a:defRPr>
               </a:pPr>
+              <a:endParaRPr/>
             </a:p>
           </p:txBody>
         </p:sp>
@@ -8082,7 +8271,7 @@
             <a:effectLst/>
             <a:extLst>
               <a:ext uri="{C572A759-6A51-4108-AA02-DFA0A04FC94B}">
-                <ma14:wrappingTextBoxFlag xmlns:ma14="http://schemas.microsoft.com/office/mac/drawingml/2011/main" val="1"/>
+                <ma14:wrappingTextBoxFlag xmlns:ma14="http://schemas.microsoft.com/office/mac/drawingml/2011/main" xmlns:a14="http://schemas.microsoft.com/office/drawing/2010/main" xmlns:m="http://schemas.openxmlformats.org/officeDocument/2006/math" xmlns="" val="1"/>
               </a:ext>
             </a:extLst>
           </p:spPr>
@@ -8168,6 +8357,7 @@
                   <a:sym typeface="HiraMaruPro-W4"/>
                 </a:defRPr>
               </a:pPr>
+              <a:endParaRPr/>
             </a:p>
           </p:txBody>
         </p:sp>
@@ -8193,7 +8383,7 @@
             <a:effectLst/>
             <a:extLst>
               <a:ext uri="{C572A759-6A51-4108-AA02-DFA0A04FC94B}">
-                <ma14:wrappingTextBoxFlag xmlns:ma14="http://schemas.microsoft.com/office/mac/drawingml/2011/main" val="1"/>
+                <ma14:wrappingTextBoxFlag xmlns:ma14="http://schemas.microsoft.com/office/mac/drawingml/2011/main" xmlns:a14="http://schemas.microsoft.com/office/drawing/2010/main" xmlns:m="http://schemas.openxmlformats.org/officeDocument/2006/math" xmlns="" val="1"/>
               </a:ext>
             </a:extLst>
           </p:spPr>
@@ -8215,7 +8405,6 @@
               </a:lvl1pPr>
             </a:lstStyle>
             <a:p>
-              <a:pPr/>
               <a:r>
                 <a:t>条件変更した契約書を作成</a:t>
               </a:r>
@@ -8277,6 +8466,7 @@
                   <a:sym typeface="HiraMaruPro-W4"/>
                 </a:defRPr>
               </a:pPr>
+              <a:endParaRPr/>
             </a:p>
           </p:txBody>
         </p:sp>
@@ -8302,7 +8492,7 @@
             <a:effectLst/>
             <a:extLst>
               <a:ext uri="{C572A759-6A51-4108-AA02-DFA0A04FC94B}">
-                <ma14:wrappingTextBoxFlag xmlns:ma14="http://schemas.microsoft.com/office/mac/drawingml/2011/main" val="1"/>
+                <ma14:wrappingTextBoxFlag xmlns:ma14="http://schemas.microsoft.com/office/mac/drawingml/2011/main" xmlns:a14="http://schemas.microsoft.com/office/drawing/2010/main" xmlns:m="http://schemas.openxmlformats.org/officeDocument/2006/math" xmlns="" val="1"/>
               </a:ext>
             </a:extLst>
           </p:spPr>
@@ -8324,7 +8514,6 @@
               </a:lvl1pPr>
             </a:lstStyle>
             <a:p>
-              <a:pPr/>
               <a:r>
                 <a:t>15分</a:t>
               </a:r>
@@ -8386,6 +8575,7 @@
                   <a:sym typeface="HiraMaruPro-W4"/>
                 </a:defRPr>
               </a:pPr>
+              <a:endParaRPr/>
             </a:p>
           </p:txBody>
         </p:sp>
@@ -8411,7 +8601,7 @@
             <a:effectLst/>
             <a:extLst>
               <a:ext uri="{C572A759-6A51-4108-AA02-DFA0A04FC94B}">
-                <ma14:wrappingTextBoxFlag xmlns:ma14="http://schemas.microsoft.com/office/mac/drawingml/2011/main" val="1"/>
+                <ma14:wrappingTextBoxFlag xmlns:ma14="http://schemas.microsoft.com/office/mac/drawingml/2011/main" xmlns:a14="http://schemas.microsoft.com/office/drawing/2010/main" xmlns:m="http://schemas.openxmlformats.org/officeDocument/2006/math" xmlns="" val="1"/>
               </a:ext>
             </a:extLst>
           </p:spPr>
@@ -8502,6 +8692,7 @@
                   <a:sym typeface="HiraMaruPro-W4"/>
                 </a:defRPr>
               </a:pPr>
+              <a:endParaRPr/>
             </a:p>
           </p:txBody>
         </p:sp>
@@ -8527,7 +8718,7 @@
             <a:effectLst/>
             <a:extLst>
               <a:ext uri="{C572A759-6A51-4108-AA02-DFA0A04FC94B}">
-                <ma14:wrappingTextBoxFlag xmlns:ma14="http://schemas.microsoft.com/office/mac/drawingml/2011/main" val="1"/>
+                <ma14:wrappingTextBoxFlag xmlns:ma14="http://schemas.microsoft.com/office/mac/drawingml/2011/main" xmlns:a14="http://schemas.microsoft.com/office/drawing/2010/main" xmlns:m="http://schemas.openxmlformats.org/officeDocument/2006/math" xmlns="" val="1"/>
               </a:ext>
             </a:extLst>
           </p:spPr>
@@ -8633,6 +8824,7 @@
                   <a:sym typeface="HiraMaruPro-W4"/>
                 </a:defRPr>
               </a:pPr>
+              <a:endParaRPr/>
             </a:p>
           </p:txBody>
         </p:sp>
@@ -8658,7 +8850,7 @@
             <a:effectLst/>
             <a:extLst>
               <a:ext uri="{C572A759-6A51-4108-AA02-DFA0A04FC94B}">
-                <ma14:wrappingTextBoxFlag xmlns:ma14="http://schemas.microsoft.com/office/mac/drawingml/2011/main" val="1"/>
+                <ma14:wrappingTextBoxFlag xmlns:ma14="http://schemas.microsoft.com/office/mac/drawingml/2011/main" xmlns:a14="http://schemas.microsoft.com/office/drawing/2010/main" xmlns:m="http://schemas.openxmlformats.org/officeDocument/2006/math" xmlns="" val="1"/>
               </a:ext>
             </a:extLst>
           </p:spPr>
@@ -8680,7 +8872,6 @@
               </a:lvl1pPr>
             </a:lstStyle>
             <a:p>
-              <a:pPr/>
               <a:r>
                 <a:t>1分</a:t>
               </a:r>
@@ -8742,6 +8933,7 @@
                   <a:sym typeface="HiraMaruPro-W4"/>
                 </a:defRPr>
               </a:pPr>
+              <a:endParaRPr/>
             </a:p>
           </p:txBody>
         </p:sp>
@@ -8767,7 +8959,7 @@
             <a:effectLst/>
             <a:extLst>
               <a:ext uri="{C572A759-6A51-4108-AA02-DFA0A04FC94B}">
-                <ma14:wrappingTextBoxFlag xmlns:ma14="http://schemas.microsoft.com/office/mac/drawingml/2011/main" val="1"/>
+                <ma14:wrappingTextBoxFlag xmlns:ma14="http://schemas.microsoft.com/office/mac/drawingml/2011/main" xmlns:a14="http://schemas.microsoft.com/office/drawing/2010/main" xmlns:m="http://schemas.openxmlformats.org/officeDocument/2006/math" xmlns="" val="1"/>
               </a:ext>
             </a:extLst>
           </p:spPr>
@@ -8789,7 +8981,6 @@
               </a:lvl1pPr>
             </a:lstStyle>
             <a:p>
-              <a:pPr/>
               <a:r>
                 <a:t>2分</a:t>
               </a:r>
@@ -8851,6 +9042,7 @@
                   <a:sym typeface="HiraMaruPro-W4"/>
                 </a:defRPr>
               </a:pPr>
+              <a:endParaRPr/>
             </a:p>
           </p:txBody>
         </p:sp>
@@ -8876,7 +9068,7 @@
             <a:effectLst/>
             <a:extLst>
               <a:ext uri="{C572A759-6A51-4108-AA02-DFA0A04FC94B}">
-                <ma14:wrappingTextBoxFlag xmlns:ma14="http://schemas.microsoft.com/office/mac/drawingml/2011/main" val="1"/>
+                <ma14:wrappingTextBoxFlag xmlns:ma14="http://schemas.microsoft.com/office/mac/drawingml/2011/main" xmlns:a14="http://schemas.microsoft.com/office/drawing/2010/main" xmlns:m="http://schemas.openxmlformats.org/officeDocument/2006/math" xmlns="" val="1"/>
               </a:ext>
             </a:extLst>
           </p:spPr>
@@ -8931,7 +9123,7 @@
           </a:ln>
           <a:extLst>
             <a:ext uri="{C572A759-6A51-4108-AA02-DFA0A04FC94B}">
-              <ma14:wrappingTextBoxFlag xmlns:ma14="http://schemas.microsoft.com/office/mac/drawingml/2011/main" val="1"/>
+              <ma14:wrappingTextBoxFlag xmlns:ma14="http://schemas.microsoft.com/office/mac/drawingml/2011/main" xmlns:a14="http://schemas.microsoft.com/office/drawing/2010/main" xmlns:m="http://schemas.openxmlformats.org/officeDocument/2006/math" xmlns="" val="1"/>
             </a:ext>
           </a:extLst>
         </p:spPr>
@@ -8953,7 +9145,6 @@
             </a:lvl1pPr>
           </a:lstStyle>
           <a:p>
-            <a:pPr/>
             <a:r>
               <a:t>※契約更新時、1人あたりにかかる時間を比較（店長が作業する場合）</a:t>
             </a:r>
@@ -8965,12 +9156,12 @@
   <p:clrMapOvr>
     <a:masterClrMapping/>
   </p:clrMapOvr>
-  <p:transition xmlns:p14="http://schemas.microsoft.com/office/powerpoint/2010/main" spd="med" advClick="1"/>
+  <p:transition spd="med"/>
 </p:sld>
 </file>
 
 <file path=ppt/slides/slide11.xml><?xml version="1.0" encoding="utf-8"?>
-<p:sld xmlns:a="http://schemas.openxmlformats.org/drawingml/2006/main" xmlns:r="http://schemas.openxmlformats.org/officeDocument/2006/relationships" xmlns:p="http://schemas.openxmlformats.org/presentationml/2006/main" xmlns:m="http://schemas.openxmlformats.org/officeDocument/2006/math" xmlns:a14="http://schemas.microsoft.com/office/drawing/2010/main" showMasterSp="1" showMasterPhAnim="1">
+<p:sld xmlns:a="http://schemas.openxmlformats.org/drawingml/2006/main" xmlns:r="http://schemas.openxmlformats.org/officeDocument/2006/relationships" xmlns:p="http://schemas.openxmlformats.org/presentationml/2006/main">
   <p:cSld>
     <p:spTree>
       <p:nvGrpSpPr>
@@ -9018,6 +9209,7 @@
                 </a:solidFill>
               </a:defRPr>
             </a:pPr>
+            <a:endParaRPr/>
           </a:p>
         </p:txBody>
       </p:sp>
@@ -9040,7 +9232,7 @@
           </a:ln>
           <a:extLst>
             <a:ext uri="{C572A759-6A51-4108-AA02-DFA0A04FC94B}">
-              <ma14:wrappingTextBoxFlag xmlns:ma14="http://schemas.microsoft.com/office/mac/drawingml/2011/main" val="1"/>
+              <ma14:wrappingTextBoxFlag xmlns:ma14="http://schemas.microsoft.com/office/mac/drawingml/2011/main" xmlns:a14="http://schemas.microsoft.com/office/drawing/2010/main" xmlns:m="http://schemas.openxmlformats.org/officeDocument/2006/math" xmlns="" val="1"/>
             </a:ext>
           </a:extLst>
         </p:spPr>
@@ -9140,6 +9332,7 @@
                   <a:sym typeface="HiraMaruPro-W4"/>
                 </a:defRPr>
               </a:pPr>
+              <a:endParaRPr/>
             </a:p>
           </p:txBody>
         </p:sp>
@@ -9165,7 +9358,7 @@
             <a:effectLst/>
             <a:extLst>
               <a:ext uri="{C572A759-6A51-4108-AA02-DFA0A04FC94B}">
-                <ma14:wrappingTextBoxFlag xmlns:ma14="http://schemas.microsoft.com/office/mac/drawingml/2011/main" val="1"/>
+                <ma14:wrappingTextBoxFlag xmlns:ma14="http://schemas.microsoft.com/office/mac/drawingml/2011/main" xmlns:a14="http://schemas.microsoft.com/office/drawing/2010/main" xmlns:m="http://schemas.openxmlformats.org/officeDocument/2006/math" xmlns="" val="1"/>
               </a:ext>
             </a:extLst>
           </p:spPr>
@@ -9255,6 +9448,7 @@
                   <a:sym typeface="HiraMaruPro-W4"/>
                 </a:defRPr>
               </a:pPr>
+              <a:endParaRPr/>
             </a:p>
           </p:txBody>
         </p:sp>
@@ -9280,7 +9474,7 @@
             <a:effectLst/>
             <a:extLst>
               <a:ext uri="{C572A759-6A51-4108-AA02-DFA0A04FC94B}">
-                <ma14:wrappingTextBoxFlag xmlns:ma14="http://schemas.microsoft.com/office/mac/drawingml/2011/main" val="1"/>
+                <ma14:wrappingTextBoxFlag xmlns:ma14="http://schemas.microsoft.com/office/mac/drawingml/2011/main" xmlns:a14="http://schemas.microsoft.com/office/drawing/2010/main" xmlns:m="http://schemas.openxmlformats.org/officeDocument/2006/math" xmlns="" val="1"/>
               </a:ext>
             </a:extLst>
           </p:spPr>
@@ -9361,7 +9555,7 @@
               </a:cxnLst>
               <a:rect l="0" t="0" r="r" b="b"/>
               <a:pathLst>
-                <a:path w="21600" h="21600" fill="norm" stroke="1" extrusionOk="0">
+                <a:path w="21600" h="21600" extrusionOk="0">
                   <a:moveTo>
                     <a:pt x="1160" y="480"/>
                   </a:moveTo>
@@ -9413,6 +9607,7 @@
                   <a:sym typeface="HiraMaruPro-W4"/>
                 </a:defRPr>
               </a:pPr>
+              <a:endParaRPr/>
             </a:p>
           </p:txBody>
         </p:sp>
@@ -9438,7 +9633,7 @@
             <a:effectLst/>
             <a:extLst>
               <a:ext uri="{C572A759-6A51-4108-AA02-DFA0A04FC94B}">
-                <ma14:wrappingTextBoxFlag xmlns:ma14="http://schemas.microsoft.com/office/mac/drawingml/2011/main" val="1"/>
+                <ma14:wrappingTextBoxFlag xmlns:ma14="http://schemas.microsoft.com/office/mac/drawingml/2011/main" xmlns:a14="http://schemas.microsoft.com/office/drawing/2010/main" xmlns:m="http://schemas.openxmlformats.org/officeDocument/2006/math" xmlns="" val="1"/>
               </a:ext>
             </a:extLst>
           </p:spPr>
@@ -9460,15 +9655,15 @@
                 </a:defRPr>
               </a:pPr>
               <a:r>
-                <a:t>■契約更新対象者数 : 11名</a:t>
+                <a:t>■契約更新対象者数 : 10名</a:t>
               </a:r>
               <a:br/>
               <a:r>
-                <a:t>■店長の時給 : 12円</a:t>
+                <a:t>■店長の時給 : 1,200円</a:t>
               </a:r>
               <a:br/>
               <a:r>
-                <a:t>■契約更新の回数 : 年3回</a:t>
+                <a:t>■契約更新の回数 : 年1回</a:t>
               </a:r>
             </a:p>
           </p:txBody>
@@ -9528,6 +9723,7 @@
                   <a:sym typeface="HiraMaruPro-W4"/>
                 </a:defRPr>
               </a:pPr>
+              <a:endParaRPr/>
             </a:p>
           </p:txBody>
         </p:sp>
@@ -9553,7 +9749,7 @@
             <a:effectLst/>
             <a:extLst>
               <a:ext uri="{C572A759-6A51-4108-AA02-DFA0A04FC94B}">
-                <ma14:wrappingTextBoxFlag xmlns:ma14="http://schemas.microsoft.com/office/mac/drawingml/2011/main" val="1"/>
+                <ma14:wrappingTextBoxFlag xmlns:ma14="http://schemas.microsoft.com/office/mac/drawingml/2011/main" xmlns:a14="http://schemas.microsoft.com/office/drawing/2010/main" xmlns:m="http://schemas.openxmlformats.org/officeDocument/2006/math" xmlns="" val="1"/>
               </a:ext>
             </a:extLst>
           </p:spPr>
@@ -9575,9 +9771,8 @@
               </a:lvl1pPr>
             </a:lstStyle>
             <a:p>
-              <a:pPr/>
               <a:r>
-                <a:t>11人</a:t>
+                <a:t>10人</a:t>
               </a:r>
             </a:p>
           </p:txBody>
@@ -9637,6 +9832,7 @@
                   <a:sym typeface="HiraMaruPro-W4"/>
                 </a:defRPr>
               </a:pPr>
+              <a:endParaRPr/>
             </a:p>
           </p:txBody>
         </p:sp>
@@ -9662,7 +9858,7 @@
             <a:effectLst/>
             <a:extLst>
               <a:ext uri="{C572A759-6A51-4108-AA02-DFA0A04FC94B}">
-                <ma14:wrappingTextBoxFlag xmlns:ma14="http://schemas.microsoft.com/office/mac/drawingml/2011/main" val="1"/>
+                <ma14:wrappingTextBoxFlag xmlns:ma14="http://schemas.microsoft.com/office/mac/drawingml/2011/main" xmlns:a14="http://schemas.microsoft.com/office/drawing/2010/main" xmlns:m="http://schemas.openxmlformats.org/officeDocument/2006/math" xmlns="" val="1"/>
               </a:ext>
             </a:extLst>
           </p:spPr>
@@ -9684,9 +9880,8 @@
               </a:lvl1pPr>
             </a:lstStyle>
             <a:p>
-              <a:pPr/>
               <a:r>
-                <a:t>65分</a:t>
+                <a:t>115分</a:t>
               </a:r>
             </a:p>
           </p:txBody>
@@ -9746,6 +9941,7 @@
                   <a:sym typeface="HiraMaruPro-W4"/>
                 </a:defRPr>
               </a:pPr>
+              <a:endParaRPr/>
             </a:p>
           </p:txBody>
         </p:sp>
@@ -9771,7 +9967,7 @@
             <a:effectLst/>
             <a:extLst>
               <a:ext uri="{C572A759-6A51-4108-AA02-DFA0A04FC94B}">
-                <ma14:wrappingTextBoxFlag xmlns:ma14="http://schemas.microsoft.com/office/mac/drawingml/2011/main" val="1"/>
+                <ma14:wrappingTextBoxFlag xmlns:ma14="http://schemas.microsoft.com/office/mac/drawingml/2011/main" xmlns:a14="http://schemas.microsoft.com/office/drawing/2010/main" xmlns:m="http://schemas.openxmlformats.org/officeDocument/2006/math" xmlns="" val="1"/>
               </a:ext>
             </a:extLst>
           </p:spPr>
@@ -9793,9 +9989,8 @@
               </a:lvl1pPr>
             </a:lstStyle>
             <a:p>
-              <a:pPr/>
               <a:r>
-                <a:t>2,145分</a:t>
+                <a:t>1,150分</a:t>
               </a:r>
             </a:p>
           </p:txBody>
@@ -9820,7 +10015,7 @@
           </a:ln>
           <a:extLst>
             <a:ext uri="{C572A759-6A51-4108-AA02-DFA0A04FC94B}">
-              <ma14:wrappingTextBoxFlag xmlns:ma14="http://schemas.microsoft.com/office/mac/drawingml/2011/main" val="1"/>
+              <ma14:wrappingTextBoxFlag xmlns:ma14="http://schemas.microsoft.com/office/mac/drawingml/2011/main" xmlns:a14="http://schemas.microsoft.com/office/drawing/2010/main" xmlns:m="http://schemas.openxmlformats.org/officeDocument/2006/math" xmlns="" val="1"/>
             </a:ext>
           </a:extLst>
         </p:spPr>
@@ -9842,7 +10037,6 @@
             </a:lvl1pPr>
           </a:lstStyle>
           <a:p>
-            <a:pPr/>
             <a:r>
               <a:t>×</a:t>
             </a:r>
@@ -9868,7 +10062,7 @@
           </a:ln>
           <a:extLst>
             <a:ext uri="{C572A759-6A51-4108-AA02-DFA0A04FC94B}">
-              <ma14:wrappingTextBoxFlag xmlns:ma14="http://schemas.microsoft.com/office/mac/drawingml/2011/main" val="1"/>
+              <ma14:wrappingTextBoxFlag xmlns:ma14="http://schemas.microsoft.com/office/mac/drawingml/2011/main" xmlns:a14="http://schemas.microsoft.com/office/drawing/2010/main" xmlns:m="http://schemas.openxmlformats.org/officeDocument/2006/math" xmlns="" val="1"/>
             </a:ext>
           </a:extLst>
         </p:spPr>
@@ -9890,7 +10084,6 @@
             </a:lvl1pPr>
           </a:lstStyle>
           <a:p>
-            <a:pPr/>
             <a:r>
               <a:t>＝</a:t>
             </a:r>
@@ -9951,6 +10144,7 @@
                   <a:sym typeface="HiraMaruPro-W4"/>
                 </a:defRPr>
               </a:pPr>
+              <a:endParaRPr/>
             </a:p>
           </p:txBody>
         </p:sp>
@@ -9976,7 +10170,7 @@
             <a:effectLst/>
             <a:extLst>
               <a:ext uri="{C572A759-6A51-4108-AA02-DFA0A04FC94B}">
-                <ma14:wrappingTextBoxFlag xmlns:ma14="http://schemas.microsoft.com/office/mac/drawingml/2011/main" val="1"/>
+                <ma14:wrappingTextBoxFlag xmlns:ma14="http://schemas.microsoft.com/office/mac/drawingml/2011/main" xmlns:a14="http://schemas.microsoft.com/office/drawing/2010/main" xmlns:m="http://schemas.openxmlformats.org/officeDocument/2006/math" xmlns="" val="1"/>
               </a:ext>
             </a:extLst>
           </p:spPr>
@@ -10002,7 +10196,7 @@
               </a:r>
               <a:br/>
               <a:r>
-                <a:t>36時間</a:t>
+                <a:t>19時間</a:t>
               </a:r>
             </a:p>
           </p:txBody>
@@ -10036,7 +10230,7 @@
           <a:bodyPr lIns="0" tIns="0" rIns="0" bIns="0" anchor="ctr"/>
           <a:lstStyle/>
           <a:p>
-            <a:pPr/>
+            <a:endParaRPr/>
           </a:p>
         </p:txBody>
       </p:sp>
@@ -10094,6 +10288,7 @@
                   <a:sym typeface="HiraMaruPro-W4"/>
                 </a:defRPr>
               </a:pPr>
+              <a:endParaRPr/>
             </a:p>
           </p:txBody>
         </p:sp>
@@ -10119,7 +10314,7 @@
             <a:effectLst/>
             <a:extLst>
               <a:ext uri="{C572A759-6A51-4108-AA02-DFA0A04FC94B}">
-                <ma14:wrappingTextBoxFlag xmlns:ma14="http://schemas.microsoft.com/office/mac/drawingml/2011/main" val="1"/>
+                <ma14:wrappingTextBoxFlag xmlns:ma14="http://schemas.microsoft.com/office/mac/drawingml/2011/main" xmlns:a14="http://schemas.microsoft.com/office/drawing/2010/main" xmlns:m="http://schemas.openxmlformats.org/officeDocument/2006/math" xmlns="" val="1"/>
               </a:ext>
             </a:extLst>
           </p:spPr>
@@ -10141,9 +10336,8 @@
               </a:lvl1pPr>
             </a:lstStyle>
             <a:p>
-              <a:pPr/>
               <a:r>
-                <a:t>3回</a:t>
+                <a:t>1回</a:t>
               </a:r>
             </a:p>
           </p:txBody>
@@ -10168,7 +10362,7 @@
           </a:ln>
           <a:extLst>
             <a:ext uri="{C572A759-6A51-4108-AA02-DFA0A04FC94B}">
-              <ma14:wrappingTextBoxFlag xmlns:ma14="http://schemas.microsoft.com/office/mac/drawingml/2011/main" val="1"/>
+              <ma14:wrappingTextBoxFlag xmlns:ma14="http://schemas.microsoft.com/office/mac/drawingml/2011/main" xmlns:a14="http://schemas.microsoft.com/office/drawing/2010/main" xmlns:m="http://schemas.openxmlformats.org/officeDocument/2006/math" xmlns="" val="1"/>
             </a:ext>
           </a:extLst>
         </p:spPr>
@@ -10190,7 +10384,6 @@
             </a:lvl1pPr>
           </a:lstStyle>
           <a:p>
-            <a:pPr/>
             <a:r>
               <a:t>×</a:t>
             </a:r>
@@ -10253,6 +10446,7 @@
                   <a:sym typeface="HiraMaruPro-W4"/>
                 </a:defRPr>
               </a:pPr>
+              <a:endParaRPr/>
             </a:p>
           </p:txBody>
         </p:sp>
@@ -10278,7 +10472,7 @@
             <a:effectLst/>
             <a:extLst>
               <a:ext uri="{C572A759-6A51-4108-AA02-DFA0A04FC94B}">
-                <ma14:wrappingTextBoxFlag xmlns:ma14="http://schemas.microsoft.com/office/mac/drawingml/2011/main" val="1"/>
+                <ma14:wrappingTextBoxFlag xmlns:ma14="http://schemas.microsoft.com/office/mac/drawingml/2011/main" xmlns:a14="http://schemas.microsoft.com/office/drawing/2010/main" xmlns:m="http://schemas.openxmlformats.org/officeDocument/2006/math" xmlns="" val="1"/>
               </a:ext>
             </a:extLst>
           </p:spPr>
@@ -10300,9 +10494,8 @@
               </a:lvl1pPr>
             </a:lstStyle>
             <a:p>
-              <a:pPr/>
               <a:r>
-                <a:t>11人</a:t>
+                <a:t>10人</a:t>
               </a:r>
             </a:p>
           </p:txBody>
@@ -10364,6 +10557,7 @@
                   <a:sym typeface="HiraMaruPro-W4"/>
                 </a:defRPr>
               </a:pPr>
+              <a:endParaRPr/>
             </a:p>
           </p:txBody>
         </p:sp>
@@ -10389,7 +10583,7 @@
             <a:effectLst/>
             <a:extLst>
               <a:ext uri="{C572A759-6A51-4108-AA02-DFA0A04FC94B}">
-                <ma14:wrappingTextBoxFlag xmlns:ma14="http://schemas.microsoft.com/office/mac/drawingml/2011/main" val="1"/>
+                <ma14:wrappingTextBoxFlag xmlns:ma14="http://schemas.microsoft.com/office/mac/drawingml/2011/main" xmlns:a14="http://schemas.microsoft.com/office/drawing/2010/main" xmlns:m="http://schemas.openxmlformats.org/officeDocument/2006/math" xmlns="" val="1"/>
               </a:ext>
             </a:extLst>
           </p:spPr>
@@ -10411,7 +10605,6 @@
               </a:lvl1pPr>
             </a:lstStyle>
             <a:p>
-              <a:pPr/>
               <a:r>
                 <a:t>3分</a:t>
               </a:r>
@@ -10475,6 +10668,7 @@
                   <a:sym typeface="HiraMaruPro-W4"/>
                 </a:defRPr>
               </a:pPr>
+              <a:endParaRPr/>
             </a:p>
           </p:txBody>
         </p:sp>
@@ -10500,7 +10694,7 @@
             <a:effectLst/>
             <a:extLst>
               <a:ext uri="{C572A759-6A51-4108-AA02-DFA0A04FC94B}">
-                <ma14:wrappingTextBoxFlag xmlns:ma14="http://schemas.microsoft.com/office/mac/drawingml/2011/main" val="1"/>
+                <ma14:wrappingTextBoxFlag xmlns:ma14="http://schemas.microsoft.com/office/mac/drawingml/2011/main" xmlns:a14="http://schemas.microsoft.com/office/drawing/2010/main" xmlns:m="http://schemas.openxmlformats.org/officeDocument/2006/math" xmlns="" val="1"/>
               </a:ext>
             </a:extLst>
           </p:spPr>
@@ -10522,9 +10716,8 @@
               </a:lvl1pPr>
             </a:lstStyle>
             <a:p>
-              <a:pPr/>
               <a:r>
-                <a:t>99分</a:t>
+                <a:t>30分</a:t>
               </a:r>
             </a:p>
           </p:txBody>
@@ -10549,7 +10742,7 @@
           </a:ln>
           <a:extLst>
             <a:ext uri="{C572A759-6A51-4108-AA02-DFA0A04FC94B}">
-              <ma14:wrappingTextBoxFlag xmlns:ma14="http://schemas.microsoft.com/office/mac/drawingml/2011/main" val="1"/>
+              <ma14:wrappingTextBoxFlag xmlns:ma14="http://schemas.microsoft.com/office/mac/drawingml/2011/main" xmlns:a14="http://schemas.microsoft.com/office/drawing/2010/main" xmlns:m="http://schemas.openxmlformats.org/officeDocument/2006/math" xmlns="" val="1"/>
             </a:ext>
           </a:extLst>
         </p:spPr>
@@ -10571,7 +10764,6 @@
             </a:lvl1pPr>
           </a:lstStyle>
           <a:p>
-            <a:pPr/>
             <a:r>
               <a:t>×</a:t>
             </a:r>
@@ -10597,7 +10789,7 @@
           </a:ln>
           <a:extLst>
             <a:ext uri="{C572A759-6A51-4108-AA02-DFA0A04FC94B}">
-              <ma14:wrappingTextBoxFlag xmlns:ma14="http://schemas.microsoft.com/office/mac/drawingml/2011/main" val="1"/>
+              <ma14:wrappingTextBoxFlag xmlns:ma14="http://schemas.microsoft.com/office/mac/drawingml/2011/main" xmlns:a14="http://schemas.microsoft.com/office/drawing/2010/main" xmlns:m="http://schemas.openxmlformats.org/officeDocument/2006/math" xmlns="" val="1"/>
             </a:ext>
           </a:extLst>
         </p:spPr>
@@ -10619,7 +10811,6 @@
             </a:lvl1pPr>
           </a:lstStyle>
           <a:p>
-            <a:pPr/>
             <a:r>
               <a:t>＝</a:t>
             </a:r>
@@ -10680,6 +10871,7 @@
                   <a:sym typeface="HiraMaruPro-W4"/>
                 </a:defRPr>
               </a:pPr>
+              <a:endParaRPr/>
             </a:p>
           </p:txBody>
         </p:sp>
@@ -10705,7 +10897,7 @@
             <a:effectLst/>
             <a:extLst>
               <a:ext uri="{C572A759-6A51-4108-AA02-DFA0A04FC94B}">
-                <ma14:wrappingTextBoxFlag xmlns:ma14="http://schemas.microsoft.com/office/mac/drawingml/2011/main" val="1"/>
+                <ma14:wrappingTextBoxFlag xmlns:ma14="http://schemas.microsoft.com/office/mac/drawingml/2011/main" xmlns:a14="http://schemas.microsoft.com/office/drawing/2010/main" xmlns:m="http://schemas.openxmlformats.org/officeDocument/2006/math" xmlns="" val="1"/>
               </a:ext>
             </a:extLst>
           </p:spPr>
@@ -10731,7 +10923,7 @@
               </a:r>
               <a:br/>
               <a:r>
-                <a:t>2時間</a:t>
+                <a:t>1時間</a:t>
               </a:r>
             </a:p>
           </p:txBody>
@@ -10765,7 +10957,7 @@
           <a:bodyPr lIns="0" tIns="0" rIns="0" bIns="0" anchor="ctr"/>
           <a:lstStyle/>
           <a:p>
-            <a:pPr/>
+            <a:endParaRPr/>
           </a:p>
         </p:txBody>
       </p:sp>
@@ -10825,6 +11017,7 @@
                   <a:sym typeface="HiraMaruPro-W4"/>
                 </a:defRPr>
               </a:pPr>
+              <a:endParaRPr/>
             </a:p>
           </p:txBody>
         </p:sp>
@@ -10850,7 +11043,7 @@
             <a:effectLst/>
             <a:extLst>
               <a:ext uri="{C572A759-6A51-4108-AA02-DFA0A04FC94B}">
-                <ma14:wrappingTextBoxFlag xmlns:ma14="http://schemas.microsoft.com/office/mac/drawingml/2011/main" val="1"/>
+                <ma14:wrappingTextBoxFlag xmlns:ma14="http://schemas.microsoft.com/office/mac/drawingml/2011/main" xmlns:a14="http://schemas.microsoft.com/office/drawing/2010/main" xmlns:m="http://schemas.openxmlformats.org/officeDocument/2006/math" xmlns="" val="1"/>
               </a:ext>
             </a:extLst>
           </p:spPr>
@@ -10872,9 +11065,8 @@
               </a:lvl1pPr>
             </a:lstStyle>
             <a:p>
-              <a:pPr/>
               <a:r>
-                <a:t>3回</a:t>
+                <a:t>1回</a:t>
               </a:r>
             </a:p>
           </p:txBody>
@@ -10899,7 +11091,7 @@
           </a:ln>
           <a:extLst>
             <a:ext uri="{C572A759-6A51-4108-AA02-DFA0A04FC94B}">
-              <ma14:wrappingTextBoxFlag xmlns:ma14="http://schemas.microsoft.com/office/mac/drawingml/2011/main" val="1"/>
+              <ma14:wrappingTextBoxFlag xmlns:ma14="http://schemas.microsoft.com/office/mac/drawingml/2011/main" xmlns:a14="http://schemas.microsoft.com/office/drawing/2010/main" xmlns:m="http://schemas.openxmlformats.org/officeDocument/2006/math" xmlns="" val="1"/>
             </a:ext>
           </a:extLst>
         </p:spPr>
@@ -10921,7 +11113,6 @@
             </a:lvl1pPr>
           </a:lstStyle>
           <a:p>
-            <a:pPr/>
             <a:r>
               <a:t>×</a:t>
             </a:r>
@@ -10984,6 +11175,7 @@
                   <a:sym typeface="HiraMaruPro-W4"/>
                 </a:defRPr>
               </a:pPr>
+              <a:endParaRPr/>
             </a:p>
           </p:txBody>
         </p:sp>
@@ -11009,7 +11201,7 @@
             <a:effectLst/>
             <a:extLst>
               <a:ext uri="{C572A759-6A51-4108-AA02-DFA0A04FC94B}">
-                <ma14:wrappingTextBoxFlag xmlns:ma14="http://schemas.microsoft.com/office/mac/drawingml/2011/main" val="1"/>
+                <ma14:wrappingTextBoxFlag xmlns:ma14="http://schemas.microsoft.com/office/mac/drawingml/2011/main" xmlns:a14="http://schemas.microsoft.com/office/drawing/2010/main" xmlns:m="http://schemas.openxmlformats.org/officeDocument/2006/math" xmlns="" val="1"/>
               </a:ext>
             </a:extLst>
           </p:spPr>
@@ -11054,12 +11246,12 @@
   <p:clrMapOvr>
     <a:masterClrMapping/>
   </p:clrMapOvr>
-  <p:transition xmlns:p14="http://schemas.microsoft.com/office/powerpoint/2010/main" spd="med" advClick="1"/>
+  <p:transition spd="med"/>
 </p:sld>
 </file>
 
 <file path=ppt/slides/slide12.xml><?xml version="1.0" encoding="utf-8"?>
-<p:sld xmlns:a="http://schemas.openxmlformats.org/drawingml/2006/main" xmlns:r="http://schemas.openxmlformats.org/officeDocument/2006/relationships" xmlns:p="http://schemas.openxmlformats.org/presentationml/2006/main" xmlns:m="http://schemas.openxmlformats.org/officeDocument/2006/math" xmlns:a14="http://schemas.microsoft.com/office/drawing/2010/main" showMasterSp="1" showMasterPhAnim="1">
+<p:sld xmlns:a="http://schemas.openxmlformats.org/drawingml/2006/main" xmlns:r="http://schemas.openxmlformats.org/officeDocument/2006/relationships" xmlns:p="http://schemas.openxmlformats.org/presentationml/2006/main">
   <p:cSld>
     <p:spTree>
       <p:nvGrpSpPr>
@@ -11107,6 +11299,7 @@
                 </a:solidFill>
               </a:defRPr>
             </a:pPr>
+            <a:endParaRPr/>
           </a:p>
         </p:txBody>
       </p:sp>
@@ -11129,7 +11322,7 @@
           </a:ln>
           <a:extLst>
             <a:ext uri="{C572A759-6A51-4108-AA02-DFA0A04FC94B}">
-              <ma14:wrappingTextBoxFlag xmlns:ma14="http://schemas.microsoft.com/office/mac/drawingml/2011/main" val="1"/>
+              <ma14:wrappingTextBoxFlag xmlns:ma14="http://schemas.microsoft.com/office/mac/drawingml/2011/main" xmlns:a14="http://schemas.microsoft.com/office/drawing/2010/main" xmlns:m="http://schemas.openxmlformats.org/officeDocument/2006/math" xmlns="" val="1"/>
             </a:ext>
           </a:extLst>
         </p:spPr>
@@ -11229,6 +11422,7 @@
                   <a:sym typeface="HiraMaruPro-W4"/>
                 </a:defRPr>
               </a:pPr>
+              <a:endParaRPr/>
             </a:p>
           </p:txBody>
         </p:sp>
@@ -11254,7 +11448,7 @@
             <a:effectLst/>
             <a:extLst>
               <a:ext uri="{C572A759-6A51-4108-AA02-DFA0A04FC94B}">
-                <ma14:wrappingTextBoxFlag xmlns:ma14="http://schemas.microsoft.com/office/mac/drawingml/2011/main" val="1"/>
+                <ma14:wrappingTextBoxFlag xmlns:ma14="http://schemas.microsoft.com/office/mac/drawingml/2011/main" xmlns:a14="http://schemas.microsoft.com/office/drawing/2010/main" xmlns:m="http://schemas.openxmlformats.org/officeDocument/2006/math" xmlns="" val="1"/>
               </a:ext>
             </a:extLst>
           </p:spPr>
@@ -11344,6 +11538,7 @@
                   <a:sym typeface="HiraMaruPro-W4"/>
                 </a:defRPr>
               </a:pPr>
+              <a:endParaRPr/>
             </a:p>
           </p:txBody>
         </p:sp>
@@ -11369,7 +11564,7 @@
             <a:effectLst/>
             <a:extLst>
               <a:ext uri="{C572A759-6A51-4108-AA02-DFA0A04FC94B}">
-                <ma14:wrappingTextBoxFlag xmlns:ma14="http://schemas.microsoft.com/office/mac/drawingml/2011/main" val="1"/>
+                <ma14:wrappingTextBoxFlag xmlns:ma14="http://schemas.microsoft.com/office/mac/drawingml/2011/main" xmlns:a14="http://schemas.microsoft.com/office/drawing/2010/main" xmlns:m="http://schemas.openxmlformats.org/officeDocument/2006/math" xmlns="" val="1"/>
               </a:ext>
             </a:extLst>
           </p:spPr>
@@ -11450,7 +11645,7 @@
               </a:cxnLst>
               <a:rect l="0" t="0" r="r" b="b"/>
               <a:pathLst>
-                <a:path w="21600" h="21600" fill="norm" stroke="1" extrusionOk="0">
+                <a:path w="21600" h="21600" extrusionOk="0">
                   <a:moveTo>
                     <a:pt x="1160" y="480"/>
                   </a:moveTo>
@@ -11502,6 +11697,7 @@
                   <a:sym typeface="HiraMaruPro-W4"/>
                 </a:defRPr>
               </a:pPr>
+              <a:endParaRPr/>
             </a:p>
           </p:txBody>
         </p:sp>
@@ -11527,7 +11723,7 @@
             <a:effectLst/>
             <a:extLst>
               <a:ext uri="{C572A759-6A51-4108-AA02-DFA0A04FC94B}">
-                <ma14:wrappingTextBoxFlag xmlns:ma14="http://schemas.microsoft.com/office/mac/drawingml/2011/main" val="1"/>
+                <ma14:wrappingTextBoxFlag xmlns:ma14="http://schemas.microsoft.com/office/mac/drawingml/2011/main" xmlns:a14="http://schemas.microsoft.com/office/drawing/2010/main" xmlns:m="http://schemas.openxmlformats.org/officeDocument/2006/math" xmlns="" val="1"/>
               </a:ext>
             </a:extLst>
           </p:spPr>
@@ -11549,15 +11745,15 @@
                 </a:defRPr>
               </a:pPr>
               <a:r>
-                <a:t>■契約更新対象者数 : 11名</a:t>
+                <a:t>■契約更新対象者数 : 10名</a:t>
               </a:r>
               <a:br/>
               <a:r>
-                <a:t>■店長の時給 : 12円</a:t>
+                <a:t>■店長の時給 : 1,200円</a:t>
               </a:r>
               <a:br/>
               <a:r>
-                <a:t>■契約更新の回数 : 年3回</a:t>
+                <a:t>■契約更新の回数 : 年1回</a:t>
               </a:r>
             </a:p>
           </p:txBody>
@@ -11617,6 +11813,7 @@
                   <a:sym typeface="HiraMaruPro-W4"/>
                 </a:defRPr>
               </a:pPr>
+              <a:endParaRPr/>
             </a:p>
           </p:txBody>
         </p:sp>
@@ -11642,7 +11839,7 @@
             <a:effectLst/>
             <a:extLst>
               <a:ext uri="{C572A759-6A51-4108-AA02-DFA0A04FC94B}">
-                <ma14:wrappingTextBoxFlag xmlns:ma14="http://schemas.microsoft.com/office/mac/drawingml/2011/main" val="1"/>
+                <ma14:wrappingTextBoxFlag xmlns:ma14="http://schemas.microsoft.com/office/mac/drawingml/2011/main" xmlns:a14="http://schemas.microsoft.com/office/drawing/2010/main" xmlns:m="http://schemas.openxmlformats.org/officeDocument/2006/math" xmlns="" val="1"/>
               </a:ext>
             </a:extLst>
           </p:spPr>
@@ -11664,9 +11861,8 @@
               </a:lvl1pPr>
             </a:lstStyle>
             <a:p>
-              <a:pPr/>
               <a:r>
-                <a:t>36時間</a:t>
+                <a:t>19時間</a:t>
               </a:r>
             </a:p>
           </p:txBody>
@@ -11726,6 +11922,7 @@
                   <a:sym typeface="HiraMaruPro-W4"/>
                 </a:defRPr>
               </a:pPr>
+              <a:endParaRPr/>
             </a:p>
           </p:txBody>
         </p:sp>
@@ -11751,7 +11948,7 @@
             <a:effectLst/>
             <a:extLst>
               <a:ext uri="{C572A759-6A51-4108-AA02-DFA0A04FC94B}">
-                <ma14:wrappingTextBoxFlag xmlns:ma14="http://schemas.microsoft.com/office/mac/drawingml/2011/main" val="1"/>
+                <ma14:wrappingTextBoxFlag xmlns:ma14="http://schemas.microsoft.com/office/mac/drawingml/2011/main" xmlns:a14="http://schemas.microsoft.com/office/drawing/2010/main" xmlns:m="http://schemas.openxmlformats.org/officeDocument/2006/math" xmlns="" val="1"/>
               </a:ext>
             </a:extLst>
           </p:spPr>
@@ -11773,9 +11970,8 @@
               </a:lvl1pPr>
             </a:lstStyle>
             <a:p>
-              <a:pPr/>
               <a:r>
-                <a:t>12円</a:t>
+                <a:t>1200円</a:t>
               </a:r>
             </a:p>
           </p:txBody>
@@ -11835,6 +12031,7 @@
                   <a:sym typeface="HiraMaruPro-W4"/>
                 </a:defRPr>
               </a:pPr>
+              <a:endParaRPr/>
             </a:p>
           </p:txBody>
         </p:sp>
@@ -11860,7 +12057,7 @@
             <a:effectLst/>
             <a:extLst>
               <a:ext uri="{C572A759-6A51-4108-AA02-DFA0A04FC94B}">
-                <ma14:wrappingTextBoxFlag xmlns:ma14="http://schemas.microsoft.com/office/mac/drawingml/2011/main" val="1"/>
+                <ma14:wrappingTextBoxFlag xmlns:ma14="http://schemas.microsoft.com/office/mac/drawingml/2011/main" xmlns:a14="http://schemas.microsoft.com/office/drawing/2010/main" xmlns:m="http://schemas.openxmlformats.org/officeDocument/2006/math" xmlns="" val="1"/>
               </a:ext>
             </a:extLst>
           </p:spPr>
@@ -11882,9 +12079,8 @@
               </a:lvl1pPr>
             </a:lstStyle>
             <a:p>
-              <a:pPr/>
               <a:r>
-                <a:t>1,296円</a:t>
+                <a:t>22,800円</a:t>
               </a:r>
             </a:p>
           </p:txBody>
@@ -11909,7 +12105,7 @@
           </a:ln>
           <a:extLst>
             <a:ext uri="{C572A759-6A51-4108-AA02-DFA0A04FC94B}">
-              <ma14:wrappingTextBoxFlag xmlns:ma14="http://schemas.microsoft.com/office/mac/drawingml/2011/main" val="1"/>
+              <ma14:wrappingTextBoxFlag xmlns:ma14="http://schemas.microsoft.com/office/mac/drawingml/2011/main" xmlns:a14="http://schemas.microsoft.com/office/drawing/2010/main" xmlns:m="http://schemas.openxmlformats.org/officeDocument/2006/math" xmlns="" val="1"/>
             </a:ext>
           </a:extLst>
         </p:spPr>
@@ -11931,7 +12127,6 @@
             </a:lvl1pPr>
           </a:lstStyle>
           <a:p>
-            <a:pPr/>
             <a:r>
               <a:t>×</a:t>
             </a:r>
@@ -11957,7 +12152,7 @@
           </a:ln>
           <a:extLst>
             <a:ext uri="{C572A759-6A51-4108-AA02-DFA0A04FC94B}">
-              <ma14:wrappingTextBoxFlag xmlns:ma14="http://schemas.microsoft.com/office/mac/drawingml/2011/main" val="1"/>
+              <ma14:wrappingTextBoxFlag xmlns:ma14="http://schemas.microsoft.com/office/mac/drawingml/2011/main" xmlns:a14="http://schemas.microsoft.com/office/drawing/2010/main" xmlns:m="http://schemas.openxmlformats.org/officeDocument/2006/math" xmlns="" val="1"/>
             </a:ext>
           </a:extLst>
         </p:spPr>
@@ -11979,7 +12174,6 @@
             </a:lvl1pPr>
           </a:lstStyle>
           <a:p>
-            <a:pPr/>
             <a:r>
               <a:t>＝</a:t>
             </a:r>
@@ -12040,6 +12234,7 @@
                   <a:sym typeface="HiraMaruPro-W4"/>
                 </a:defRPr>
               </a:pPr>
+              <a:endParaRPr/>
             </a:p>
           </p:txBody>
         </p:sp>
@@ -12065,7 +12260,7 @@
             <a:effectLst/>
             <a:extLst>
               <a:ext uri="{C572A759-6A51-4108-AA02-DFA0A04FC94B}">
-                <ma14:wrappingTextBoxFlag xmlns:ma14="http://schemas.microsoft.com/office/mac/drawingml/2011/main" val="1"/>
+                <ma14:wrappingTextBoxFlag xmlns:ma14="http://schemas.microsoft.com/office/mac/drawingml/2011/main" xmlns:a14="http://schemas.microsoft.com/office/drawing/2010/main" xmlns:m="http://schemas.openxmlformats.org/officeDocument/2006/math" xmlns="" val="1"/>
               </a:ext>
             </a:extLst>
           </p:spPr>
@@ -12087,9 +12282,8 @@
               </a:lvl1pPr>
             </a:lstStyle>
             <a:p>
-              <a:pPr/>
               <a:r>
-                <a:t>3回</a:t>
+                <a:t>1回</a:t>
               </a:r>
             </a:p>
           </p:txBody>
@@ -12114,7 +12308,7 @@
           </a:ln>
           <a:extLst>
             <a:ext uri="{C572A759-6A51-4108-AA02-DFA0A04FC94B}">
-              <ma14:wrappingTextBoxFlag xmlns:ma14="http://schemas.microsoft.com/office/mac/drawingml/2011/main" val="1"/>
+              <ma14:wrappingTextBoxFlag xmlns:ma14="http://schemas.microsoft.com/office/mac/drawingml/2011/main" xmlns:a14="http://schemas.microsoft.com/office/drawing/2010/main" xmlns:m="http://schemas.openxmlformats.org/officeDocument/2006/math" xmlns="" val="1"/>
             </a:ext>
           </a:extLst>
         </p:spPr>
@@ -12136,7 +12330,6 @@
             </a:lvl1pPr>
           </a:lstStyle>
           <a:p>
-            <a:pPr/>
             <a:r>
               <a:t>×</a:t>
             </a:r>
@@ -12152,9 +12345,7 @@
           <p:nvPr/>
         </p:nvPicPr>
         <p:blipFill>
-          <a:blip r:embed="rId2">
-            <a:extLst/>
-          </a:blip>
+          <a:blip r:embed="rId2"/>
           <a:stretch>
             <a:fillRect/>
           </a:stretch>
@@ -12217,7 +12408,7 @@
               </a:cxnLst>
               <a:rect l="0" t="0" r="r" b="b"/>
               <a:pathLst>
-                <a:path w="21600" h="21600" fill="norm" stroke="1" extrusionOk="0">
+                <a:path w="21600" h="21600" extrusionOk="0">
                   <a:moveTo>
                     <a:pt x="0" y="0"/>
                   </a:moveTo>
@@ -12272,6 +12463,7 @@
                   <a:sym typeface="HiraMaruPro-W4"/>
                 </a:defRPr>
               </a:pPr>
+              <a:endParaRPr/>
             </a:p>
           </p:txBody>
         </p:sp>
@@ -12297,7 +12489,7 @@
             <a:effectLst/>
             <a:extLst>
               <a:ext uri="{C572A759-6A51-4108-AA02-DFA0A04FC94B}">
-                <ma14:wrappingTextBoxFlag xmlns:ma14="http://schemas.microsoft.com/office/mac/drawingml/2011/main" val="1"/>
+                <ma14:wrappingTextBoxFlag xmlns:ma14="http://schemas.microsoft.com/office/mac/drawingml/2011/main" xmlns:a14="http://schemas.microsoft.com/office/drawing/2010/main" xmlns:m="http://schemas.openxmlformats.org/officeDocument/2006/math" xmlns="" val="1"/>
               </a:ext>
             </a:extLst>
           </p:spPr>
@@ -12319,7 +12511,7 @@
                 </a:defRPr>
               </a:pPr>
               <a:r>
-                <a:t>年間コスト1/8に</a:t>
+                <a:t>年間コスト1/6に</a:t>
               </a:r>
               <a:br/>
               <a:r>
@@ -12385,6 +12577,7 @@
                   <a:sym typeface="HiraMaruPro-W4"/>
                 </a:defRPr>
               </a:pPr>
+              <a:endParaRPr/>
             </a:p>
           </p:txBody>
         </p:sp>
@@ -12410,7 +12603,7 @@
             <a:effectLst/>
             <a:extLst>
               <a:ext uri="{C572A759-6A51-4108-AA02-DFA0A04FC94B}">
-                <ma14:wrappingTextBoxFlag xmlns:ma14="http://schemas.microsoft.com/office/mac/drawingml/2011/main" val="1"/>
+                <ma14:wrappingTextBoxFlag xmlns:ma14="http://schemas.microsoft.com/office/mac/drawingml/2011/main" xmlns:a14="http://schemas.microsoft.com/office/drawing/2010/main" xmlns:m="http://schemas.openxmlformats.org/officeDocument/2006/math" xmlns="" val="1"/>
               </a:ext>
             </a:extLst>
           </p:spPr>
@@ -12432,9 +12625,8 @@
               </a:lvl1pPr>
             </a:lstStyle>
             <a:p>
-              <a:pPr/>
               <a:r>
-                <a:t>2時間</a:t>
+                <a:t>1時間</a:t>
               </a:r>
             </a:p>
           </p:txBody>
@@ -12496,6 +12688,7 @@
                   <a:sym typeface="HiraMaruPro-W4"/>
                 </a:defRPr>
               </a:pPr>
+              <a:endParaRPr/>
             </a:p>
           </p:txBody>
         </p:sp>
@@ -12521,7 +12714,7 @@
             <a:effectLst/>
             <a:extLst>
               <a:ext uri="{C572A759-6A51-4108-AA02-DFA0A04FC94B}">
-                <ma14:wrappingTextBoxFlag xmlns:ma14="http://schemas.microsoft.com/office/mac/drawingml/2011/main" val="1"/>
+                <ma14:wrappingTextBoxFlag xmlns:ma14="http://schemas.microsoft.com/office/mac/drawingml/2011/main" xmlns:a14="http://schemas.microsoft.com/office/drawing/2010/main" xmlns:m="http://schemas.openxmlformats.org/officeDocument/2006/math" xmlns="" val="1"/>
               </a:ext>
             </a:extLst>
           </p:spPr>
@@ -12543,7 +12736,6 @@
               </a:lvl1pPr>
             </a:lstStyle>
             <a:p>
-              <a:pPr/>
               <a:r>
                 <a:t>2000円</a:t>
               </a:r>
@@ -12607,6 +12799,7 @@
                   <a:sym typeface="HiraMaruPro-W4"/>
                 </a:defRPr>
               </a:pPr>
+              <a:endParaRPr/>
             </a:p>
           </p:txBody>
         </p:sp>
@@ -12632,7 +12825,7 @@
             <a:effectLst/>
             <a:extLst>
               <a:ext uri="{C572A759-6A51-4108-AA02-DFA0A04FC94B}">
-                <ma14:wrappingTextBoxFlag xmlns:ma14="http://schemas.microsoft.com/office/mac/drawingml/2011/main" val="1"/>
+                <ma14:wrappingTextBoxFlag xmlns:ma14="http://schemas.microsoft.com/office/mac/drawingml/2011/main" xmlns:a14="http://schemas.microsoft.com/office/drawing/2010/main" xmlns:m="http://schemas.openxmlformats.org/officeDocument/2006/math" xmlns="" val="1"/>
               </a:ext>
             </a:extLst>
           </p:spPr>
@@ -12654,9 +12847,8 @@
               </a:lvl1pPr>
             </a:lstStyle>
             <a:p>
-              <a:pPr/>
               <a:r>
-                <a:t>12,000円</a:t>
+                <a:t>2,000円</a:t>
               </a:r>
             </a:p>
           </p:txBody>
@@ -12681,7 +12873,7 @@
           </a:ln>
           <a:extLst>
             <a:ext uri="{C572A759-6A51-4108-AA02-DFA0A04FC94B}">
-              <ma14:wrappingTextBoxFlag xmlns:ma14="http://schemas.microsoft.com/office/mac/drawingml/2011/main" val="1"/>
+              <ma14:wrappingTextBoxFlag xmlns:ma14="http://schemas.microsoft.com/office/mac/drawingml/2011/main" xmlns:a14="http://schemas.microsoft.com/office/drawing/2010/main" xmlns:m="http://schemas.openxmlformats.org/officeDocument/2006/math" xmlns="" val="1"/>
             </a:ext>
           </a:extLst>
         </p:spPr>
@@ -12703,7 +12895,6 @@
             </a:lvl1pPr>
           </a:lstStyle>
           <a:p>
-            <a:pPr/>
             <a:r>
               <a:t>×</a:t>
             </a:r>
@@ -12729,7 +12920,7 @@
           </a:ln>
           <a:extLst>
             <a:ext uri="{C572A759-6A51-4108-AA02-DFA0A04FC94B}">
-              <ma14:wrappingTextBoxFlag xmlns:ma14="http://schemas.microsoft.com/office/mac/drawingml/2011/main" val="1"/>
+              <ma14:wrappingTextBoxFlag xmlns:ma14="http://schemas.microsoft.com/office/mac/drawingml/2011/main" xmlns:a14="http://schemas.microsoft.com/office/drawing/2010/main" xmlns:m="http://schemas.openxmlformats.org/officeDocument/2006/math" xmlns="" val="1"/>
             </a:ext>
           </a:extLst>
         </p:spPr>
@@ -12751,7 +12942,6 @@
             </a:lvl1pPr>
           </a:lstStyle>
           <a:p>
-            <a:pPr/>
             <a:r>
               <a:t>＝</a:t>
             </a:r>
@@ -12814,6 +13004,7 @@
                   <a:sym typeface="HiraMaruPro-W4"/>
                 </a:defRPr>
               </a:pPr>
+              <a:endParaRPr/>
             </a:p>
           </p:txBody>
         </p:sp>
@@ -12839,7 +13030,7 @@
             <a:effectLst/>
             <a:extLst>
               <a:ext uri="{C572A759-6A51-4108-AA02-DFA0A04FC94B}">
-                <ma14:wrappingTextBoxFlag xmlns:ma14="http://schemas.microsoft.com/office/mac/drawingml/2011/main" val="1"/>
+                <ma14:wrappingTextBoxFlag xmlns:ma14="http://schemas.microsoft.com/office/mac/drawingml/2011/main" xmlns:a14="http://schemas.microsoft.com/office/drawing/2010/main" xmlns:m="http://schemas.openxmlformats.org/officeDocument/2006/math" xmlns="" val="1"/>
               </a:ext>
             </a:extLst>
           </p:spPr>
@@ -12861,9 +13052,8 @@
               </a:lvl1pPr>
             </a:lstStyle>
             <a:p>
-              <a:pPr/>
               <a:r>
-                <a:t>3回</a:t>
+                <a:t>1回</a:t>
               </a:r>
             </a:p>
           </p:txBody>
@@ -12888,7 +13078,7 @@
           </a:ln>
           <a:extLst>
             <a:ext uri="{C572A759-6A51-4108-AA02-DFA0A04FC94B}">
-              <ma14:wrappingTextBoxFlag xmlns:ma14="http://schemas.microsoft.com/office/mac/drawingml/2011/main" val="1"/>
+              <ma14:wrappingTextBoxFlag xmlns:ma14="http://schemas.microsoft.com/office/mac/drawingml/2011/main" xmlns:a14="http://schemas.microsoft.com/office/drawing/2010/main" xmlns:m="http://schemas.openxmlformats.org/officeDocument/2006/math" xmlns="" val="1"/>
             </a:ext>
           </a:extLst>
         </p:spPr>
@@ -12910,7 +13100,6 @@
             </a:lvl1pPr>
           </a:lstStyle>
           <a:p>
-            <a:pPr/>
             <a:r>
               <a:t>×</a:t>
             </a:r>
@@ -12971,6 +13160,7 @@
                   <a:sym typeface="HiraMaruPro-W4"/>
                 </a:defRPr>
               </a:pPr>
+              <a:endParaRPr/>
             </a:p>
           </p:txBody>
         </p:sp>
@@ -12996,7 +13186,7 @@
             <a:effectLst/>
             <a:extLst>
               <a:ext uri="{C572A759-6A51-4108-AA02-DFA0A04FC94B}">
-                <ma14:wrappingTextBoxFlag xmlns:ma14="http://schemas.microsoft.com/office/mac/drawingml/2011/main" val="1"/>
+                <ma14:wrappingTextBoxFlag xmlns:ma14="http://schemas.microsoft.com/office/mac/drawingml/2011/main" xmlns:a14="http://schemas.microsoft.com/office/drawing/2010/main" xmlns:m="http://schemas.openxmlformats.org/officeDocument/2006/math" xmlns="" val="1"/>
               </a:ext>
             </a:extLst>
           </p:spPr>
@@ -13018,9 +13208,8 @@
               </a:lvl1pPr>
             </a:lstStyle>
             <a:p>
-              <a:pPr/>
               <a:r>
-                <a:t>16,950円</a:t>
+                <a:t>3,500円</a:t>
               </a:r>
             </a:p>
           </p:txBody>
@@ -13080,6 +13269,7 @@
                   <a:sym typeface="HiraMaruPro-W4"/>
                 </a:defRPr>
               </a:pPr>
+              <a:endParaRPr/>
             </a:p>
           </p:txBody>
         </p:sp>
@@ -13105,7 +13295,7 @@
             <a:effectLst/>
             <a:extLst>
               <a:ext uri="{C572A759-6A51-4108-AA02-DFA0A04FC94B}">
-                <ma14:wrappingTextBoxFlag xmlns:ma14="http://schemas.microsoft.com/office/mac/drawingml/2011/main" val="1"/>
+                <ma14:wrappingTextBoxFlag xmlns:ma14="http://schemas.microsoft.com/office/mac/drawingml/2011/main" xmlns:a14="http://schemas.microsoft.com/office/drawing/2010/main" xmlns:m="http://schemas.openxmlformats.org/officeDocument/2006/math" xmlns="" val="1"/>
               </a:ext>
             </a:extLst>
           </p:spPr>
@@ -13127,7 +13317,6 @@
               </a:lvl1pPr>
             </a:lstStyle>
             <a:p>
-              <a:pPr/>
               <a:r>
                 <a:t>人件費</a:t>
               </a:r>
@@ -13191,6 +13380,7 @@
                   <a:sym typeface="HiraMaruPro-W4"/>
                 </a:defRPr>
               </a:pPr>
+              <a:endParaRPr/>
             </a:p>
           </p:txBody>
         </p:sp>
@@ -13216,7 +13406,7 @@
             <a:effectLst/>
             <a:extLst>
               <a:ext uri="{C572A759-6A51-4108-AA02-DFA0A04FC94B}">
-                <ma14:wrappingTextBoxFlag xmlns:ma14="http://schemas.microsoft.com/office/mac/drawingml/2011/main" val="1"/>
+                <ma14:wrappingTextBoxFlag xmlns:ma14="http://schemas.microsoft.com/office/mac/drawingml/2011/main" xmlns:a14="http://schemas.microsoft.com/office/drawing/2010/main" xmlns:m="http://schemas.openxmlformats.org/officeDocument/2006/math" xmlns="" val="1"/>
               </a:ext>
             </a:extLst>
           </p:spPr>
@@ -13238,9 +13428,8 @@
               </a:lvl1pPr>
             </a:lstStyle>
             <a:p>
-              <a:pPr/>
               <a:r>
-                <a:t>11人</a:t>
+                <a:t>10人</a:t>
               </a:r>
             </a:p>
           </p:txBody>
@@ -13302,6 +13491,7 @@
                   <a:sym typeface="HiraMaruPro-W4"/>
                 </a:defRPr>
               </a:pPr>
+              <a:endParaRPr/>
             </a:p>
           </p:txBody>
         </p:sp>
@@ -13327,7 +13517,7 @@
             <a:effectLst/>
             <a:extLst>
               <a:ext uri="{C572A759-6A51-4108-AA02-DFA0A04FC94B}">
-                <ma14:wrappingTextBoxFlag xmlns:ma14="http://schemas.microsoft.com/office/mac/drawingml/2011/main" val="1"/>
+                <ma14:wrappingTextBoxFlag xmlns:ma14="http://schemas.microsoft.com/office/mac/drawingml/2011/main" xmlns:a14="http://schemas.microsoft.com/office/drawing/2010/main" xmlns:m="http://schemas.openxmlformats.org/officeDocument/2006/math" xmlns="" val="1"/>
               </a:ext>
             </a:extLst>
           </p:spPr>
@@ -13349,7 +13539,6 @@
               </a:lvl1pPr>
             </a:lstStyle>
             <a:p>
-              <a:pPr/>
               <a:r>
                 <a:t>150円</a:t>
               </a:r>
@@ -13413,6 +13602,7 @@
                   <a:sym typeface="HiraMaruPro-W4"/>
                 </a:defRPr>
               </a:pPr>
+              <a:endParaRPr/>
             </a:p>
           </p:txBody>
         </p:sp>
@@ -13438,7 +13628,7 @@
             <a:effectLst/>
             <a:extLst>
               <a:ext uri="{C572A759-6A51-4108-AA02-DFA0A04FC94B}">
-                <ma14:wrappingTextBoxFlag xmlns:ma14="http://schemas.microsoft.com/office/mac/drawingml/2011/main" val="1"/>
+                <ma14:wrappingTextBoxFlag xmlns:ma14="http://schemas.microsoft.com/office/mac/drawingml/2011/main" xmlns:a14="http://schemas.microsoft.com/office/drawing/2010/main" xmlns:m="http://schemas.openxmlformats.org/officeDocument/2006/math" xmlns="" val="1"/>
               </a:ext>
             </a:extLst>
           </p:spPr>
@@ -13460,9 +13650,8 @@
               </a:lvl1pPr>
             </a:lstStyle>
             <a:p>
-              <a:pPr/>
               <a:r>
-                <a:t>4,950円</a:t>
+                <a:t>1,500円</a:t>
               </a:r>
             </a:p>
           </p:txBody>
@@ -13487,7 +13676,7 @@
           </a:ln>
           <a:extLst>
             <a:ext uri="{C572A759-6A51-4108-AA02-DFA0A04FC94B}">
-              <ma14:wrappingTextBoxFlag xmlns:ma14="http://schemas.microsoft.com/office/mac/drawingml/2011/main" val="1"/>
+              <ma14:wrappingTextBoxFlag xmlns:ma14="http://schemas.microsoft.com/office/mac/drawingml/2011/main" xmlns:a14="http://schemas.microsoft.com/office/drawing/2010/main" xmlns:m="http://schemas.openxmlformats.org/officeDocument/2006/math" xmlns="" val="1"/>
             </a:ext>
           </a:extLst>
         </p:spPr>
@@ -13509,7 +13698,6 @@
             </a:lvl1pPr>
           </a:lstStyle>
           <a:p>
-            <a:pPr/>
             <a:r>
               <a:t>×</a:t>
             </a:r>
@@ -13535,7 +13723,7 @@
           </a:ln>
           <a:extLst>
             <a:ext uri="{C572A759-6A51-4108-AA02-DFA0A04FC94B}">
-              <ma14:wrappingTextBoxFlag xmlns:ma14="http://schemas.microsoft.com/office/mac/drawingml/2011/main" val="1"/>
+              <ma14:wrappingTextBoxFlag xmlns:ma14="http://schemas.microsoft.com/office/mac/drawingml/2011/main" xmlns:a14="http://schemas.microsoft.com/office/drawing/2010/main" xmlns:m="http://schemas.openxmlformats.org/officeDocument/2006/math" xmlns="" val="1"/>
             </a:ext>
           </a:extLst>
         </p:spPr>
@@ -13557,7 +13745,6 @@
             </a:lvl1pPr>
           </a:lstStyle>
           <a:p>
-            <a:pPr/>
             <a:r>
               <a:t>＝</a:t>
             </a:r>
@@ -13620,6 +13807,7 @@
                   <a:sym typeface="HiraMaruPro-W4"/>
                 </a:defRPr>
               </a:pPr>
+              <a:endParaRPr/>
             </a:p>
           </p:txBody>
         </p:sp>
@@ -13645,7 +13833,7 @@
             <a:effectLst/>
             <a:extLst>
               <a:ext uri="{C572A759-6A51-4108-AA02-DFA0A04FC94B}">
-                <ma14:wrappingTextBoxFlag xmlns:ma14="http://schemas.microsoft.com/office/mac/drawingml/2011/main" val="1"/>
+                <ma14:wrappingTextBoxFlag xmlns:ma14="http://schemas.microsoft.com/office/mac/drawingml/2011/main" xmlns:a14="http://schemas.microsoft.com/office/drawing/2010/main" xmlns:m="http://schemas.openxmlformats.org/officeDocument/2006/math" xmlns="" val="1"/>
               </a:ext>
             </a:extLst>
           </p:spPr>
@@ -13667,9 +13855,8 @@
               </a:lvl1pPr>
             </a:lstStyle>
             <a:p>
-              <a:pPr/>
               <a:r>
-                <a:t>3回</a:t>
+                <a:t>1回</a:t>
               </a:r>
             </a:p>
           </p:txBody>
@@ -13694,7 +13881,7 @@
           </a:ln>
           <a:extLst>
             <a:ext uri="{C572A759-6A51-4108-AA02-DFA0A04FC94B}">
-              <ma14:wrappingTextBoxFlag xmlns:ma14="http://schemas.microsoft.com/office/mac/drawingml/2011/main" val="1"/>
+              <ma14:wrappingTextBoxFlag xmlns:ma14="http://schemas.microsoft.com/office/mac/drawingml/2011/main" xmlns:a14="http://schemas.microsoft.com/office/drawing/2010/main" xmlns:m="http://schemas.openxmlformats.org/officeDocument/2006/math" xmlns="" val="1"/>
             </a:ext>
           </a:extLst>
         </p:spPr>
@@ -13716,7 +13903,6 @@
             </a:lvl1pPr>
           </a:lstStyle>
           <a:p>
-            <a:pPr/>
             <a:r>
               <a:t>×</a:t>
             </a:r>
@@ -13777,6 +13963,7 @@
                   <a:sym typeface="HiraMaruPro-W4"/>
                 </a:defRPr>
               </a:pPr>
+              <a:endParaRPr/>
             </a:p>
           </p:txBody>
         </p:sp>
@@ -13802,7 +13989,7 @@
             <a:effectLst/>
             <a:extLst>
               <a:ext uri="{C572A759-6A51-4108-AA02-DFA0A04FC94B}">
-                <ma14:wrappingTextBoxFlag xmlns:ma14="http://schemas.microsoft.com/office/mac/drawingml/2011/main" val="1"/>
+                <ma14:wrappingTextBoxFlag xmlns:ma14="http://schemas.microsoft.com/office/mac/drawingml/2011/main" xmlns:a14="http://schemas.microsoft.com/office/drawing/2010/main" xmlns:m="http://schemas.openxmlformats.org/officeDocument/2006/math" xmlns="" val="1"/>
               </a:ext>
             </a:extLst>
           </p:spPr>
@@ -13824,7 +14011,6 @@
               </a:lvl1pPr>
             </a:lstStyle>
             <a:p>
-              <a:pPr/>
               <a:r>
                 <a:t>システム料</a:t>
               </a:r>
@@ -13837,12 +14023,12 @@
   <p:clrMapOvr>
     <a:masterClrMapping/>
   </p:clrMapOvr>
-  <p:transition xmlns:p14="http://schemas.microsoft.com/office/powerpoint/2010/main" spd="med" advClick="1"/>
+  <p:transition spd="med"/>
 </p:sld>
 </file>
 
 <file path=ppt/slides/slide13.xml><?xml version="1.0" encoding="utf-8"?>
-<p:sld xmlns:a="http://schemas.openxmlformats.org/drawingml/2006/main" xmlns:r="http://schemas.openxmlformats.org/officeDocument/2006/relationships" xmlns:p="http://schemas.openxmlformats.org/presentationml/2006/main" xmlns:m="http://schemas.openxmlformats.org/officeDocument/2006/math" xmlns:a14="http://schemas.microsoft.com/office/drawing/2010/main" showMasterSp="1" showMasterPhAnim="1">
+<p:sld xmlns:a="http://schemas.openxmlformats.org/drawingml/2006/main" xmlns:r="http://schemas.openxmlformats.org/officeDocument/2006/relationships" xmlns:p="http://schemas.openxmlformats.org/presentationml/2006/main">
   <p:cSld>
     <p:spTree>
       <p:nvGrpSpPr>
@@ -13890,13 +14076,16 @@
                 </a:solidFill>
               </a:defRPr>
             </a:pPr>
+            <a:endParaRPr/>
           </a:p>
         </p:txBody>
       </p:sp>
       <p:sp>
         <p:nvSpPr>
           <p:cNvPr id="617" name="Google Shape;418;p40"/>
-          <p:cNvSpPr txBox="1"/>
+          <p:cNvSpPr txBox="1">
+            <a:spLocks noGrp="1"/>
+          </p:cNvSpPr>
           <p:nvPr>
             <p:ph type="title" idx="4294967295"/>
           </p:nvPr>
@@ -13926,7 +14115,6 @@
             </a:lvl1pPr>
           </a:lstStyle>
           <a:p>
-            <a:pPr/>
             <a:r>
               <a:t>実際にどんな作業が効率化できるのか？</a:t>
             </a:r>
@@ -13971,6 +14159,7 @@
                 <a:sym typeface="メイリオ"/>
               </a:defRPr>
             </a:pPr>
+            <a:endParaRPr/>
           </a:p>
         </p:txBody>
       </p:sp>
@@ -13993,7 +14182,7 @@
           </a:ln>
           <a:extLst>
             <a:ext uri="{C572A759-6A51-4108-AA02-DFA0A04FC94B}">
-              <ma14:wrappingTextBoxFlag xmlns:ma14="http://schemas.microsoft.com/office/mac/drawingml/2011/main" val="1"/>
+              <ma14:wrappingTextBoxFlag xmlns:ma14="http://schemas.microsoft.com/office/mac/drawingml/2011/main" xmlns:a14="http://schemas.microsoft.com/office/drawing/2010/main" xmlns:m="http://schemas.openxmlformats.org/officeDocument/2006/math" xmlns="" val="1"/>
             </a:ext>
           </a:extLst>
         </p:spPr>
@@ -14015,7 +14204,6 @@
             </a:lvl1pPr>
           </a:lstStyle>
           <a:p>
-            <a:pPr/>
             <a:r>
               <a:t>入社手続き</a:t>
             </a:r>
@@ -14041,7 +14229,7 @@
           </a:ln>
           <a:extLst>
             <a:ext uri="{C572A759-6A51-4108-AA02-DFA0A04FC94B}">
-              <ma14:wrappingTextBoxFlag xmlns:ma14="http://schemas.microsoft.com/office/mac/drawingml/2011/main" val="1"/>
+              <ma14:wrappingTextBoxFlag xmlns:ma14="http://schemas.microsoft.com/office/mac/drawingml/2011/main" xmlns:a14="http://schemas.microsoft.com/office/drawing/2010/main" xmlns:m="http://schemas.openxmlformats.org/officeDocument/2006/math" xmlns="" val="1"/>
             </a:ext>
           </a:extLst>
         </p:spPr>
@@ -14063,7 +14251,6 @@
             </a:lvl1pPr>
           </a:lstStyle>
           <a:p>
-            <a:pPr/>
             <a:r>
               <a:t>②人件費の削減</a:t>
             </a:r>
@@ -14108,6 +14295,7 @@
                 <a:sym typeface="メイリオ"/>
               </a:defRPr>
             </a:pPr>
+            <a:endParaRPr/>
           </a:p>
         </p:txBody>
       </p:sp>
@@ -14130,7 +14318,7 @@
           </a:ln>
           <a:extLst>
             <a:ext uri="{C572A759-6A51-4108-AA02-DFA0A04FC94B}">
-              <ma14:wrappingTextBoxFlag xmlns:ma14="http://schemas.microsoft.com/office/mac/drawingml/2011/main" val="1"/>
+              <ma14:wrappingTextBoxFlag xmlns:ma14="http://schemas.microsoft.com/office/mac/drawingml/2011/main" xmlns:a14="http://schemas.microsoft.com/office/drawing/2010/main" xmlns:m="http://schemas.openxmlformats.org/officeDocument/2006/math" xmlns="" val="1"/>
             </a:ext>
           </a:extLst>
         </p:spPr>
@@ -14152,7 +14340,6 @@
             </a:lvl1pPr>
           </a:lstStyle>
           <a:p>
-            <a:pPr/>
             <a:r>
               <a:t>契約更新</a:t>
             </a:r>
@@ -14197,6 +14384,7 @@
                 <a:sym typeface="メイリオ"/>
               </a:defRPr>
             </a:pPr>
+            <a:endParaRPr/>
           </a:p>
         </p:txBody>
       </p:sp>
@@ -14219,7 +14407,7 @@
           </a:ln>
           <a:extLst>
             <a:ext uri="{C572A759-6A51-4108-AA02-DFA0A04FC94B}">
-              <ma14:wrappingTextBoxFlag xmlns:ma14="http://schemas.microsoft.com/office/mac/drawingml/2011/main" val="1"/>
+              <ma14:wrappingTextBoxFlag xmlns:ma14="http://schemas.microsoft.com/office/mac/drawingml/2011/main" xmlns:a14="http://schemas.microsoft.com/office/drawing/2010/main" xmlns:m="http://schemas.openxmlformats.org/officeDocument/2006/math" xmlns="" val="1"/>
             </a:ext>
           </a:extLst>
         </p:spPr>
@@ -14241,7 +14429,6 @@
             </a:lvl1pPr>
           </a:lstStyle>
           <a:p>
-            <a:pPr/>
             <a:r>
               <a:t>各種身上変更</a:t>
             </a:r>
@@ -14307,7 +14494,7 @@
                 </a:cxnLst>
                 <a:rect l="0" t="0" r="r" b="b"/>
                 <a:pathLst>
-                  <a:path w="21600" h="21600" fill="norm" stroke="1" extrusionOk="0">
+                  <a:path w="21600" h="21600" extrusionOk="0">
                     <a:moveTo>
                       <a:pt x="0" y="0"/>
                     </a:moveTo>
@@ -14353,6 +14540,7 @@
                     <a:sym typeface="HiraMaruPro-W4"/>
                   </a:defRPr>
                 </a:pPr>
+                <a:endParaRPr/>
               </a:p>
             </p:txBody>
           </p:sp>
@@ -14387,7 +14575,7 @@
                 </a:cxnLst>
                 <a:rect l="0" t="0" r="r" b="b"/>
                 <a:pathLst>
-                  <a:path w="21600" h="21600" fill="norm" stroke="1" extrusionOk="0">
+                  <a:path w="21600" h="21600" extrusionOk="0">
                     <a:moveTo>
                       <a:pt x="0" y="21600"/>
                     </a:moveTo>
@@ -14429,6 +14617,7 @@
                     <a:sym typeface="HiraMaruPro-W4"/>
                   </a:defRPr>
                 </a:pPr>
+                <a:endParaRPr/>
               </a:p>
             </p:txBody>
           </p:sp>
@@ -14455,7 +14644,7 @@
             <a:effectLst/>
             <a:extLst>
               <a:ext uri="{C572A759-6A51-4108-AA02-DFA0A04FC94B}">
-                <ma14:wrappingTextBoxFlag xmlns:ma14="http://schemas.microsoft.com/office/mac/drawingml/2011/main" val="1"/>
+                <ma14:wrappingTextBoxFlag xmlns:ma14="http://schemas.microsoft.com/office/mac/drawingml/2011/main" xmlns:a14="http://schemas.microsoft.com/office/drawing/2010/main" xmlns:m="http://schemas.openxmlformats.org/officeDocument/2006/math" xmlns="" val="1"/>
               </a:ext>
             </a:extLst>
           </p:spPr>
@@ -14465,7 +14654,7 @@
             </a:bodyPr>
             <a:lstStyle/>
             <a:p>
-              <a:pPr/>
+              <a:endParaRPr/>
             </a:p>
             <a:p>
               <a:pPr>
@@ -14590,7 +14779,7 @@
                 </a:cxnLst>
                 <a:rect l="0" t="0" r="r" b="b"/>
                 <a:pathLst>
-                  <a:path w="21600" h="21600" fill="norm" stroke="1" extrusionOk="0">
+                  <a:path w="21600" h="21600" extrusionOk="0">
                     <a:moveTo>
                       <a:pt x="0" y="0"/>
                     </a:moveTo>
@@ -14636,6 +14825,7 @@
                     <a:sym typeface="HiraMaruPro-W4"/>
                   </a:defRPr>
                 </a:pPr>
+                <a:endParaRPr/>
               </a:p>
             </p:txBody>
           </p:sp>
@@ -14670,7 +14860,7 @@
                 </a:cxnLst>
                 <a:rect l="0" t="0" r="r" b="b"/>
                 <a:pathLst>
-                  <a:path w="21600" h="21600" fill="norm" stroke="1" extrusionOk="0">
+                  <a:path w="21600" h="21600" extrusionOk="0">
                     <a:moveTo>
                       <a:pt x="0" y="21600"/>
                     </a:moveTo>
@@ -14712,6 +14902,7 @@
                     <a:sym typeface="HiraMaruPro-W4"/>
                   </a:defRPr>
                 </a:pPr>
+                <a:endParaRPr/>
               </a:p>
             </p:txBody>
           </p:sp>
@@ -14738,7 +14929,7 @@
             <a:effectLst/>
             <a:extLst>
               <a:ext uri="{C572A759-6A51-4108-AA02-DFA0A04FC94B}">
-                <ma14:wrappingTextBoxFlag xmlns:ma14="http://schemas.microsoft.com/office/mac/drawingml/2011/main" val="1"/>
+                <ma14:wrappingTextBoxFlag xmlns:ma14="http://schemas.microsoft.com/office/mac/drawingml/2011/main" xmlns:a14="http://schemas.microsoft.com/office/drawing/2010/main" xmlns:m="http://schemas.openxmlformats.org/officeDocument/2006/math" xmlns="" val="1"/>
               </a:ext>
             </a:extLst>
           </p:spPr>
@@ -14748,7 +14939,7 @@
             </a:bodyPr>
             <a:lstStyle/>
             <a:p>
-              <a:pPr/>
+              <a:endParaRPr/>
             </a:p>
             <a:p>
               <a:pPr>
@@ -14807,7 +14998,7 @@
           </a:ln>
           <a:extLst>
             <a:ext uri="{C572A759-6A51-4108-AA02-DFA0A04FC94B}">
-              <ma14:wrappingTextBoxFlag xmlns:ma14="http://schemas.microsoft.com/office/mac/drawingml/2011/main" val="1"/>
+              <ma14:wrappingTextBoxFlag xmlns:ma14="http://schemas.microsoft.com/office/mac/drawingml/2011/main" xmlns:a14="http://schemas.microsoft.com/office/drawing/2010/main" xmlns:m="http://schemas.openxmlformats.org/officeDocument/2006/math" xmlns="" val="1"/>
             </a:ext>
           </a:extLst>
         </p:spPr>
@@ -14829,7 +15020,6 @@
             </a:lvl1pPr>
           </a:lstStyle>
           <a:p>
-            <a:pPr/>
             <a:r>
               <a:t>契約更新</a:t>
             </a:r>
@@ -14895,7 +15085,7 @@
                 </a:cxnLst>
                 <a:rect l="0" t="0" r="r" b="b"/>
                 <a:pathLst>
-                  <a:path w="21600" h="21600" fill="norm" stroke="1" extrusionOk="0">
+                  <a:path w="21600" h="21600" extrusionOk="0">
                     <a:moveTo>
                       <a:pt x="0" y="0"/>
                     </a:moveTo>
@@ -14941,6 +15131,7 @@
                     <a:sym typeface="HiraMaruPro-W4"/>
                   </a:defRPr>
                 </a:pPr>
+                <a:endParaRPr/>
               </a:p>
             </p:txBody>
           </p:sp>
@@ -14975,7 +15166,7 @@
                 </a:cxnLst>
                 <a:rect l="0" t="0" r="r" b="b"/>
                 <a:pathLst>
-                  <a:path w="21600" h="21600" fill="norm" stroke="1" extrusionOk="0">
+                  <a:path w="21600" h="21600" extrusionOk="0">
                     <a:moveTo>
                       <a:pt x="0" y="21600"/>
                     </a:moveTo>
@@ -15017,6 +15208,7 @@
                     <a:sym typeface="HiraMaruPro-W4"/>
                   </a:defRPr>
                 </a:pPr>
+                <a:endParaRPr/>
               </a:p>
             </p:txBody>
           </p:sp>
@@ -15043,7 +15235,7 @@
             <a:effectLst/>
             <a:extLst>
               <a:ext uri="{C572A759-6A51-4108-AA02-DFA0A04FC94B}">
-                <ma14:wrappingTextBoxFlag xmlns:ma14="http://schemas.microsoft.com/office/mac/drawingml/2011/main" val="1"/>
+                <ma14:wrappingTextBoxFlag xmlns:ma14="http://schemas.microsoft.com/office/mac/drawingml/2011/main" xmlns:a14="http://schemas.microsoft.com/office/drawing/2010/main" xmlns:m="http://schemas.openxmlformats.org/officeDocument/2006/math" xmlns="" val="1"/>
               </a:ext>
             </a:extLst>
           </p:spPr>
@@ -15053,7 +15245,7 @@
             </a:bodyPr>
             <a:lstStyle/>
             <a:p>
-              <a:pPr/>
+              <a:endParaRPr/>
             </a:p>
             <a:p>
               <a:pPr>
@@ -15127,6 +15319,7 @@
                 <a:sym typeface="メイリオ"/>
               </a:defRPr>
             </a:pPr>
+            <a:endParaRPr/>
           </a:p>
         </p:txBody>
       </p:sp>
@@ -15149,7 +15342,7 @@
           </a:ln>
           <a:extLst>
             <a:ext uri="{C572A759-6A51-4108-AA02-DFA0A04FC94B}">
-              <ma14:wrappingTextBoxFlag xmlns:ma14="http://schemas.microsoft.com/office/mac/drawingml/2011/main" val="1"/>
+              <ma14:wrappingTextBoxFlag xmlns:ma14="http://schemas.microsoft.com/office/mac/drawingml/2011/main" xmlns:a14="http://schemas.microsoft.com/office/drawing/2010/main" xmlns:m="http://schemas.openxmlformats.org/officeDocument/2006/math" xmlns="" val="1"/>
             </a:ext>
           </a:extLst>
         </p:spPr>
@@ -15171,7 +15364,6 @@
             </a:lvl1pPr>
           </a:lstStyle>
           <a:p>
-            <a:pPr/>
             <a:r>
               <a:t>年末調整</a:t>
             </a:r>
@@ -15237,7 +15429,7 @@
                 </a:cxnLst>
                 <a:rect l="0" t="0" r="r" b="b"/>
                 <a:pathLst>
-                  <a:path w="21600" h="21600" fill="norm" stroke="1" extrusionOk="0">
+                  <a:path w="21600" h="21600" extrusionOk="0">
                     <a:moveTo>
                       <a:pt x="0" y="0"/>
                     </a:moveTo>
@@ -15283,6 +15475,7 @@
                     <a:sym typeface="HiraMaruPro-W4"/>
                   </a:defRPr>
                 </a:pPr>
+                <a:endParaRPr/>
               </a:p>
             </p:txBody>
           </p:sp>
@@ -15317,7 +15510,7 @@
                 </a:cxnLst>
                 <a:rect l="0" t="0" r="r" b="b"/>
                 <a:pathLst>
-                  <a:path w="21600" h="21600" fill="norm" stroke="1" extrusionOk="0">
+                  <a:path w="21600" h="21600" extrusionOk="0">
                     <a:moveTo>
                       <a:pt x="0" y="21600"/>
                     </a:moveTo>
@@ -15359,6 +15552,7 @@
                     <a:sym typeface="HiraMaruPro-W4"/>
                   </a:defRPr>
                 </a:pPr>
+                <a:endParaRPr/>
               </a:p>
             </p:txBody>
           </p:sp>
@@ -15385,7 +15579,7 @@
             <a:effectLst/>
             <a:extLst>
               <a:ext uri="{C572A759-6A51-4108-AA02-DFA0A04FC94B}">
-                <ma14:wrappingTextBoxFlag xmlns:ma14="http://schemas.microsoft.com/office/mac/drawingml/2011/main" val="1"/>
+                <ma14:wrappingTextBoxFlag xmlns:ma14="http://schemas.microsoft.com/office/mac/drawingml/2011/main" xmlns:a14="http://schemas.microsoft.com/office/drawing/2010/main" xmlns:m="http://schemas.openxmlformats.org/officeDocument/2006/math" xmlns="" val="1"/>
               </a:ext>
             </a:extLst>
           </p:spPr>
@@ -15395,7 +15589,7 @@
             </a:bodyPr>
             <a:lstStyle/>
             <a:p>
-              <a:pPr/>
+              <a:endParaRPr/>
             </a:p>
             <a:p>
               <a:pPr>
@@ -15422,6 +15616,7 @@
                 <a:t>　（住所・家族・銀行口座・免許証　など）</a:t>
               </a:r>
               <a:br/>
+              <a:endParaRPr/>
             </a:p>
           </p:txBody>
         </p:sp>
@@ -15485,7 +15680,7 @@
                 </a:cxnLst>
                 <a:rect l="0" t="0" r="r" b="b"/>
                 <a:pathLst>
-                  <a:path w="21600" h="21600" fill="norm" stroke="1" extrusionOk="0">
+                  <a:path w="21600" h="21600" extrusionOk="0">
                     <a:moveTo>
                       <a:pt x="0" y="0"/>
                     </a:moveTo>
@@ -15531,6 +15726,7 @@
                     <a:sym typeface="HiraMaruPro-W4"/>
                   </a:defRPr>
                 </a:pPr>
+                <a:endParaRPr/>
               </a:p>
             </p:txBody>
           </p:sp>
@@ -15565,7 +15761,7 @@
                 </a:cxnLst>
                 <a:rect l="0" t="0" r="r" b="b"/>
                 <a:pathLst>
-                  <a:path w="21600" h="21600" fill="norm" stroke="1" extrusionOk="0">
+                  <a:path w="21600" h="21600" extrusionOk="0">
                     <a:moveTo>
                       <a:pt x="0" y="21600"/>
                     </a:moveTo>
@@ -15607,6 +15803,7 @@
                     <a:sym typeface="HiraMaruPro-W4"/>
                   </a:defRPr>
                 </a:pPr>
+                <a:endParaRPr/>
               </a:p>
             </p:txBody>
           </p:sp>
@@ -15633,7 +15830,7 @@
             <a:effectLst/>
             <a:extLst>
               <a:ext uri="{C572A759-6A51-4108-AA02-DFA0A04FC94B}">
-                <ma14:wrappingTextBoxFlag xmlns:ma14="http://schemas.microsoft.com/office/mac/drawingml/2011/main" val="1"/>
+                <ma14:wrappingTextBoxFlag xmlns:ma14="http://schemas.microsoft.com/office/mac/drawingml/2011/main" xmlns:a14="http://schemas.microsoft.com/office/drawing/2010/main" xmlns:m="http://schemas.openxmlformats.org/officeDocument/2006/math" xmlns="" val="1"/>
               </a:ext>
             </a:extLst>
           </p:spPr>
@@ -15702,7 +15899,7 @@
             </a:cxnLst>
             <a:rect l="0" t="0" r="r" b="b"/>
             <a:pathLst>
-              <a:path w="21600" h="21600" fill="norm" stroke="1" extrusionOk="0">
+              <a:path w="21600" h="21600" extrusionOk="0">
                 <a:moveTo>
                   <a:pt x="0" y="5925"/>
                 </a:moveTo>
@@ -15754,7 +15951,7 @@
           <a:bodyPr lIns="0" tIns="0" rIns="0" bIns="0" anchor="ctr"/>
           <a:lstStyle/>
           <a:p>
-            <a:pPr/>
+            <a:endParaRPr/>
           </a:p>
         </p:txBody>
       </p:sp>
@@ -15763,12 +15960,12 @@
   <p:clrMapOvr>
     <a:masterClrMapping/>
   </p:clrMapOvr>
-  <p:transition xmlns:p14="http://schemas.microsoft.com/office/powerpoint/2010/main" spd="med" advClick="1"/>
+  <p:transition spd="med"/>
 </p:sld>
 </file>
 
 <file path=ppt/slides/slide14.xml><?xml version="1.0" encoding="utf-8"?>
-<p:sld xmlns:a="http://schemas.openxmlformats.org/drawingml/2006/main" xmlns:r="http://schemas.openxmlformats.org/officeDocument/2006/relationships" xmlns:p="http://schemas.openxmlformats.org/presentationml/2006/main" xmlns:m="http://schemas.openxmlformats.org/officeDocument/2006/math" xmlns:a14="http://schemas.microsoft.com/office/drawing/2010/main" showMasterSp="1" showMasterPhAnim="1">
+<p:sld xmlns:a="http://schemas.openxmlformats.org/drawingml/2006/main" xmlns:r="http://schemas.openxmlformats.org/officeDocument/2006/relationships" xmlns:p="http://schemas.openxmlformats.org/presentationml/2006/main">
   <p:cSld>
     <p:spTree>
       <p:nvGrpSpPr>
@@ -15816,6 +16013,7 @@
                 </a:solidFill>
               </a:defRPr>
             </a:pPr>
+            <a:endParaRPr/>
           </a:p>
         </p:txBody>
       </p:sp>
@@ -15828,10 +16026,8 @@
           <p:nvPr/>
         </p:nvPicPr>
         <p:blipFill>
-          <a:blip r:embed="rId2">
-            <a:extLst/>
-          </a:blip>
-          <a:srcRect l="0" t="29" r="0" b="29"/>
+          <a:blip r:embed="rId2"/>
+          <a:srcRect t="29" b="29"/>
           <a:stretch>
             <a:fillRect/>
           </a:stretch>
@@ -15895,7 +16091,7 @@
             <a:lstStyle/>
             <a:p>
               <a:pPr algn="ctr">
-                <a:defRPr b="1" sz="3200">
+                <a:defRPr sz="3200" b="1">
                   <a:solidFill>
                     <a:srgbClr val="FFFFFF"/>
                   </a:solidFill>
@@ -15905,6 +16101,7 @@
                   <a:sym typeface="Geo"/>
                 </a:defRPr>
               </a:pPr>
+              <a:endParaRPr/>
             </a:p>
           </p:txBody>
         </p:sp>
@@ -15930,7 +16127,7 @@
             <a:effectLst/>
             <a:extLst>
               <a:ext uri="{C572A759-6A51-4108-AA02-DFA0A04FC94B}">
-                <ma14:wrappingTextBoxFlag xmlns:ma14="http://schemas.microsoft.com/office/mac/drawingml/2011/main" val="1"/>
+                <ma14:wrappingTextBoxFlag xmlns:ma14="http://schemas.microsoft.com/office/mac/drawingml/2011/main" xmlns:a14="http://schemas.microsoft.com/office/drawing/2010/main" xmlns:m="http://schemas.openxmlformats.org/officeDocument/2006/math" xmlns="" val="1"/>
               </a:ext>
             </a:extLst>
           </p:spPr>
@@ -15959,7 +16156,7 @@
                 <a:t>　</a:t>
               </a:r>
               <a:r>
-                <a:rPr b="1" sz="3200">
+                <a:rPr sz="3200" b="1">
                   <a:latin typeface="Geo"/>
                   <a:ea typeface="Geo"/>
                   <a:cs typeface="Geo"/>
@@ -15976,12 +16173,12 @@
   <p:clrMapOvr>
     <a:masterClrMapping/>
   </p:clrMapOvr>
-  <p:transition xmlns:p14="http://schemas.microsoft.com/office/powerpoint/2010/main" spd="med" advClick="1"/>
+  <p:transition spd="med"/>
 </p:sld>
 </file>
 
 <file path=ppt/slides/slide15.xml><?xml version="1.0" encoding="utf-8"?>
-<p:sld xmlns:a="http://schemas.openxmlformats.org/drawingml/2006/main" xmlns:r="http://schemas.openxmlformats.org/officeDocument/2006/relationships" xmlns:p="http://schemas.openxmlformats.org/presentationml/2006/main" xmlns:m="http://schemas.openxmlformats.org/officeDocument/2006/math" xmlns:a14="http://schemas.microsoft.com/office/drawing/2010/main" showMasterSp="1" showMasterPhAnim="1">
+<p:sld xmlns:a="http://schemas.openxmlformats.org/drawingml/2006/main" xmlns:r="http://schemas.openxmlformats.org/officeDocument/2006/relationships" xmlns:p="http://schemas.openxmlformats.org/presentationml/2006/main">
   <p:cSld>
     <p:spTree>
       <p:nvGrpSpPr>
@@ -16029,13 +16226,16 @@
                 </a:solidFill>
               </a:defRPr>
             </a:pPr>
+            <a:endParaRPr/>
           </a:p>
         </p:txBody>
       </p:sp>
       <p:sp>
         <p:nvSpPr>
           <p:cNvPr id="662" name="Google Shape;447;p42"/>
-          <p:cNvSpPr txBox="1"/>
+          <p:cNvSpPr txBox="1">
+            <a:spLocks noGrp="1"/>
+          </p:cNvSpPr>
           <p:nvPr>
             <p:ph type="title" idx="4294967295"/>
           </p:nvPr>
@@ -16065,7 +16265,6 @@
             </a:lvl1pPr>
           </a:lstStyle>
           <a:p>
-            <a:pPr/>
             <a:r>
               <a:t>WelcomeHRの開発スピードと軌跡</a:t>
             </a:r>
@@ -16110,6 +16309,7 @@
                 <a:sym typeface="メイリオ"/>
               </a:defRPr>
             </a:pPr>
+            <a:endParaRPr/>
           </a:p>
         </p:txBody>
       </p:sp>
@@ -16132,7 +16332,7 @@
           </a:ln>
           <a:extLst>
             <a:ext uri="{C572A759-6A51-4108-AA02-DFA0A04FC94B}">
-              <ma14:wrappingTextBoxFlag xmlns:ma14="http://schemas.microsoft.com/office/mac/drawingml/2011/main" val="1"/>
+              <ma14:wrappingTextBoxFlag xmlns:ma14="http://schemas.microsoft.com/office/mac/drawingml/2011/main" xmlns:a14="http://schemas.microsoft.com/office/drawing/2010/main" xmlns:m="http://schemas.openxmlformats.org/officeDocument/2006/math" xmlns="" val="1"/>
             </a:ext>
           </a:extLst>
         </p:spPr>
@@ -16179,9 +16379,7 @@
           <p:nvPr/>
         </p:nvPicPr>
         <p:blipFill>
-          <a:blip r:embed="rId2">
-            <a:extLst/>
-          </a:blip>
+          <a:blip r:embed="rId2"/>
           <a:stretch>
             <a:fillRect/>
           </a:stretch>
@@ -16210,9 +16408,7 @@
           <p:nvPr/>
         </p:nvPicPr>
         <p:blipFill>
-          <a:blip r:embed="rId3">
-            <a:extLst/>
-          </a:blip>
+          <a:blip r:embed="rId3"/>
           <a:stretch>
             <a:fillRect/>
           </a:stretch>
@@ -16284,6 +16480,7 @@
                   <a:sym typeface="HiraMaruPro-W4"/>
                 </a:defRPr>
               </a:pPr>
+              <a:endParaRPr/>
             </a:p>
           </p:txBody>
         </p:sp>
@@ -16309,7 +16506,7 @@
             <a:effectLst/>
             <a:extLst>
               <a:ext uri="{C572A759-6A51-4108-AA02-DFA0A04FC94B}">
-                <ma14:wrappingTextBoxFlag xmlns:ma14="http://schemas.microsoft.com/office/mac/drawingml/2011/main" val="1"/>
+                <ma14:wrappingTextBoxFlag xmlns:ma14="http://schemas.microsoft.com/office/mac/drawingml/2011/main" xmlns:a14="http://schemas.microsoft.com/office/drawing/2010/main" xmlns:m="http://schemas.openxmlformats.org/officeDocument/2006/math" xmlns="" val="1"/>
               </a:ext>
             </a:extLst>
           </p:spPr>
@@ -16331,7 +16528,6 @@
               </a:lvl1pPr>
             </a:lstStyle>
             <a:p>
-              <a:pPr/>
               <a:r>
                 <a:t>開発スピードの早さ</a:t>
               </a:r>
@@ -16393,6 +16589,7 @@
                   <a:sym typeface="HiraMaruPro-W4"/>
                 </a:defRPr>
               </a:pPr>
+              <a:endParaRPr/>
             </a:p>
           </p:txBody>
         </p:sp>
@@ -16418,7 +16615,7 @@
             <a:effectLst/>
             <a:extLst>
               <a:ext uri="{C572A759-6A51-4108-AA02-DFA0A04FC94B}">
-                <ma14:wrappingTextBoxFlag xmlns:ma14="http://schemas.microsoft.com/office/mac/drawingml/2011/main" val="1"/>
+                <ma14:wrappingTextBoxFlag xmlns:ma14="http://schemas.microsoft.com/office/mac/drawingml/2011/main" xmlns:a14="http://schemas.microsoft.com/office/drawing/2010/main" xmlns:m="http://schemas.openxmlformats.org/officeDocument/2006/math" xmlns="" val="1"/>
               </a:ext>
             </a:extLst>
           </p:spPr>
@@ -16481,7 +16678,7 @@
             </a:cxnLst>
             <a:rect l="0" t="0" r="r" b="b"/>
             <a:pathLst>
-              <a:path w="21600" h="21600" fill="norm" stroke="1" extrusionOk="0">
+              <a:path w="21600" h="21600" extrusionOk="0">
                 <a:moveTo>
                   <a:pt x="0" y="7344"/>
                 </a:moveTo>
@@ -16533,7 +16730,7 @@
           <a:bodyPr lIns="0" tIns="0" rIns="0" bIns="0" anchor="ctr"/>
           <a:lstStyle/>
           <a:p>
-            <a:pPr/>
+            <a:endParaRPr/>
           </a:p>
         </p:txBody>
       </p:sp>
@@ -16568,7 +16765,7 @@
             </a:cxnLst>
             <a:rect l="0" t="0" r="r" b="b"/>
             <a:pathLst>
-              <a:path w="21600" h="21600" fill="norm" stroke="1" extrusionOk="0">
+              <a:path w="21600" h="21600" extrusionOk="0">
                 <a:moveTo>
                   <a:pt x="0" y="5400"/>
                 </a:moveTo>
@@ -16631,7 +16828,7 @@
           <a:bodyPr lIns="0" tIns="0" rIns="0" bIns="0" anchor="ctr"/>
           <a:lstStyle/>
           <a:p>
-            <a:pPr/>
+            <a:endParaRPr/>
           </a:p>
         </p:txBody>
       </p:sp>
@@ -16640,12 +16837,12 @@
   <p:clrMapOvr>
     <a:masterClrMapping/>
   </p:clrMapOvr>
-  <p:transition xmlns:p14="http://schemas.microsoft.com/office/powerpoint/2010/main" spd="med" advClick="1"/>
+  <p:transition spd="med"/>
 </p:sld>
 </file>
 
 <file path=ppt/slides/slide16.xml><?xml version="1.0" encoding="utf-8"?>
-<p:sld xmlns:a="http://schemas.openxmlformats.org/drawingml/2006/main" xmlns:r="http://schemas.openxmlformats.org/officeDocument/2006/relationships" xmlns:p="http://schemas.openxmlformats.org/presentationml/2006/main" xmlns:m="http://schemas.openxmlformats.org/officeDocument/2006/math" xmlns:a14="http://schemas.microsoft.com/office/drawing/2010/main" showMasterSp="1" showMasterPhAnim="1">
+<p:sld xmlns:a="http://schemas.openxmlformats.org/drawingml/2006/main" xmlns:r="http://schemas.openxmlformats.org/officeDocument/2006/relationships" xmlns:p="http://schemas.openxmlformats.org/presentationml/2006/main">
   <p:cSld>
     <p:spTree>
       <p:nvGrpSpPr>
@@ -16712,6 +16909,7 @@
                   <a:sym typeface="Calibri"/>
                 </a:defRPr>
               </a:pPr>
+              <a:endParaRPr/>
             </a:p>
           </p:txBody>
         </p:sp>
@@ -16746,7 +16944,7 @@
               </a:cxnLst>
               <a:rect l="0" t="0" r="r" b="b"/>
               <a:pathLst>
-                <a:path w="21600" h="21600" fill="norm" stroke="1" extrusionOk="0">
+                <a:path w="21600" h="21600" extrusionOk="0">
                   <a:moveTo>
                     <a:pt x="10792" y="0"/>
                   </a:moveTo>
@@ -16817,7 +17015,7 @@
               <a:miter lim="400000"/>
             </a:ln>
             <a:effectLst>
-              <a:outerShdw sx="100000" sy="100000" kx="0" ky="0" algn="b" rotWithShape="0" blurRad="63500" dist="38100" dir="13500000">
+              <a:outerShdw blurRad="63500" dist="38100" dir="13500000" rotWithShape="0">
                 <a:srgbClr val="7F7F7F">
                   <a:alpha val="20000"/>
                 </a:srgbClr>
@@ -16838,6 +17036,7 @@
                   <a:sym typeface="Calibri"/>
                 </a:defRPr>
               </a:pPr>
+              <a:endParaRPr/>
             </a:p>
           </p:txBody>
         </p:sp>
@@ -16861,7 +17060,7 @@
           </a:ln>
           <a:extLst>
             <a:ext uri="{C572A759-6A51-4108-AA02-DFA0A04FC94B}">
-              <ma14:wrappingTextBoxFlag xmlns:ma14="http://schemas.microsoft.com/office/mac/drawingml/2011/main" val="1"/>
+              <ma14:wrappingTextBoxFlag xmlns:ma14="http://schemas.microsoft.com/office/mac/drawingml/2011/main" xmlns:a14="http://schemas.microsoft.com/office/drawing/2010/main" xmlns:m="http://schemas.openxmlformats.org/officeDocument/2006/math" xmlns="" val="1"/>
             </a:ext>
           </a:extLst>
         </p:spPr>
@@ -16894,12 +17093,6 @@
               </a:rPr>
               <a:t>You</a:t>
             </a:r>
-            <a:endParaRPr>
-              <a:latin typeface="Montserrat Light"/>
-              <a:ea typeface="Montserrat Light"/>
-              <a:cs typeface="Montserrat Light"/>
-              <a:sym typeface="Montserrat Light"/>
-            </a:endParaRPr>
           </a:p>
           <a:p>
             <a:pPr algn="r">
@@ -16983,6 +17176,7 @@
                   <a:sym typeface="Calibri"/>
                 </a:defRPr>
               </a:pPr>
+              <a:endParaRPr/>
             </a:p>
           </p:txBody>
         </p:sp>
@@ -17023,6 +17217,7 @@
                   <a:sym typeface="Calibri"/>
                 </a:defRPr>
               </a:pPr>
+              <a:endParaRPr/>
             </a:p>
           </p:txBody>
         </p:sp>
@@ -17046,7 +17241,7 @@
           </a:ln>
           <a:extLst>
             <a:ext uri="{C572A759-6A51-4108-AA02-DFA0A04FC94B}">
-              <ma14:wrappingTextBoxFlag xmlns:ma14="http://schemas.microsoft.com/office/mac/drawingml/2011/main" val="1"/>
+              <ma14:wrappingTextBoxFlag xmlns:ma14="http://schemas.microsoft.com/office/mac/drawingml/2011/main" xmlns:a14="http://schemas.microsoft.com/office/drawing/2010/main" xmlns:m="http://schemas.openxmlformats.org/officeDocument/2006/math" xmlns="" val="1"/>
             </a:ext>
           </a:extLst>
         </p:spPr>
@@ -17113,7 +17308,7 @@
                     <a:srgbClr val="6B9F25"/>
                   </a:solidFill>
                 </a:uFill>
-                <a:hlinkClick r:id="rId2" invalidUrl="" action="" tgtFrame="" tooltip="" history="1" highlightClick="0" endSnd="0"/>
+                <a:hlinkClick r:id="rId2"/>
               </a:rPr>
               <a:t>www.welcomehr.jp</a:t>
             </a:r>
@@ -17128,18 +17323,19 @@
   <p:clrMapOvr>
     <a:masterClrMapping/>
   </p:clrMapOvr>
-  <p:transition xmlns:p14="http://schemas.microsoft.com/office/powerpoint/2010/main" spd="med" advClick="1"/>
+  <p:transition spd="med"/>
 </p:sld>
 </file>
 
 <file path=ppt/slides/slide2.xml><?xml version="1.0" encoding="utf-8"?>
-<p:sld xmlns:a="http://schemas.openxmlformats.org/drawingml/2006/main" xmlns:r="http://schemas.openxmlformats.org/officeDocument/2006/relationships" xmlns:p="http://schemas.openxmlformats.org/presentationml/2006/main" xmlns:m="http://schemas.openxmlformats.org/officeDocument/2006/math" xmlns:a14="http://schemas.microsoft.com/office/drawing/2010/main" showMasterSp="1" showMasterPhAnim="1">
+<p:sld xmlns:a="http://schemas.openxmlformats.org/drawingml/2006/main" xmlns:r="http://schemas.openxmlformats.org/officeDocument/2006/relationships" xmlns:p="http://schemas.openxmlformats.org/presentationml/2006/main">
   <p:cSld>
     <p:bg>
       <p:bgPr>
         <a:solidFill>
           <a:srgbClr val="29CC8F"/>
         </a:solidFill>
+        <a:effectLst/>
       </p:bgPr>
     </p:bg>
     <p:spTree>
@@ -17165,9 +17361,7 @@
           <p:nvPr/>
         </p:nvPicPr>
         <p:blipFill>
-          <a:blip r:embed="rId2">
-            <a:extLst/>
-          </a:blip>
+          <a:blip r:embed="rId2"/>
           <a:stretch>
             <a:fillRect/>
           </a:stretch>
@@ -17204,7 +17398,7 @@
           </a:ln>
           <a:extLst>
             <a:ext uri="{C572A759-6A51-4108-AA02-DFA0A04FC94B}">
-              <ma14:wrappingTextBoxFlag xmlns:ma14="http://schemas.microsoft.com/office/mac/drawingml/2011/main" val="1"/>
+              <ma14:wrappingTextBoxFlag xmlns:ma14="http://schemas.microsoft.com/office/mac/drawingml/2011/main" xmlns:a14="http://schemas.microsoft.com/office/drawing/2010/main" xmlns:m="http://schemas.openxmlformats.org/officeDocument/2006/math" xmlns="" val="1"/>
             </a:ext>
           </a:extLst>
         </p:spPr>
@@ -17241,12 +17435,12 @@
   <p:clrMapOvr>
     <a:masterClrMapping/>
   </p:clrMapOvr>
-  <p:transition xmlns:p14="http://schemas.microsoft.com/office/powerpoint/2010/main" spd="med" advClick="1"/>
+  <p:transition spd="med"/>
 </p:sld>
 </file>
 
 <file path=ppt/slides/slide3.xml><?xml version="1.0" encoding="utf-8"?>
-<p:sld xmlns:a="http://schemas.openxmlformats.org/drawingml/2006/main" xmlns:r="http://schemas.openxmlformats.org/officeDocument/2006/relationships" xmlns:p="http://schemas.openxmlformats.org/presentationml/2006/main" xmlns:m="http://schemas.openxmlformats.org/officeDocument/2006/math" xmlns:a14="http://schemas.microsoft.com/office/drawing/2010/main" showMasterSp="1" showMasterPhAnim="1">
+<p:sld xmlns:a="http://schemas.openxmlformats.org/drawingml/2006/main" xmlns:r="http://schemas.openxmlformats.org/officeDocument/2006/relationships" xmlns:p="http://schemas.openxmlformats.org/presentationml/2006/main">
   <p:cSld>
     <p:spTree>
       <p:nvGrpSpPr>
@@ -17294,6 +17488,7 @@
                 </a:solidFill>
               </a:defRPr>
             </a:pPr>
+            <a:endParaRPr/>
           </a:p>
         </p:txBody>
       </p:sp>
@@ -17306,9 +17501,7 @@
           <p:nvPr/>
         </p:nvPicPr>
         <p:blipFill>
-          <a:blip r:embed="rId2">
-            <a:extLst/>
-          </a:blip>
+          <a:blip r:embed="rId2"/>
           <a:stretch>
             <a:fillRect/>
           </a:stretch>
@@ -17352,7 +17545,7 @@
           <a:bodyPr lIns="0" tIns="0" rIns="0" bIns="0" anchor="ctr"/>
           <a:lstStyle/>
           <a:p>
-            <a:pPr/>
+            <a:endParaRPr/>
           </a:p>
         </p:txBody>
       </p:sp>
@@ -17375,7 +17568,7 @@
           </a:ln>
           <a:extLst>
             <a:ext uri="{C572A759-6A51-4108-AA02-DFA0A04FC94B}">
-              <ma14:wrappingTextBoxFlag xmlns:ma14="http://schemas.microsoft.com/office/mac/drawingml/2011/main" val="1"/>
+              <ma14:wrappingTextBoxFlag xmlns:ma14="http://schemas.microsoft.com/office/mac/drawingml/2011/main" xmlns:a14="http://schemas.microsoft.com/office/drawing/2010/main" xmlns:m="http://schemas.openxmlformats.org/officeDocument/2006/math" xmlns="" val="1"/>
             </a:ext>
           </a:extLst>
         </p:spPr>
@@ -17394,7 +17587,6 @@
             </a:lvl1pPr>
           </a:lstStyle>
           <a:p>
-            <a:pPr/>
             <a:r>
               <a:t>出典：日本CHO協会「新型コロナウイルスの影響と働き方の変化に関する調査」</a:t>
             </a:r>
@@ -17404,7 +17596,9 @@
       <p:sp>
         <p:nvSpPr>
           <p:cNvPr id="295" name="Google Shape;220;p30"/>
-          <p:cNvSpPr txBox="1"/>
+          <p:cNvSpPr txBox="1">
+            <a:spLocks noGrp="1"/>
+          </p:cNvSpPr>
           <p:nvPr>
             <p:ph type="title" idx="4294967295"/>
           </p:nvPr>
@@ -17434,7 +17628,6 @@
             </a:lvl1pPr>
           </a:lstStyle>
           <a:p>
-            <a:pPr/>
             <a:r>
               <a:t>人事労務におけるペーパーレスの課題が未だ未解決の上位に！</a:t>
             </a:r>
@@ -17499,6 +17692,7 @@
                   <a:sym typeface="HiraMaruPro-W4"/>
                 </a:defRPr>
               </a:pPr>
+              <a:endParaRPr/>
             </a:p>
           </p:txBody>
         </p:sp>
@@ -17524,7 +17718,7 @@
             <a:effectLst/>
             <a:extLst>
               <a:ext uri="{C572A759-6A51-4108-AA02-DFA0A04FC94B}">
-                <ma14:wrappingTextBoxFlag xmlns:ma14="http://schemas.microsoft.com/office/mac/drawingml/2011/main" val="1"/>
+                <ma14:wrappingTextBoxFlag xmlns:ma14="http://schemas.microsoft.com/office/mac/drawingml/2011/main" xmlns:a14="http://schemas.microsoft.com/office/drawing/2010/main" xmlns:m="http://schemas.openxmlformats.org/officeDocument/2006/math" xmlns="" val="1"/>
               </a:ext>
             </a:extLst>
           </p:spPr>
@@ -17546,7 +17740,6 @@
               </a:lvl1pPr>
             </a:lstStyle>
             <a:p>
-              <a:pPr/>
               <a:r>
                 <a:t>未だペーパーレス化は進まずアナログな作業が残っている日本社会。</a:t>
               </a:r>
@@ -17559,16 +17752,17 @@
   <p:clrMapOvr>
     <a:masterClrMapping/>
   </p:clrMapOvr>
-  <p:transition xmlns:p14="http://schemas.microsoft.com/office/powerpoint/2010/main" spd="med" advClick="1"/>
+  <p:transition spd="med"/>
 </p:sld>
 </file>
 
 <file path=ppt/slides/slide4.xml><?xml version="1.0" encoding="utf-8"?>
-<p:sld xmlns:a="http://schemas.openxmlformats.org/drawingml/2006/main" xmlns:r="http://schemas.openxmlformats.org/officeDocument/2006/relationships" xmlns:p="http://schemas.openxmlformats.org/presentationml/2006/main" xmlns:m="http://schemas.openxmlformats.org/officeDocument/2006/math" xmlns:a14="http://schemas.microsoft.com/office/drawing/2010/main" showMasterSp="1" showMasterPhAnim="1">
+<p:sld xmlns:a="http://schemas.openxmlformats.org/drawingml/2006/main" xmlns:r="http://schemas.openxmlformats.org/officeDocument/2006/relationships" xmlns:p="http://schemas.openxmlformats.org/presentationml/2006/main">
   <p:cSld>
     <p:bg>
       <p:bgPr>
         <a:noFill/>
+        <a:effectLst/>
       </p:bgPr>
     </p:bg>
     <p:spTree>
@@ -17617,13 +17811,16 @@
                 </a:solidFill>
               </a:defRPr>
             </a:pPr>
+            <a:endParaRPr/>
           </a:p>
         </p:txBody>
       </p:sp>
       <p:sp>
         <p:nvSpPr>
           <p:cNvPr id="301" name="Google Shape;227;p31"/>
-          <p:cNvSpPr txBox="1"/>
+          <p:cNvSpPr txBox="1">
+            <a:spLocks noGrp="1"/>
+          </p:cNvSpPr>
           <p:nvPr>
             <p:ph type="title" idx="4294967295"/>
           </p:nvPr>
@@ -17658,7 +17855,6 @@
             </a:lvl1pPr>
           </a:lstStyle>
           <a:p>
-            <a:pPr/>
             <a:r>
               <a:t>人事労務だけでなく、店長の業務も効率化！！</a:t>
             </a:r>
@@ -17684,7 +17880,7 @@
           </a:ln>
           <a:extLst>
             <a:ext uri="{C572A759-6A51-4108-AA02-DFA0A04FC94B}">
-              <ma14:wrappingTextBoxFlag xmlns:ma14="http://schemas.microsoft.com/office/mac/drawingml/2011/main" val="1"/>
+              <ma14:wrappingTextBoxFlag xmlns:ma14="http://schemas.microsoft.com/office/mac/drawingml/2011/main" xmlns:a14="http://schemas.microsoft.com/office/drawing/2010/main" xmlns:m="http://schemas.openxmlformats.org/officeDocument/2006/math" xmlns="" val="1"/>
             </a:ext>
           </a:extLst>
         </p:spPr>
@@ -17798,13 +17994,13 @@
           </a:ln>
           <a:extLst>
             <a:ext uri="{C572A759-6A51-4108-AA02-DFA0A04FC94B}">
-              <ma14:wrappingTextBoxFlag xmlns:ma14="http://schemas.microsoft.com/office/mac/drawingml/2011/main" val="1"/>
+              <ma14:wrappingTextBoxFlag xmlns:ma14="http://schemas.microsoft.com/office/mac/drawingml/2011/main" xmlns:a14="http://schemas.microsoft.com/office/drawing/2010/main" xmlns:m="http://schemas.openxmlformats.org/officeDocument/2006/math" xmlns="" val="1"/>
             </a:ext>
           </a:extLst>
         </p:spPr>
         <p:txBody>
           <a:bodyPr lIns="45699" tIns="45699" rIns="45699" bIns="45699" anchor="ctr">
-            <a:normAutofit fontScale="100000" lnSpcReduction="0"/>
+            <a:normAutofit/>
           </a:bodyPr>
           <a:lstStyle>
             <a:lvl1pPr algn="ctr">
@@ -17823,7 +18019,6 @@
             </a:lvl1pPr>
           </a:lstStyle>
           <a:p>
-            <a:pPr/>
             <a:r>
               <a:t>ペーパーレスにすると何がいいの？</a:t>
             </a:r>
@@ -17839,9 +18034,7 @@
           <p:nvPr/>
         </p:nvPicPr>
         <p:blipFill>
-          <a:blip r:embed="rId2">
-            <a:extLst/>
-          </a:blip>
+          <a:blip r:embed="rId2"/>
           <a:stretch>
             <a:fillRect/>
           </a:stretch>
@@ -17864,12 +18057,12 @@
   <p:clrMapOvr>
     <a:masterClrMapping/>
   </p:clrMapOvr>
-  <p:transition xmlns:p14="http://schemas.microsoft.com/office/powerpoint/2010/main" spd="med" advClick="1"/>
+  <p:transition spd="med"/>
 </p:sld>
 </file>
 
 <file path=ppt/slides/slide5.xml><?xml version="1.0" encoding="utf-8"?>
-<p:sld xmlns:a="http://schemas.openxmlformats.org/drawingml/2006/main" xmlns:r="http://schemas.openxmlformats.org/officeDocument/2006/relationships" xmlns:p="http://schemas.openxmlformats.org/presentationml/2006/main" xmlns:m="http://schemas.openxmlformats.org/officeDocument/2006/math" xmlns:a14="http://schemas.microsoft.com/office/drawing/2010/main" showMasterSp="1" showMasterPhAnim="1">
+<p:sld xmlns:a="http://schemas.openxmlformats.org/drawingml/2006/main" xmlns:r="http://schemas.openxmlformats.org/officeDocument/2006/relationships" xmlns:p="http://schemas.openxmlformats.org/presentationml/2006/main">
   <p:cSld>
     <p:spTree>
       <p:nvGrpSpPr>
@@ -17917,13 +18110,16 @@
                 </a:solidFill>
               </a:defRPr>
             </a:pPr>
+            <a:endParaRPr/>
           </a:p>
         </p:txBody>
       </p:sp>
       <p:sp>
         <p:nvSpPr>
           <p:cNvPr id="307" name="Google Shape;236;p32"/>
-          <p:cNvSpPr txBox="1"/>
+          <p:cNvSpPr txBox="1">
+            <a:spLocks noGrp="1"/>
+          </p:cNvSpPr>
           <p:nvPr>
             <p:ph type="title" idx="4294967295"/>
           </p:nvPr>
@@ -17953,7 +18149,6 @@
             </a:lvl1pPr>
           </a:lstStyle>
           <a:p>
-            <a:pPr/>
             <a:r>
               <a:t>WelcomeHRで叶うこと</a:t>
             </a:r>
@@ -17979,7 +18174,7 @@
           </a:ln>
           <a:extLst>
             <a:ext uri="{C572A759-6A51-4108-AA02-DFA0A04FC94B}">
-              <ma14:wrappingTextBoxFlag xmlns:ma14="http://schemas.microsoft.com/office/mac/drawingml/2011/main" val="1"/>
+              <ma14:wrappingTextBoxFlag xmlns:ma14="http://schemas.microsoft.com/office/mac/drawingml/2011/main" xmlns:a14="http://schemas.microsoft.com/office/drawing/2010/main" xmlns:m="http://schemas.openxmlformats.org/officeDocument/2006/math" xmlns="" val="1"/>
             </a:ext>
           </a:extLst>
         </p:spPr>
@@ -18051,6 +18246,7 @@
                 <a:sym typeface="メイリオ"/>
               </a:defRPr>
             </a:pPr>
+            <a:endParaRPr/>
           </a:p>
         </p:txBody>
       </p:sp>
@@ -18073,7 +18269,7 @@
           </a:ln>
           <a:extLst>
             <a:ext uri="{C572A759-6A51-4108-AA02-DFA0A04FC94B}">
-              <ma14:wrappingTextBoxFlag xmlns:ma14="http://schemas.microsoft.com/office/mac/drawingml/2011/main" val="1"/>
+              <ma14:wrappingTextBoxFlag xmlns:ma14="http://schemas.microsoft.com/office/mac/drawingml/2011/main" xmlns:a14="http://schemas.microsoft.com/office/drawing/2010/main" xmlns:m="http://schemas.openxmlformats.org/officeDocument/2006/math" xmlns="" val="1"/>
             </a:ext>
           </a:extLst>
         </p:spPr>
@@ -18095,7 +18291,6 @@
             </a:lvl1pPr>
           </a:lstStyle>
           <a:p>
-            <a:pPr/>
             <a:r>
               <a:t>①作業時間約85％削減</a:t>
             </a:r>
@@ -18111,9 +18306,7 @@
           <p:nvPr/>
         </p:nvPicPr>
         <p:blipFill>
-          <a:blip r:embed="rId2">
-            <a:extLst/>
-          </a:blip>
+          <a:blip r:embed="rId2"/>
           <a:stretch>
             <a:fillRect/>
           </a:stretch>
@@ -18140,9 +18333,7 @@
           <p:nvPr/>
         </p:nvPicPr>
         <p:blipFill>
-          <a:blip r:embed="rId3">
-            <a:extLst/>
-          </a:blip>
+          <a:blip r:embed="rId3"/>
           <a:stretch>
             <a:fillRect/>
           </a:stretch>
@@ -18179,7 +18370,7 @@
           </a:ln>
           <a:extLst>
             <a:ext uri="{C572A759-6A51-4108-AA02-DFA0A04FC94B}">
-              <ma14:wrappingTextBoxFlag xmlns:ma14="http://schemas.microsoft.com/office/mac/drawingml/2011/main" val="1"/>
+              <ma14:wrappingTextBoxFlag xmlns:ma14="http://schemas.microsoft.com/office/mac/drawingml/2011/main" xmlns:a14="http://schemas.microsoft.com/office/drawing/2010/main" xmlns:m="http://schemas.openxmlformats.org/officeDocument/2006/math" xmlns="" val="1"/>
             </a:ext>
           </a:extLst>
         </p:spPr>
@@ -18201,7 +18392,6 @@
             </a:lvl1pPr>
           </a:lstStyle>
           <a:p>
-            <a:pPr/>
             <a:r>
               <a:t>②人件費の削減</a:t>
             </a:r>
@@ -18227,7 +18417,7 @@
           </a:ln>
           <a:extLst>
             <a:ext uri="{C572A759-6A51-4108-AA02-DFA0A04FC94B}">
-              <ma14:wrappingTextBoxFlag xmlns:ma14="http://schemas.microsoft.com/office/mac/drawingml/2011/main" val="1"/>
+              <ma14:wrappingTextBoxFlag xmlns:ma14="http://schemas.microsoft.com/office/mac/drawingml/2011/main" xmlns:a14="http://schemas.microsoft.com/office/drawing/2010/main" xmlns:m="http://schemas.openxmlformats.org/officeDocument/2006/math" xmlns="" val="1"/>
             </a:ext>
           </a:extLst>
         </p:spPr>
@@ -18252,7 +18442,6 @@
             </a:lvl1pPr>
           </a:lstStyle>
           <a:p>
-            <a:pPr/>
             <a:r>
               <a:t>雇用契約書もスマホひとつで締結できる為、書類記入に費やしていた時間削減や人事担当者の業務負担が軽減され、業務に余裕が生まれます。</a:t>
             </a:r>
@@ -18268,9 +18457,7 @@
           <p:nvPr/>
         </p:nvPicPr>
         <p:blipFill>
-          <a:blip r:embed="rId4">
-            <a:extLst/>
-          </a:blip>
+          <a:blip r:embed="rId4"/>
           <a:stretch>
             <a:fillRect/>
           </a:stretch>
@@ -18307,7 +18494,7 @@
           </a:ln>
           <a:extLst>
             <a:ext uri="{C572A759-6A51-4108-AA02-DFA0A04FC94B}">
-              <ma14:wrappingTextBoxFlag xmlns:ma14="http://schemas.microsoft.com/office/mac/drawingml/2011/main" val="1"/>
+              <ma14:wrappingTextBoxFlag xmlns:ma14="http://schemas.microsoft.com/office/mac/drawingml/2011/main" xmlns:a14="http://schemas.microsoft.com/office/drawing/2010/main" xmlns:m="http://schemas.openxmlformats.org/officeDocument/2006/math" xmlns="" val="1"/>
             </a:ext>
           </a:extLst>
         </p:spPr>
@@ -18332,7 +18519,6 @@
             </a:lvl1pPr>
           </a:lstStyle>
           <a:p>
-            <a:pPr/>
             <a:r>
               <a:t>入社手続きにおいての人事担当者の業務負担が減るため、繁忙期に人事を増員するなど必要がなくなり、人件費の削減にもつながります。</a:t>
             </a:r>
@@ -18358,7 +18544,7 @@
           </a:ln>
           <a:extLst>
             <a:ext uri="{C572A759-6A51-4108-AA02-DFA0A04FC94B}">
-              <ma14:wrappingTextBoxFlag xmlns:ma14="http://schemas.microsoft.com/office/mac/drawingml/2011/main" val="1"/>
+              <ma14:wrappingTextBoxFlag xmlns:ma14="http://schemas.microsoft.com/office/mac/drawingml/2011/main" xmlns:a14="http://schemas.microsoft.com/office/drawing/2010/main" xmlns:m="http://schemas.openxmlformats.org/officeDocument/2006/math" xmlns="" val="1"/>
             </a:ext>
           </a:extLst>
         </p:spPr>
@@ -18383,7 +18569,6 @@
             </a:lvl1pPr>
           </a:lstStyle>
           <a:p>
-            <a:pPr/>
             <a:r>
               <a:t>時間のかかる労務管理業務をIT化する事で業務の余裕が生まれ、採用戦略や教育などに充てる時間が確保できる為、会社全体として生産性が向上します。</a:t>
             </a:r>
@@ -18428,6 +18613,7 @@
                 <a:sym typeface="メイリオ"/>
               </a:defRPr>
             </a:pPr>
+            <a:endParaRPr/>
           </a:p>
         </p:txBody>
       </p:sp>
@@ -18450,7 +18636,7 @@
           </a:ln>
           <a:extLst>
             <a:ext uri="{C572A759-6A51-4108-AA02-DFA0A04FC94B}">
-              <ma14:wrappingTextBoxFlag xmlns:ma14="http://schemas.microsoft.com/office/mac/drawingml/2011/main" val="1"/>
+              <ma14:wrappingTextBoxFlag xmlns:ma14="http://schemas.microsoft.com/office/mac/drawingml/2011/main" xmlns:a14="http://schemas.microsoft.com/office/drawing/2010/main" xmlns:m="http://schemas.openxmlformats.org/officeDocument/2006/math" xmlns="" val="1"/>
             </a:ext>
           </a:extLst>
         </p:spPr>
@@ -18472,7 +18658,6 @@
             </a:lvl1pPr>
           </a:lstStyle>
           <a:p>
-            <a:pPr/>
             <a:r>
               <a:t>②人件費の削減</a:t>
             </a:r>
@@ -18517,6 +18702,7 @@
                 <a:sym typeface="メイリオ"/>
               </a:defRPr>
             </a:pPr>
+            <a:endParaRPr/>
           </a:p>
         </p:txBody>
       </p:sp>
@@ -18539,7 +18725,7 @@
           </a:ln>
           <a:extLst>
             <a:ext uri="{C572A759-6A51-4108-AA02-DFA0A04FC94B}">
-              <ma14:wrappingTextBoxFlag xmlns:ma14="http://schemas.microsoft.com/office/mac/drawingml/2011/main" val="1"/>
+              <ma14:wrappingTextBoxFlag xmlns:ma14="http://schemas.microsoft.com/office/mac/drawingml/2011/main" xmlns:a14="http://schemas.microsoft.com/office/drawing/2010/main" xmlns:m="http://schemas.openxmlformats.org/officeDocument/2006/math" xmlns="" val="1"/>
             </a:ext>
           </a:extLst>
         </p:spPr>
@@ -18561,7 +18747,6 @@
             </a:lvl1pPr>
           </a:lstStyle>
           <a:p>
-            <a:pPr/>
             <a:r>
               <a:t>③生産性の向上</a:t>
             </a:r>
@@ -18573,12 +18758,12 @@
   <p:clrMapOvr>
     <a:masterClrMapping/>
   </p:clrMapOvr>
-  <p:transition xmlns:p14="http://schemas.microsoft.com/office/powerpoint/2010/main" spd="med" advClick="1"/>
+  <p:transition spd="med"/>
 </p:sld>
 </file>
 
 <file path=ppt/slides/slide6.xml><?xml version="1.0" encoding="utf-8"?>
-<p:sld xmlns:a="http://schemas.openxmlformats.org/drawingml/2006/main" xmlns:r="http://schemas.openxmlformats.org/officeDocument/2006/relationships" xmlns:p="http://schemas.openxmlformats.org/presentationml/2006/main" xmlns:m="http://schemas.openxmlformats.org/officeDocument/2006/math" xmlns:a14="http://schemas.microsoft.com/office/drawing/2010/main" showMasterSp="1" showMasterPhAnim="1">
+<p:sld xmlns:a="http://schemas.openxmlformats.org/drawingml/2006/main" xmlns:r="http://schemas.openxmlformats.org/officeDocument/2006/relationships" xmlns:p="http://schemas.openxmlformats.org/presentationml/2006/main">
   <p:cSld>
     <p:spTree>
       <p:nvGrpSpPr>
@@ -18632,6 +18817,7 @@
                 <a:sym typeface="メイリオ"/>
               </a:defRPr>
             </a:pPr>
+            <a:endParaRPr/>
           </a:p>
         </p:txBody>
       </p:sp>
@@ -18673,6 +18859,7 @@
                 <a:sym typeface="メイリオ"/>
               </a:defRPr>
             </a:pPr>
+            <a:endParaRPr/>
           </a:p>
         </p:txBody>
       </p:sp>
@@ -18708,13 +18895,16 @@
                 </a:solidFill>
               </a:defRPr>
             </a:pPr>
+            <a:endParaRPr/>
           </a:p>
         </p:txBody>
       </p:sp>
       <p:sp>
         <p:nvSpPr>
           <p:cNvPr id="326" name="Google Shape;258;p33"/>
-          <p:cNvSpPr txBox="1"/>
+          <p:cNvSpPr txBox="1">
+            <a:spLocks noGrp="1"/>
+          </p:cNvSpPr>
           <p:nvPr>
             <p:ph type="title" idx="4294967295"/>
           </p:nvPr>
@@ -18744,7 +18934,6 @@
             </a:lvl1pPr>
           </a:lstStyle>
           <a:p>
-            <a:pPr/>
             <a:r>
               <a:t>多店舗展開企業様に多い現状と課題感について</a:t>
             </a:r>
@@ -18789,6 +18978,7 @@
                 <a:sym typeface="メイリオ"/>
               </a:defRPr>
             </a:pPr>
+            <a:endParaRPr/>
           </a:p>
         </p:txBody>
       </p:sp>
@@ -18811,7 +19001,7 @@
           </a:ln>
           <a:extLst>
             <a:ext uri="{C572A759-6A51-4108-AA02-DFA0A04FC94B}">
-              <ma14:wrappingTextBoxFlag xmlns:ma14="http://schemas.microsoft.com/office/mac/drawingml/2011/main" val="1"/>
+              <ma14:wrappingTextBoxFlag xmlns:ma14="http://schemas.microsoft.com/office/mac/drawingml/2011/main" xmlns:a14="http://schemas.microsoft.com/office/drawing/2010/main" xmlns:m="http://schemas.openxmlformats.org/officeDocument/2006/math" xmlns="" val="1"/>
             </a:ext>
           </a:extLst>
         </p:spPr>
@@ -18833,7 +19023,6 @@
             </a:lvl1pPr>
           </a:lstStyle>
           <a:p>
-            <a:pPr/>
             <a:r>
               <a:t>①全て紙でやりとり</a:t>
             </a:r>
@@ -18859,7 +19048,7 @@
           </a:ln>
           <a:extLst>
             <a:ext uri="{C572A759-6A51-4108-AA02-DFA0A04FC94B}">
-              <ma14:wrappingTextBoxFlag xmlns:ma14="http://schemas.microsoft.com/office/mac/drawingml/2011/main" val="1"/>
+              <ma14:wrappingTextBoxFlag xmlns:ma14="http://schemas.microsoft.com/office/mac/drawingml/2011/main" xmlns:a14="http://schemas.microsoft.com/office/drawing/2010/main" xmlns:m="http://schemas.openxmlformats.org/officeDocument/2006/math" xmlns="" val="1"/>
             </a:ext>
           </a:extLst>
         </p:spPr>
@@ -18881,7 +19070,6 @@
             </a:lvl1pPr>
           </a:lstStyle>
           <a:p>
-            <a:pPr/>
             <a:r>
               <a:t>②人件費の削減</a:t>
             </a:r>
@@ -18907,7 +19095,7 @@
           </a:ln>
           <a:extLst>
             <a:ext uri="{C572A759-6A51-4108-AA02-DFA0A04FC94B}">
-              <ma14:wrappingTextBoxFlag xmlns:ma14="http://schemas.microsoft.com/office/mac/drawingml/2011/main" val="1"/>
+              <ma14:wrappingTextBoxFlag xmlns:ma14="http://schemas.microsoft.com/office/mac/drawingml/2011/main" xmlns:a14="http://schemas.microsoft.com/office/drawing/2010/main" xmlns:m="http://schemas.openxmlformats.org/officeDocument/2006/math" xmlns="" val="1"/>
             </a:ext>
           </a:extLst>
         </p:spPr>
@@ -18965,7 +19153,6 @@
               <a:rPr sz="1100"/>
               <a:t> </a:t>
             </a:r>
-            <a:endParaRPr sz="1100"/>
           </a:p>
           <a:p>
             <a:pPr>
@@ -19071,6 +19258,7 @@
                 <a:sym typeface="メイリオ"/>
               </a:defRPr>
             </a:pPr>
+            <a:endParaRPr/>
           </a:p>
         </p:txBody>
       </p:sp>
@@ -19093,7 +19281,7 @@
           </a:ln>
           <a:extLst>
             <a:ext uri="{C572A759-6A51-4108-AA02-DFA0A04FC94B}">
-              <ma14:wrappingTextBoxFlag xmlns:ma14="http://schemas.microsoft.com/office/mac/drawingml/2011/main" val="1"/>
+              <ma14:wrappingTextBoxFlag xmlns:ma14="http://schemas.microsoft.com/office/mac/drawingml/2011/main" xmlns:a14="http://schemas.microsoft.com/office/drawing/2010/main" xmlns:m="http://schemas.openxmlformats.org/officeDocument/2006/math" xmlns="" val="1"/>
             </a:ext>
           </a:extLst>
         </p:spPr>
@@ -19115,7 +19303,6 @@
             </a:lvl1pPr>
           </a:lstStyle>
           <a:p>
-            <a:pPr/>
             <a:r>
               <a:t>②店長の負担が大きい</a:t>
             </a:r>
@@ -19160,6 +19347,7 @@
                 <a:sym typeface="メイリオ"/>
               </a:defRPr>
             </a:pPr>
+            <a:endParaRPr/>
           </a:p>
         </p:txBody>
       </p:sp>
@@ -19182,7 +19370,7 @@
           </a:ln>
           <a:extLst>
             <a:ext uri="{C572A759-6A51-4108-AA02-DFA0A04FC94B}">
-              <ma14:wrappingTextBoxFlag xmlns:ma14="http://schemas.microsoft.com/office/mac/drawingml/2011/main" val="1"/>
+              <ma14:wrappingTextBoxFlag xmlns:ma14="http://schemas.microsoft.com/office/mac/drawingml/2011/main" xmlns:a14="http://schemas.microsoft.com/office/drawing/2010/main" xmlns:m="http://schemas.openxmlformats.org/officeDocument/2006/math" xmlns="" val="1"/>
             </a:ext>
           </a:extLst>
         </p:spPr>
@@ -19204,7 +19392,6 @@
             </a:lvl1pPr>
           </a:lstStyle>
           <a:p>
-            <a:pPr/>
             <a:r>
               <a:t>③書類の未回収・紛失</a:t>
             </a:r>
@@ -19267,6 +19454,7 @@
                   <a:sym typeface="HiraMaruPro-W4"/>
                 </a:defRPr>
               </a:pPr>
+              <a:endParaRPr/>
             </a:p>
           </p:txBody>
         </p:sp>
@@ -19292,7 +19480,7 @@
             <a:effectLst/>
             <a:extLst>
               <a:ext uri="{C572A759-6A51-4108-AA02-DFA0A04FC94B}">
-                <ma14:wrappingTextBoxFlag xmlns:ma14="http://schemas.microsoft.com/office/mac/drawingml/2011/main" val="1"/>
+                <ma14:wrappingTextBoxFlag xmlns:ma14="http://schemas.microsoft.com/office/mac/drawingml/2011/main" xmlns:a14="http://schemas.microsoft.com/office/drawing/2010/main" xmlns:m="http://schemas.openxmlformats.org/officeDocument/2006/math" xmlns="" val="1"/>
               </a:ext>
             </a:extLst>
           </p:spPr>
@@ -19314,7 +19502,6 @@
               </a:lvl1pPr>
             </a:lstStyle>
             <a:p>
-              <a:pPr/>
               <a:r>
                 <a:t>現状</a:t>
               </a:r>
@@ -19376,6 +19563,7 @@
                   <a:sym typeface="HiraMaruPro-W4"/>
                 </a:defRPr>
               </a:pPr>
+              <a:endParaRPr/>
             </a:p>
           </p:txBody>
         </p:sp>
@@ -19401,7 +19589,7 @@
             <a:effectLst/>
             <a:extLst>
               <a:ext uri="{C572A759-6A51-4108-AA02-DFA0A04FC94B}">
-                <ma14:wrappingTextBoxFlag xmlns:ma14="http://schemas.microsoft.com/office/mac/drawingml/2011/main" val="1"/>
+                <ma14:wrappingTextBoxFlag xmlns:ma14="http://schemas.microsoft.com/office/mac/drawingml/2011/main" xmlns:a14="http://schemas.microsoft.com/office/drawing/2010/main" xmlns:m="http://schemas.openxmlformats.org/officeDocument/2006/math" xmlns="" val="1"/>
               </a:ext>
             </a:extLst>
           </p:spPr>
@@ -19423,7 +19611,6 @@
               </a:lvl1pPr>
             </a:lstStyle>
             <a:p>
-              <a:pPr/>
               <a:r>
                 <a:t>課題</a:t>
               </a:r>
@@ -19440,9 +19627,7 @@
           <p:nvPr/>
         </p:nvPicPr>
         <p:blipFill>
-          <a:blip r:embed="rId2">
-            <a:extLst/>
-          </a:blip>
+          <a:blip r:embed="rId2"/>
           <a:stretch>
             <a:fillRect/>
           </a:stretch>
@@ -19471,9 +19656,7 @@
           <p:nvPr/>
         </p:nvPicPr>
         <p:blipFill>
-          <a:blip r:embed="rId3">
-            <a:extLst/>
-          </a:blip>
+          <a:blip r:embed="rId3"/>
           <a:stretch>
             <a:fillRect/>
           </a:stretch>
@@ -19502,9 +19685,7 @@
           <p:nvPr/>
         </p:nvPicPr>
         <p:blipFill>
-          <a:blip r:embed="rId4">
-            <a:extLst/>
-          </a:blip>
+          <a:blip r:embed="rId4"/>
           <a:stretch>
             <a:fillRect/>
           </a:stretch>
@@ -19543,7 +19724,7 @@
           </a:ln>
           <a:extLst>
             <a:ext uri="{C572A759-6A51-4108-AA02-DFA0A04FC94B}">
-              <ma14:wrappingTextBoxFlag xmlns:ma14="http://schemas.microsoft.com/office/mac/drawingml/2011/main" val="1"/>
+              <ma14:wrappingTextBoxFlag xmlns:ma14="http://schemas.microsoft.com/office/mac/drawingml/2011/main" xmlns:a14="http://schemas.microsoft.com/office/drawing/2010/main" xmlns:m="http://schemas.openxmlformats.org/officeDocument/2006/math" xmlns="" val="1"/>
             </a:ext>
           </a:extLst>
         </p:spPr>
@@ -19607,11 +19788,6 @@
               </a:rPr>
               <a:t>等の忙時期に は休日出勤して対応。					</a:t>
             </a:r>
-            <a:endParaRPr>
-              <a:solidFill>
-                <a:srgbClr val="434343"/>
-              </a:solidFill>
-            </a:endParaRPr>
           </a:p>
           <a:p>
             <a:pPr>
@@ -19783,7 +19959,7 @@
           </a:ln>
           <a:extLst>
             <a:ext uri="{C572A759-6A51-4108-AA02-DFA0A04FC94B}">
-              <ma14:wrappingTextBoxFlag xmlns:ma14="http://schemas.microsoft.com/office/mac/drawingml/2011/main" val="1"/>
+              <ma14:wrappingTextBoxFlag xmlns:ma14="http://schemas.microsoft.com/office/mac/drawingml/2011/main" xmlns:a14="http://schemas.microsoft.com/office/drawing/2010/main" xmlns:m="http://schemas.openxmlformats.org/officeDocument/2006/math" xmlns="" val="1"/>
             </a:ext>
           </a:extLst>
         </p:spPr>
@@ -20009,7 +20185,7 @@
             <a:lstStyle/>
             <a:p>
               <a:pPr algn="ctr">
-                <a:defRPr b="1" sz="3100">
+                <a:defRPr sz="3100" b="1">
                   <a:solidFill>
                     <a:srgbClr val="FFFFFF"/>
                   </a:solidFill>
@@ -20019,6 +20195,7 @@
                   <a:sym typeface="メイリオ"/>
                 </a:defRPr>
               </a:pPr>
+              <a:endParaRPr/>
             </a:p>
           </p:txBody>
         </p:sp>
@@ -20044,7 +20221,7 @@
             <a:effectLst/>
             <a:extLst>
               <a:ext uri="{C572A759-6A51-4108-AA02-DFA0A04FC94B}">
-                <ma14:wrappingTextBoxFlag xmlns:ma14="http://schemas.microsoft.com/office/mac/drawingml/2011/main" val="1"/>
+                <ma14:wrappingTextBoxFlag xmlns:ma14="http://schemas.microsoft.com/office/mac/drawingml/2011/main" xmlns:a14="http://schemas.microsoft.com/office/drawing/2010/main" xmlns:m="http://schemas.openxmlformats.org/officeDocument/2006/math" xmlns="" val="1"/>
               </a:ext>
             </a:extLst>
           </p:spPr>
@@ -20066,7 +20243,6 @@
               </a:lvl1pPr>
             </a:lstStyle>
             <a:p>
-              <a:pPr/>
               <a:r>
                 <a:t>管理コストの増加</a:t>
               </a:r>
@@ -20128,6 +20304,7 @@
                   <a:sym typeface="HiraMaruPro-W4"/>
                 </a:defRPr>
               </a:pPr>
+              <a:endParaRPr/>
             </a:p>
           </p:txBody>
         </p:sp>
@@ -20153,7 +20330,7 @@
             <a:effectLst/>
             <a:extLst>
               <a:ext uri="{C572A759-6A51-4108-AA02-DFA0A04FC94B}">
-                <ma14:wrappingTextBoxFlag xmlns:ma14="http://schemas.microsoft.com/office/mac/drawingml/2011/main" val="1"/>
+                <ma14:wrappingTextBoxFlag xmlns:ma14="http://schemas.microsoft.com/office/mac/drawingml/2011/main" xmlns:a14="http://schemas.microsoft.com/office/drawing/2010/main" xmlns:m="http://schemas.openxmlformats.org/officeDocument/2006/math" xmlns="" val="1"/>
               </a:ext>
             </a:extLst>
           </p:spPr>
@@ -20204,7 +20381,7 @@
           </a:ln>
           <a:extLst>
             <a:ext uri="{C572A759-6A51-4108-AA02-DFA0A04FC94B}">
-              <ma14:wrappingTextBoxFlag xmlns:ma14="http://schemas.microsoft.com/office/mac/drawingml/2011/main" val="1"/>
+              <ma14:wrappingTextBoxFlag xmlns:ma14="http://schemas.microsoft.com/office/mac/drawingml/2011/main" xmlns:a14="http://schemas.microsoft.com/office/drawing/2010/main" xmlns:m="http://schemas.openxmlformats.org/officeDocument/2006/math" xmlns="" val="1"/>
             </a:ext>
           </a:extLst>
         </p:spPr>
@@ -20240,18 +20417,19 @@
   <p:clrMapOvr>
     <a:masterClrMapping/>
   </p:clrMapOvr>
-  <p:transition xmlns:p14="http://schemas.microsoft.com/office/powerpoint/2010/main" spd="med" advClick="1"/>
+  <p:transition spd="med"/>
 </p:sld>
 </file>
 
 <file path=ppt/slides/slide7.xml><?xml version="1.0" encoding="utf-8"?>
-<p:sld xmlns:a="http://schemas.openxmlformats.org/drawingml/2006/main" xmlns:r="http://schemas.openxmlformats.org/officeDocument/2006/relationships" xmlns:p="http://schemas.openxmlformats.org/presentationml/2006/main" xmlns:m="http://schemas.openxmlformats.org/officeDocument/2006/math" xmlns:a14="http://schemas.microsoft.com/office/drawing/2010/main" showMasterSp="1" showMasterPhAnim="1">
+<p:sld xmlns:a="http://schemas.openxmlformats.org/drawingml/2006/main" xmlns:r="http://schemas.openxmlformats.org/officeDocument/2006/relationships" xmlns:p="http://schemas.openxmlformats.org/presentationml/2006/main">
   <p:cSld>
     <p:bg>
       <p:bgPr>
         <a:solidFill>
           <a:srgbClr val="29CC8F"/>
         </a:solidFill>
+        <a:effectLst/>
       </p:bgPr>
     </p:bg>
     <p:spTree>
@@ -20287,7 +20465,7 @@
           </a:ln>
           <a:extLst>
             <a:ext uri="{C572A759-6A51-4108-AA02-DFA0A04FC94B}">
-              <ma14:wrappingTextBoxFlag xmlns:ma14="http://schemas.microsoft.com/office/mac/drawingml/2011/main" val="1"/>
+              <ma14:wrappingTextBoxFlag xmlns:ma14="http://schemas.microsoft.com/office/mac/drawingml/2011/main" xmlns:a14="http://schemas.microsoft.com/office/drawing/2010/main" xmlns:m="http://schemas.openxmlformats.org/officeDocument/2006/math" xmlns="" val="1"/>
             </a:ext>
           </a:extLst>
         </p:spPr>
@@ -20335,9 +20513,7 @@
           <p:nvPr/>
         </p:nvPicPr>
         <p:blipFill>
-          <a:blip r:embed="rId2">
-            <a:extLst/>
-          </a:blip>
+          <a:blip r:embed="rId2"/>
           <a:stretch>
             <a:fillRect/>
           </a:stretch>
@@ -20360,12 +20536,12 @@
   <p:clrMapOvr>
     <a:masterClrMapping/>
   </p:clrMapOvr>
-  <p:transition xmlns:p14="http://schemas.microsoft.com/office/powerpoint/2010/main" spd="med" advClick="1"/>
+  <p:transition spd="med"/>
 </p:sld>
 </file>
 
 <file path=ppt/slides/slide8.xml><?xml version="1.0" encoding="utf-8"?>
-<p:sld xmlns:a="http://schemas.openxmlformats.org/drawingml/2006/main" xmlns:r="http://schemas.openxmlformats.org/officeDocument/2006/relationships" xmlns:p="http://schemas.openxmlformats.org/presentationml/2006/main" xmlns:m="http://schemas.openxmlformats.org/officeDocument/2006/math" xmlns:a14="http://schemas.microsoft.com/office/drawing/2010/main" showMasterSp="1" showMasterPhAnim="1">
+<p:sld xmlns:a="http://schemas.openxmlformats.org/drawingml/2006/main" xmlns:r="http://schemas.openxmlformats.org/officeDocument/2006/relationships" xmlns:p="http://schemas.openxmlformats.org/presentationml/2006/main">
   <p:cSld>
     <p:spTree>
       <p:nvGrpSpPr>
@@ -20413,6 +20589,7 @@
                 </a:solidFill>
               </a:defRPr>
             </a:pPr>
+            <a:endParaRPr/>
           </a:p>
         </p:txBody>
       </p:sp>
@@ -20435,7 +20612,7 @@
           </a:ln>
           <a:extLst>
             <a:ext uri="{C572A759-6A51-4108-AA02-DFA0A04FC94B}">
-              <ma14:wrappingTextBoxFlag xmlns:ma14="http://schemas.microsoft.com/office/mac/drawingml/2011/main" val="1"/>
+              <ma14:wrappingTextBoxFlag xmlns:ma14="http://schemas.microsoft.com/office/mac/drawingml/2011/main" xmlns:a14="http://schemas.microsoft.com/office/drawing/2010/main" xmlns:m="http://schemas.openxmlformats.org/officeDocument/2006/math" xmlns="" val="1"/>
             </a:ext>
           </a:extLst>
         </p:spPr>
@@ -20457,7 +20634,6 @@
             </a:lvl1pPr>
           </a:lstStyle>
           <a:p>
-            <a:pPr/>
             <a:r>
               <a:t>入社手続きにおける電子化のメリット / 作業工数</a:t>
             </a:r>
@@ -20515,6 +20691,7 @@
                   <a:sym typeface="HiraMaruPro-W4"/>
                 </a:defRPr>
               </a:pPr>
+              <a:endParaRPr/>
             </a:p>
           </p:txBody>
         </p:sp>
@@ -20540,7 +20717,7 @@
             <a:effectLst/>
             <a:extLst>
               <a:ext uri="{C572A759-6A51-4108-AA02-DFA0A04FC94B}">
-                <ma14:wrappingTextBoxFlag xmlns:ma14="http://schemas.microsoft.com/office/mac/drawingml/2011/main" val="1"/>
+                <ma14:wrappingTextBoxFlag xmlns:ma14="http://schemas.microsoft.com/office/mac/drawingml/2011/main" xmlns:a14="http://schemas.microsoft.com/office/drawing/2010/main" xmlns:m="http://schemas.openxmlformats.org/officeDocument/2006/math" xmlns="" val="1"/>
               </a:ext>
             </a:extLst>
           </p:spPr>
@@ -20559,7 +20736,6 @@
               </a:lvl1pPr>
             </a:lstStyle>
             <a:p>
-              <a:pPr/>
               <a:r>
                 <a:t>契約準備</a:t>
               </a:r>
@@ -20618,6 +20794,7 @@
                   <a:sym typeface="HiraMaruPro-W4"/>
                 </a:defRPr>
               </a:pPr>
+              <a:endParaRPr/>
             </a:p>
           </p:txBody>
         </p:sp>
@@ -20643,7 +20820,7 @@
             <a:effectLst/>
             <a:extLst>
               <a:ext uri="{C572A759-6A51-4108-AA02-DFA0A04FC94B}">
-                <ma14:wrappingTextBoxFlag xmlns:ma14="http://schemas.microsoft.com/office/mac/drawingml/2011/main" val="1"/>
+                <ma14:wrappingTextBoxFlag xmlns:ma14="http://schemas.microsoft.com/office/mac/drawingml/2011/main" xmlns:a14="http://schemas.microsoft.com/office/drawing/2010/main" xmlns:m="http://schemas.openxmlformats.org/officeDocument/2006/math" xmlns="" val="1"/>
               </a:ext>
             </a:extLst>
           </p:spPr>
@@ -20662,7 +20839,6 @@
               </a:lvl1pPr>
             </a:lstStyle>
             <a:p>
-              <a:pPr/>
               <a:r>
                 <a:t>内定通知</a:t>
               </a:r>
@@ -20723,6 +20899,7 @@
                   <a:sym typeface="HiraMaruPro-W4"/>
                 </a:defRPr>
               </a:pPr>
+              <a:endParaRPr/>
             </a:p>
           </p:txBody>
         </p:sp>
@@ -20748,7 +20925,7 @@
             <a:effectLst/>
             <a:extLst>
               <a:ext uri="{C572A759-6A51-4108-AA02-DFA0A04FC94B}">
-                <ma14:wrappingTextBoxFlag xmlns:ma14="http://schemas.microsoft.com/office/mac/drawingml/2011/main" val="1"/>
+                <ma14:wrappingTextBoxFlag xmlns:ma14="http://schemas.microsoft.com/office/mac/drawingml/2011/main" xmlns:a14="http://schemas.microsoft.com/office/drawing/2010/main" xmlns:m="http://schemas.openxmlformats.org/officeDocument/2006/math" xmlns="" val="1"/>
               </a:ext>
             </a:extLst>
           </p:spPr>
@@ -20767,7 +20944,6 @@
               </a:lvl1pPr>
             </a:lstStyle>
             <a:p>
-              <a:pPr/>
               <a:r>
                 <a:t>印刷</a:t>
               </a:r>
@@ -20820,7 +20996,7 @@
               </a:cxnLst>
               <a:rect l="0" t="0" r="r" b="b"/>
               <a:pathLst>
-                <a:path w="21600" h="21600" fill="norm" stroke="1" extrusionOk="0">
+                <a:path w="21600" h="21600" extrusionOk="0">
                   <a:moveTo>
                     <a:pt x="0" y="0"/>
                   </a:moveTo>
@@ -20866,6 +21042,7 @@
                   <a:sym typeface="HiraMaruPro-W4"/>
                 </a:defRPr>
               </a:pPr>
+              <a:endParaRPr/>
             </a:p>
           </p:txBody>
         </p:sp>
@@ -20891,7 +21068,7 @@
             <a:effectLst/>
             <a:extLst>
               <a:ext uri="{C572A759-6A51-4108-AA02-DFA0A04FC94B}">
-                <ma14:wrappingTextBoxFlag xmlns:ma14="http://schemas.microsoft.com/office/mac/drawingml/2011/main" val="1"/>
+                <ma14:wrappingTextBoxFlag xmlns:ma14="http://schemas.microsoft.com/office/mac/drawingml/2011/main" xmlns:a14="http://schemas.microsoft.com/office/drawing/2010/main" xmlns:m="http://schemas.openxmlformats.org/officeDocument/2006/math" xmlns="" val="1"/>
               </a:ext>
             </a:extLst>
           </p:spPr>
@@ -20910,7 +21087,6 @@
               </a:lvl1pPr>
             </a:lstStyle>
             <a:p>
-              <a:pPr/>
               <a:r>
                 <a:t>ワードで契約作成</a:t>
               </a:r>
@@ -20971,6 +21147,7 @@
                   <a:sym typeface="HiraMaruPro-W4"/>
                 </a:defRPr>
               </a:pPr>
+              <a:endParaRPr/>
             </a:p>
           </p:txBody>
         </p:sp>
@@ -20996,7 +21173,7 @@
             <a:effectLst/>
             <a:extLst>
               <a:ext uri="{C572A759-6A51-4108-AA02-DFA0A04FC94B}">
-                <ma14:wrappingTextBoxFlag xmlns:ma14="http://schemas.microsoft.com/office/mac/drawingml/2011/main" val="1"/>
+                <ma14:wrappingTextBoxFlag xmlns:ma14="http://schemas.microsoft.com/office/mac/drawingml/2011/main" xmlns:a14="http://schemas.microsoft.com/office/drawing/2010/main" xmlns:m="http://schemas.openxmlformats.org/officeDocument/2006/math" xmlns="" val="1"/>
               </a:ext>
             </a:extLst>
           </p:spPr>
@@ -21015,7 +21192,6 @@
               </a:lvl1pPr>
             </a:lstStyle>
             <a:p>
-              <a:pPr/>
               <a:r>
                 <a:t>封入準備</a:t>
               </a:r>
@@ -21076,6 +21252,7 @@
                   <a:sym typeface="HiraMaruPro-W4"/>
                 </a:defRPr>
               </a:pPr>
+              <a:endParaRPr/>
             </a:p>
           </p:txBody>
         </p:sp>
@@ -21101,7 +21278,7 @@
             <a:effectLst/>
             <a:extLst>
               <a:ext uri="{C572A759-6A51-4108-AA02-DFA0A04FC94B}">
-                <ma14:wrappingTextBoxFlag xmlns:ma14="http://schemas.microsoft.com/office/mac/drawingml/2011/main" val="1"/>
+                <ma14:wrappingTextBoxFlag xmlns:ma14="http://schemas.microsoft.com/office/mac/drawingml/2011/main" xmlns:a14="http://schemas.microsoft.com/office/drawing/2010/main" xmlns:m="http://schemas.openxmlformats.org/officeDocument/2006/math" xmlns="" val="1"/>
               </a:ext>
             </a:extLst>
           </p:spPr>
@@ -21120,7 +21297,6 @@
               </a:lvl1pPr>
             </a:lstStyle>
             <a:p>
-              <a:pPr/>
               <a:r>
                 <a:t>郵送</a:t>
               </a:r>
@@ -21181,6 +21357,7 @@
                   <a:sym typeface="HiraMaruPro-W4"/>
                 </a:defRPr>
               </a:pPr>
+              <a:endParaRPr/>
             </a:p>
           </p:txBody>
         </p:sp>
@@ -21206,7 +21383,7 @@
             <a:effectLst/>
             <a:extLst>
               <a:ext uri="{C572A759-6A51-4108-AA02-DFA0A04FC94B}">
-                <ma14:wrappingTextBoxFlag xmlns:ma14="http://schemas.microsoft.com/office/mac/drawingml/2011/main" val="1"/>
+                <ma14:wrappingTextBoxFlag xmlns:ma14="http://schemas.microsoft.com/office/mac/drawingml/2011/main" xmlns:a14="http://schemas.microsoft.com/office/drawing/2010/main" xmlns:m="http://schemas.openxmlformats.org/officeDocument/2006/math" xmlns="" val="1"/>
               </a:ext>
             </a:extLst>
           </p:spPr>
@@ -21225,7 +21402,6 @@
               </a:lvl1pPr>
             </a:lstStyle>
             <a:p>
-              <a:pPr/>
               <a:r>
                 <a:t>記入</a:t>
               </a:r>
@@ -21286,6 +21462,7 @@
                   <a:sym typeface="HiraMaruPro-W4"/>
                 </a:defRPr>
               </a:pPr>
+              <a:endParaRPr/>
             </a:p>
           </p:txBody>
         </p:sp>
@@ -21311,7 +21488,7 @@
             <a:effectLst/>
             <a:extLst>
               <a:ext uri="{C572A759-6A51-4108-AA02-DFA0A04FC94B}">
-                <ma14:wrappingTextBoxFlag xmlns:ma14="http://schemas.microsoft.com/office/mac/drawingml/2011/main" val="1"/>
+                <ma14:wrappingTextBoxFlag xmlns:ma14="http://schemas.microsoft.com/office/mac/drawingml/2011/main" xmlns:a14="http://schemas.microsoft.com/office/drawing/2010/main" xmlns:m="http://schemas.openxmlformats.org/officeDocument/2006/math" xmlns="" val="1"/>
               </a:ext>
             </a:extLst>
           </p:spPr>
@@ -21330,7 +21507,6 @@
               </a:lvl1pPr>
             </a:lstStyle>
             <a:p>
-              <a:pPr/>
               <a:r>
                 <a:t>押印</a:t>
               </a:r>
@@ -21391,6 +21567,7 @@
                   <a:sym typeface="HiraMaruPro-W4"/>
                 </a:defRPr>
               </a:pPr>
+              <a:endParaRPr/>
             </a:p>
           </p:txBody>
         </p:sp>
@@ -21416,7 +21593,7 @@
             <a:effectLst/>
             <a:extLst>
               <a:ext uri="{C572A759-6A51-4108-AA02-DFA0A04FC94B}">
-                <ma14:wrappingTextBoxFlag xmlns:ma14="http://schemas.microsoft.com/office/mac/drawingml/2011/main" val="1"/>
+                <ma14:wrappingTextBoxFlag xmlns:ma14="http://schemas.microsoft.com/office/mac/drawingml/2011/main" xmlns:a14="http://schemas.microsoft.com/office/drawing/2010/main" xmlns:m="http://schemas.openxmlformats.org/officeDocument/2006/math" xmlns="" val="1"/>
               </a:ext>
             </a:extLst>
           </p:spPr>
@@ -21435,7 +21612,6 @@
               </a:lvl1pPr>
             </a:lstStyle>
             <a:p>
-              <a:pPr/>
               <a:r>
                 <a:t>提出書類のコピー</a:t>
               </a:r>
@@ -21496,6 +21672,7 @@
                   <a:sym typeface="HiraMaruPro-W4"/>
                 </a:defRPr>
               </a:pPr>
+              <a:endParaRPr/>
             </a:p>
           </p:txBody>
         </p:sp>
@@ -21521,7 +21698,7 @@
             <a:effectLst/>
             <a:extLst>
               <a:ext uri="{C572A759-6A51-4108-AA02-DFA0A04FC94B}">
-                <ma14:wrappingTextBoxFlag xmlns:ma14="http://schemas.microsoft.com/office/mac/drawingml/2011/main" val="1"/>
+                <ma14:wrappingTextBoxFlag xmlns:ma14="http://schemas.microsoft.com/office/mac/drawingml/2011/main" xmlns:a14="http://schemas.microsoft.com/office/drawing/2010/main" xmlns:m="http://schemas.openxmlformats.org/officeDocument/2006/math" xmlns="" val="1"/>
               </a:ext>
             </a:extLst>
           </p:spPr>
@@ -21540,7 +21717,6 @@
               </a:lvl1pPr>
             </a:lstStyle>
             <a:p>
-              <a:pPr/>
               <a:r>
                 <a:t>封入準備</a:t>
               </a:r>
@@ -21601,6 +21777,7 @@
                   <a:sym typeface="HiraMaruPro-W4"/>
                 </a:defRPr>
               </a:pPr>
+              <a:endParaRPr/>
             </a:p>
           </p:txBody>
         </p:sp>
@@ -21626,7 +21803,7 @@
             <a:effectLst/>
             <a:extLst>
               <a:ext uri="{C572A759-6A51-4108-AA02-DFA0A04FC94B}">
-                <ma14:wrappingTextBoxFlag xmlns:ma14="http://schemas.microsoft.com/office/mac/drawingml/2011/main" val="1"/>
+                <ma14:wrappingTextBoxFlag xmlns:ma14="http://schemas.microsoft.com/office/mac/drawingml/2011/main" xmlns:a14="http://schemas.microsoft.com/office/drawing/2010/main" xmlns:m="http://schemas.openxmlformats.org/officeDocument/2006/math" xmlns="" val="1"/>
               </a:ext>
             </a:extLst>
           </p:spPr>
@@ -21645,7 +21822,6 @@
               </a:lvl1pPr>
             </a:lstStyle>
             <a:p>
-              <a:pPr/>
               <a:r>
                 <a:t>郵送</a:t>
               </a:r>
@@ -21706,6 +21882,7 @@
                   <a:sym typeface="HiraMaruPro-W4"/>
                 </a:defRPr>
               </a:pPr>
+              <a:endParaRPr/>
             </a:p>
           </p:txBody>
         </p:sp>
@@ -21731,7 +21908,7 @@
             <a:effectLst/>
             <a:extLst>
               <a:ext uri="{C572A759-6A51-4108-AA02-DFA0A04FC94B}">
-                <ma14:wrappingTextBoxFlag xmlns:ma14="http://schemas.microsoft.com/office/mac/drawingml/2011/main" val="1"/>
+                <ma14:wrappingTextBoxFlag xmlns:ma14="http://schemas.microsoft.com/office/mac/drawingml/2011/main" xmlns:a14="http://schemas.microsoft.com/office/drawing/2010/main" xmlns:m="http://schemas.openxmlformats.org/officeDocument/2006/math" xmlns="" val="1"/>
               </a:ext>
             </a:extLst>
           </p:spPr>
@@ -21750,7 +21927,6 @@
               </a:lvl1pPr>
             </a:lstStyle>
             <a:p>
-              <a:pPr/>
               <a:r>
                 <a:t>内容確認</a:t>
               </a:r>
@@ -21811,6 +21987,7 @@
                   <a:sym typeface="HiraMaruPro-W4"/>
                 </a:defRPr>
               </a:pPr>
+              <a:endParaRPr/>
             </a:p>
           </p:txBody>
         </p:sp>
@@ -21836,7 +22013,7 @@
             <a:effectLst/>
             <a:extLst>
               <a:ext uri="{C572A759-6A51-4108-AA02-DFA0A04FC94B}">
-                <ma14:wrappingTextBoxFlag xmlns:ma14="http://schemas.microsoft.com/office/mac/drawingml/2011/main" val="1"/>
+                <ma14:wrappingTextBoxFlag xmlns:ma14="http://schemas.microsoft.com/office/mac/drawingml/2011/main" xmlns:a14="http://schemas.microsoft.com/office/drawing/2010/main" xmlns:m="http://schemas.openxmlformats.org/officeDocument/2006/math" xmlns="" val="1"/>
               </a:ext>
             </a:extLst>
           </p:spPr>
@@ -21855,7 +22032,6 @@
               </a:lvl1pPr>
             </a:lstStyle>
             <a:p>
-              <a:pPr/>
               <a:r>
                 <a:t>データ入力</a:t>
               </a:r>
@@ -21916,6 +22092,7 @@
                   <a:sym typeface="HiraMaruPro-W4"/>
                 </a:defRPr>
               </a:pPr>
+              <a:endParaRPr/>
             </a:p>
           </p:txBody>
         </p:sp>
@@ -21941,7 +22118,7 @@
             <a:effectLst/>
             <a:extLst>
               <a:ext uri="{C572A759-6A51-4108-AA02-DFA0A04FC94B}">
-                <ma14:wrappingTextBoxFlag xmlns:ma14="http://schemas.microsoft.com/office/mac/drawingml/2011/main" val="1"/>
+                <ma14:wrappingTextBoxFlag xmlns:ma14="http://schemas.microsoft.com/office/mac/drawingml/2011/main" xmlns:a14="http://schemas.microsoft.com/office/drawing/2010/main" xmlns:m="http://schemas.openxmlformats.org/officeDocument/2006/math" xmlns="" val="1"/>
               </a:ext>
             </a:extLst>
           </p:spPr>
@@ -21960,7 +22137,6 @@
               </a:lvl1pPr>
             </a:lstStyle>
             <a:p>
-              <a:pPr/>
               <a:r>
                 <a:t>書類保存</a:t>
               </a:r>
@@ -22022,6 +22198,7 @@
                   <a:sym typeface="HiraMaruPro-W4"/>
                 </a:defRPr>
               </a:pPr>
+              <a:endParaRPr/>
             </a:p>
           </p:txBody>
         </p:sp>
@@ -22047,7 +22224,7 @@
             <a:effectLst/>
             <a:extLst>
               <a:ext uri="{C572A759-6A51-4108-AA02-DFA0A04FC94B}">
-                <ma14:wrappingTextBoxFlag xmlns:ma14="http://schemas.microsoft.com/office/mac/drawingml/2011/main" val="1"/>
+                <ma14:wrappingTextBoxFlag xmlns:ma14="http://schemas.microsoft.com/office/mac/drawingml/2011/main" xmlns:a14="http://schemas.microsoft.com/office/drawing/2010/main" xmlns:m="http://schemas.openxmlformats.org/officeDocument/2006/math" xmlns="" val="1"/>
               </a:ext>
             </a:extLst>
           </p:spPr>
@@ -22069,7 +22246,6 @@
               </a:lvl1pPr>
             </a:lstStyle>
             <a:p>
-              <a:pPr/>
               <a:r>
                 <a:t>ログイン</a:t>
               </a:r>
@@ -22122,7 +22298,7 @@
               </a:cxnLst>
               <a:rect l="0" t="0" r="r" b="b"/>
               <a:pathLst>
-                <a:path w="21600" h="21600" fill="norm" stroke="1" extrusionOk="0">
+                <a:path w="21600" h="21600" extrusionOk="0">
                   <a:moveTo>
                     <a:pt x="0" y="0"/>
                   </a:moveTo>
@@ -22168,6 +22344,7 @@
                   <a:sym typeface="HiraMaruPro-W4"/>
                 </a:defRPr>
               </a:pPr>
+              <a:endParaRPr/>
             </a:p>
           </p:txBody>
         </p:sp>
@@ -22193,7 +22370,7 @@
             <a:effectLst/>
             <a:extLst>
               <a:ext uri="{C572A759-6A51-4108-AA02-DFA0A04FC94B}">
-                <ma14:wrappingTextBoxFlag xmlns:ma14="http://schemas.microsoft.com/office/mac/drawingml/2011/main" val="1"/>
+                <ma14:wrappingTextBoxFlag xmlns:ma14="http://schemas.microsoft.com/office/mac/drawingml/2011/main" xmlns:a14="http://schemas.microsoft.com/office/drawing/2010/main" xmlns:m="http://schemas.openxmlformats.org/officeDocument/2006/math" xmlns="" val="1"/>
               </a:ext>
             </a:extLst>
           </p:spPr>
@@ -22281,6 +22458,7 @@
                   <a:sym typeface="HiraMaruPro-W4"/>
                 </a:defRPr>
               </a:pPr>
+              <a:endParaRPr/>
             </a:p>
           </p:txBody>
         </p:sp>
@@ -22306,7 +22484,7 @@
             <a:effectLst/>
             <a:extLst>
               <a:ext uri="{C572A759-6A51-4108-AA02-DFA0A04FC94B}">
-                <ma14:wrappingTextBoxFlag xmlns:ma14="http://schemas.microsoft.com/office/mac/drawingml/2011/main" val="1"/>
+                <ma14:wrappingTextBoxFlag xmlns:ma14="http://schemas.microsoft.com/office/mac/drawingml/2011/main" xmlns:a14="http://schemas.microsoft.com/office/drawing/2010/main" xmlns:m="http://schemas.openxmlformats.org/officeDocument/2006/math" xmlns="" val="1"/>
               </a:ext>
             </a:extLst>
           </p:spPr>
@@ -22328,7 +22506,6 @@
               </a:lvl1pPr>
             </a:lstStyle>
             <a:p>
-              <a:pPr/>
               <a:r>
                 <a:t>個人情報入力と書類のアップロード</a:t>
               </a:r>
@@ -22392,6 +22569,7 @@
                   <a:sym typeface="HiraMaruPro-W4"/>
                 </a:defRPr>
               </a:pPr>
+              <a:endParaRPr/>
             </a:p>
           </p:txBody>
         </p:sp>
@@ -22417,7 +22595,7 @@
             <a:effectLst/>
             <a:extLst>
               <a:ext uri="{C572A759-6A51-4108-AA02-DFA0A04FC94B}">
-                <ma14:wrappingTextBoxFlag xmlns:ma14="http://schemas.microsoft.com/office/mac/drawingml/2011/main" val="1"/>
+                <ma14:wrappingTextBoxFlag xmlns:ma14="http://schemas.microsoft.com/office/mac/drawingml/2011/main" xmlns:a14="http://schemas.microsoft.com/office/drawing/2010/main" xmlns:m="http://schemas.openxmlformats.org/officeDocument/2006/math" xmlns="" val="1"/>
               </a:ext>
             </a:extLst>
           </p:spPr>
@@ -22439,7 +22617,6 @@
               </a:lvl1pPr>
             </a:lstStyle>
             <a:p>
-              <a:pPr/>
               <a:r>
                 <a:t>デジタルサイン</a:t>
               </a:r>
@@ -22503,6 +22680,7 @@
                   <a:sym typeface="HiraMaruPro-W4"/>
                 </a:defRPr>
               </a:pPr>
+              <a:endParaRPr/>
             </a:p>
           </p:txBody>
         </p:sp>
@@ -22528,7 +22706,7 @@
             <a:effectLst/>
             <a:extLst>
               <a:ext uri="{C572A759-6A51-4108-AA02-DFA0A04FC94B}">
-                <ma14:wrappingTextBoxFlag xmlns:ma14="http://schemas.microsoft.com/office/mac/drawingml/2011/main" val="1"/>
+                <ma14:wrappingTextBoxFlag xmlns:ma14="http://schemas.microsoft.com/office/mac/drawingml/2011/main" xmlns:a14="http://schemas.microsoft.com/office/drawing/2010/main" xmlns:m="http://schemas.openxmlformats.org/officeDocument/2006/math" xmlns="" val="1"/>
               </a:ext>
             </a:extLst>
           </p:spPr>
@@ -22550,7 +22728,6 @@
               </a:lvl1pPr>
             </a:lstStyle>
             <a:p>
-              <a:pPr/>
               <a:r>
                 <a:t>内容確認</a:t>
               </a:r>
@@ -22577,7 +22754,7 @@
           </a:ln>
           <a:extLst>
             <a:ext uri="{C572A759-6A51-4108-AA02-DFA0A04FC94B}">
-              <ma14:wrappingTextBoxFlag xmlns:ma14="http://schemas.microsoft.com/office/mac/drawingml/2011/main" val="1"/>
+              <ma14:wrappingTextBoxFlag xmlns:ma14="http://schemas.microsoft.com/office/mac/drawingml/2011/main" xmlns:a14="http://schemas.microsoft.com/office/drawing/2010/main" xmlns:m="http://schemas.openxmlformats.org/officeDocument/2006/math" xmlns="" val="1"/>
             </a:ext>
           </a:extLst>
         </p:spPr>
@@ -22638,7 +22815,7 @@
           </a:ln>
           <a:extLst>
             <a:ext uri="{C572A759-6A51-4108-AA02-DFA0A04FC94B}">
-              <ma14:wrappingTextBoxFlag xmlns:ma14="http://schemas.microsoft.com/office/mac/drawingml/2011/main" val="1"/>
+              <ma14:wrappingTextBoxFlag xmlns:ma14="http://schemas.microsoft.com/office/mac/drawingml/2011/main" xmlns:a14="http://schemas.microsoft.com/office/drawing/2010/main" xmlns:m="http://schemas.openxmlformats.org/officeDocument/2006/math" xmlns="" val="1"/>
             </a:ext>
           </a:extLst>
         </p:spPr>
@@ -22655,7 +22832,7 @@
               <a:t>作業時間：1人あたり</a:t>
             </a:r>
             <a:r>
-              <a:rPr b="1" sz="2400">
+              <a:rPr sz="2400" b="1">
                 <a:solidFill>
                   <a:srgbClr val="FF0000"/>
                 </a:solidFill>
@@ -22663,7 +22840,7 @@
               <a:t>２~５分</a:t>
             </a:r>
             <a:br>
-              <a:rPr b="1" sz="2400">
+              <a:rPr sz="2400" b="1">
                 <a:solidFill>
                   <a:srgbClr val="FF0000"/>
                 </a:solidFill>
@@ -22706,7 +22883,7 @@
           </a:ln>
           <a:extLst>
             <a:ext uri="{C572A759-6A51-4108-AA02-DFA0A04FC94B}">
-              <ma14:wrappingTextBoxFlag xmlns:ma14="http://schemas.microsoft.com/office/mac/drawingml/2011/main" val="1"/>
+              <ma14:wrappingTextBoxFlag xmlns:ma14="http://schemas.microsoft.com/office/mac/drawingml/2011/main" xmlns:a14="http://schemas.microsoft.com/office/drawing/2010/main" xmlns:m="http://schemas.openxmlformats.org/officeDocument/2006/math" xmlns="" val="1"/>
             </a:ext>
           </a:extLst>
         </p:spPr>
@@ -22728,7 +22905,6 @@
             </a:lvl1pPr>
           </a:lstStyle>
           <a:p>
-            <a:pPr/>
             <a:r>
               <a:t>■紙での通常運用</a:t>
             </a:r>
@@ -22754,7 +22930,7 @@
           </a:ln>
           <a:extLst>
             <a:ext uri="{C572A759-6A51-4108-AA02-DFA0A04FC94B}">
-              <ma14:wrappingTextBoxFlag xmlns:ma14="http://schemas.microsoft.com/office/mac/drawingml/2011/main" val="1"/>
+              <ma14:wrappingTextBoxFlag xmlns:ma14="http://schemas.microsoft.com/office/mac/drawingml/2011/main" xmlns:a14="http://schemas.microsoft.com/office/drawing/2010/main" xmlns:m="http://schemas.openxmlformats.org/officeDocument/2006/math" xmlns="" val="1"/>
             </a:ext>
           </a:extLst>
         </p:spPr>
@@ -22773,7 +22949,6 @@
             </a:lvl1pPr>
           </a:lstStyle>
           <a:p>
-            <a:pPr/>
             <a:r>
               <a:t>■WelcomeHRでの運用</a:t>
             </a:r>
@@ -22799,7 +22974,7 @@
           </a:ln>
           <a:extLst>
             <a:ext uri="{C572A759-6A51-4108-AA02-DFA0A04FC94B}">
-              <ma14:wrappingTextBoxFlag xmlns:ma14="http://schemas.microsoft.com/office/mac/drawingml/2011/main" val="1"/>
+              <ma14:wrappingTextBoxFlag xmlns:ma14="http://schemas.microsoft.com/office/mac/drawingml/2011/main" xmlns:a14="http://schemas.microsoft.com/office/drawing/2010/main" xmlns:m="http://schemas.openxmlformats.org/officeDocument/2006/math" xmlns="" val="1"/>
             </a:ext>
           </a:extLst>
         </p:spPr>
@@ -22813,8 +22988,8 @@
             </a:lvl1pPr>
           </a:lstStyle>
           <a:p>
-            <a:pPr/>
             <a:br/>
+            <a:endParaRPr/>
           </a:p>
         </p:txBody>
       </p:sp>
@@ -22845,7 +23020,7 @@
           <a:bodyPr lIns="0" tIns="0" rIns="0" bIns="0" anchor="ctr"/>
           <a:lstStyle/>
           <a:p>
-            <a:pPr/>
+            <a:endParaRPr/>
           </a:p>
         </p:txBody>
       </p:sp>
@@ -22876,7 +23051,7 @@
           <a:bodyPr lIns="0" tIns="0" rIns="0" bIns="0" anchor="ctr"/>
           <a:lstStyle/>
           <a:p>
-            <a:pPr/>
+            <a:endParaRPr/>
           </a:p>
         </p:txBody>
       </p:sp>
@@ -22907,7 +23082,7 @@
           <a:bodyPr lIns="0" tIns="0" rIns="0" bIns="0" anchor="ctr"/>
           <a:lstStyle/>
           <a:p>
-            <a:pPr/>
+            <a:endParaRPr/>
           </a:p>
         </p:txBody>
       </p:sp>
@@ -22930,7 +23105,7 @@
           </a:ln>
           <a:extLst>
             <a:ext uri="{C572A759-6A51-4108-AA02-DFA0A04FC94B}">
-              <ma14:wrappingTextBoxFlag xmlns:ma14="http://schemas.microsoft.com/office/mac/drawingml/2011/main" val="1"/>
+              <ma14:wrappingTextBoxFlag xmlns:ma14="http://schemas.microsoft.com/office/mac/drawingml/2011/main" xmlns:a14="http://schemas.microsoft.com/office/drawing/2010/main" xmlns:m="http://schemas.openxmlformats.org/officeDocument/2006/math" xmlns="" val="1"/>
             </a:ext>
           </a:extLst>
         </p:spPr>
@@ -22940,7 +23115,6 @@
           </a:bodyPr>
           <a:lstStyle/>
           <a:p>
-            <a:pPr/>
             <a:endParaRPr sz="2700"/>
           </a:p>
           <a:p>
@@ -22957,7 +23131,6 @@
             </a:r>
           </a:p>
           <a:p>
-            <a:pPr/>
             <a:endParaRPr sz="2700">
               <a:latin typeface="HiraMaruPro-W4"/>
               <a:ea typeface="HiraMaruPro-W4"/>
@@ -23025,7 +23198,7 @@
               </a:cxnLst>
               <a:rect l="0" t="0" r="r" b="b"/>
               <a:pathLst>
-                <a:path w="20879" h="20684" fill="norm" stroke="1" extrusionOk="0">
+                <a:path w="20879" h="20684" extrusionOk="0">
                   <a:moveTo>
                     <a:pt x="1901" y="6800"/>
                   </a:moveTo>
@@ -23178,6 +23351,7 @@
                   <a:sym typeface="HiraMaruPro-W4"/>
                 </a:defRPr>
               </a:pPr>
+              <a:endParaRPr/>
             </a:p>
           </p:txBody>
         </p:sp>
@@ -23203,7 +23377,7 @@
             <a:effectLst/>
             <a:extLst>
               <a:ext uri="{C572A759-6A51-4108-AA02-DFA0A04FC94B}">
-                <ma14:wrappingTextBoxFlag xmlns:ma14="http://schemas.microsoft.com/office/mac/drawingml/2011/main" val="1"/>
+                <ma14:wrappingTextBoxFlag xmlns:ma14="http://schemas.microsoft.com/office/mac/drawingml/2011/main" xmlns:a14="http://schemas.microsoft.com/office/drawing/2010/main" xmlns:m="http://schemas.openxmlformats.org/officeDocument/2006/math" xmlns="" val="1"/>
               </a:ext>
             </a:extLst>
           </p:spPr>
@@ -23296,6 +23470,7 @@
                   <a:sym typeface="HiraMaruPro-W4"/>
                 </a:defRPr>
               </a:pPr>
+              <a:endParaRPr/>
             </a:p>
           </p:txBody>
         </p:sp>
@@ -23321,7 +23496,7 @@
             <a:effectLst/>
             <a:extLst>
               <a:ext uri="{C572A759-6A51-4108-AA02-DFA0A04FC94B}">
-                <ma14:wrappingTextBoxFlag xmlns:ma14="http://schemas.microsoft.com/office/mac/drawingml/2011/main" val="1"/>
+                <ma14:wrappingTextBoxFlag xmlns:ma14="http://schemas.microsoft.com/office/mac/drawingml/2011/main" xmlns:a14="http://schemas.microsoft.com/office/drawing/2010/main" xmlns:m="http://schemas.openxmlformats.org/officeDocument/2006/math" xmlns="" val="1"/>
               </a:ext>
             </a:extLst>
           </p:spPr>
@@ -23343,7 +23518,6 @@
               </a:lvl1pPr>
             </a:lstStyle>
             <a:p>
-              <a:pPr/>
               <a:r>
                 <a:t>CSVデータ連携で完了</a:t>
               </a:r>
@@ -23396,7 +23570,7 @@
               </a:cxnLst>
               <a:rect l="0" t="0" r="r" b="b"/>
               <a:pathLst>
-                <a:path w="20879" h="20684" fill="norm" stroke="1" extrusionOk="0">
+                <a:path w="20879" h="20684" extrusionOk="0">
                   <a:moveTo>
                     <a:pt x="1901" y="6800"/>
                   </a:moveTo>
@@ -23552,6 +23726,7 @@
                   <a:sym typeface="HiraMaruPro-W4"/>
                 </a:defRPr>
               </a:pPr>
+              <a:endParaRPr/>
             </a:p>
           </p:txBody>
         </p:sp>
@@ -23577,7 +23752,7 @@
             <a:effectLst/>
             <a:extLst>
               <a:ext uri="{C572A759-6A51-4108-AA02-DFA0A04FC94B}">
-                <ma14:wrappingTextBoxFlag xmlns:ma14="http://schemas.microsoft.com/office/mac/drawingml/2011/main" val="1"/>
+                <ma14:wrappingTextBoxFlag xmlns:ma14="http://schemas.microsoft.com/office/mac/drawingml/2011/main" xmlns:a14="http://schemas.microsoft.com/office/drawing/2010/main" xmlns:m="http://schemas.openxmlformats.org/officeDocument/2006/math" xmlns="" val="1"/>
               </a:ext>
             </a:extLst>
           </p:spPr>
@@ -23614,18 +23789,19 @@
   <p:clrMapOvr>
     <a:masterClrMapping/>
   </p:clrMapOvr>
-  <p:transition xmlns:p14="http://schemas.microsoft.com/office/powerpoint/2010/main" spd="med" advClick="1"/>
+  <p:transition spd="med"/>
 </p:sld>
 </file>
 
 <file path=ppt/slides/slide9.xml><?xml version="1.0" encoding="utf-8"?>
-<p:sld xmlns:a="http://schemas.openxmlformats.org/drawingml/2006/main" xmlns:r="http://schemas.openxmlformats.org/officeDocument/2006/relationships" xmlns:p="http://schemas.openxmlformats.org/presentationml/2006/main" xmlns:m="http://schemas.openxmlformats.org/officeDocument/2006/math" xmlns:a14="http://schemas.microsoft.com/office/drawing/2010/main" showMasterSp="1" showMasterPhAnim="1">
+<p:sld xmlns:a="http://schemas.openxmlformats.org/drawingml/2006/main" xmlns:r="http://schemas.openxmlformats.org/officeDocument/2006/relationships" xmlns:p="http://schemas.openxmlformats.org/presentationml/2006/main">
   <p:cSld>
     <p:bg>
       <p:bgPr>
         <a:solidFill>
           <a:srgbClr val="29CC8F"/>
         </a:solidFill>
+        <a:effectLst/>
       </p:bgPr>
     </p:bg>
     <p:spTree>
@@ -23661,7 +23837,7 @@
           </a:ln>
           <a:extLst>
             <a:ext uri="{C572A759-6A51-4108-AA02-DFA0A04FC94B}">
-              <ma14:wrappingTextBoxFlag xmlns:ma14="http://schemas.microsoft.com/office/mac/drawingml/2011/main" val="1"/>
+              <ma14:wrappingTextBoxFlag xmlns:ma14="http://schemas.microsoft.com/office/mac/drawingml/2011/main" xmlns:a14="http://schemas.microsoft.com/office/drawing/2010/main" xmlns:m="http://schemas.openxmlformats.org/officeDocument/2006/math" xmlns="" val="1"/>
             </a:ext>
           </a:extLst>
         </p:spPr>
@@ -23708,9 +23884,7 @@
           <p:nvPr/>
         </p:nvPicPr>
         <p:blipFill>
-          <a:blip r:embed="rId2">
-            <a:extLst/>
-          </a:blip>
+          <a:blip r:embed="rId2"/>
           <a:stretch>
             <a:fillRect/>
           </a:stretch>
@@ -23733,12 +23907,12 @@
   <p:clrMapOvr>
     <a:masterClrMapping/>
   </p:clrMapOvr>
-  <p:transition xmlns:p14="http://schemas.microsoft.com/office/powerpoint/2010/main" spd="med" advClick="1"/>
+  <p:transition spd="med"/>
 </p:sld>
 </file>
 
 <file path=ppt/theme/theme1.xml><?xml version="1.0" encoding="utf-8"?>
-<a:theme xmlns:a="http://schemas.openxmlformats.org/drawingml/2006/main" xmlns:r="http://schemas.openxmlformats.org/officeDocument/2006/relationships" name="Office Theme">
+<a:theme xmlns:a="http://schemas.openxmlformats.org/drawingml/2006/main" name="Office Theme">
   <a:themeElements>
     <a:clrScheme name="Office Theme">
       <a:dk1>
@@ -23870,7 +24044,7 @@
         </a:effectStyle>
         <a:effectStyle>
           <a:effectLst>
-            <a:outerShdw sx="100000" sy="100000" kx="0" ky="0" algn="b" rotWithShape="0" blurRad="38100" dist="20000" dir="5400000">
+            <a:outerShdw blurRad="38100" dist="20000" dir="5400000" rotWithShape="0">
               <a:srgbClr val="000000">
                 <a:alpha val="38000"/>
               </a:srgbClr>
@@ -23946,7 +24120,7 @@
         <a:effectLst/>
         <a:sp3d/>
       </a:spPr>
-      <a:bodyPr rot="0" spcFirstLastPara="1" vertOverflow="overflow" horzOverflow="overflow" vert="horz" wrap="square" lIns="0" tIns="0" rIns="0" bIns="0" numCol="1" spcCol="38100" rtlCol="0" anchor="t" upright="0">
+      <a:bodyPr rot="0" spcFirstLastPara="1" vertOverflow="overflow" horzOverflow="overflow" vert="horz" wrap="square" lIns="0" tIns="0" rIns="0" bIns="0" numCol="1" spcCol="38100" rtlCol="0" anchor="t">
         <a:spAutoFit/>
       </a:bodyPr>
       <a:lstStyle>
@@ -23965,7 +24139,7 @@
           <a:buFontTx/>
           <a:buNone/>
           <a:tabLst/>
-          <a:defRPr b="0" baseline="0" cap="none" i="0" spc="0" strike="noStrike" sz="1400" u="none" kumimoji="0" normalizeH="0">
+          <a:defRPr kumimoji="0" sz="1400" b="0" i="0" u="none" strike="noStrike" cap="none" spc="0" normalizeH="0" baseline="0">
             <a:ln>
               <a:noFill/>
             </a:ln>
@@ -23995,7 +24169,7 @@
           <a:buFontTx/>
           <a:buNone/>
           <a:tabLst/>
-          <a:defRPr b="0" baseline="0" cap="none" i="0" spc="0" strike="noStrike" sz="1800" u="none" kumimoji="0" normalizeH="0">
+          <a:defRPr kumimoji="0" sz="1800" b="0" i="0" u="none" strike="noStrike" cap="none" spc="0" normalizeH="0" baseline="0">
             <a:ln>
               <a:noFill/>
             </a:ln>
@@ -24021,7 +24195,7 @@
           <a:buFontTx/>
           <a:buNone/>
           <a:tabLst/>
-          <a:defRPr b="0" baseline="0" cap="none" i="0" spc="0" strike="noStrike" sz="1800" u="none" kumimoji="0" normalizeH="0">
+          <a:defRPr kumimoji="0" sz="1800" b="0" i="0" u="none" strike="noStrike" cap="none" spc="0" normalizeH="0" baseline="0">
             <a:ln>
               <a:noFill/>
             </a:ln>
@@ -24047,7 +24221,7 @@
           <a:buFontTx/>
           <a:buNone/>
           <a:tabLst/>
-          <a:defRPr b="0" baseline="0" cap="none" i="0" spc="0" strike="noStrike" sz="1800" u="none" kumimoji="0" normalizeH="0">
+          <a:defRPr kumimoji="0" sz="1800" b="0" i="0" u="none" strike="noStrike" cap="none" spc="0" normalizeH="0" baseline="0">
             <a:ln>
               <a:noFill/>
             </a:ln>
@@ -24073,7 +24247,7 @@
           <a:buFontTx/>
           <a:buNone/>
           <a:tabLst/>
-          <a:defRPr b="0" baseline="0" cap="none" i="0" spc="0" strike="noStrike" sz="1800" u="none" kumimoji="0" normalizeH="0">
+          <a:defRPr kumimoji="0" sz="1800" b="0" i="0" u="none" strike="noStrike" cap="none" spc="0" normalizeH="0" baseline="0">
             <a:ln>
               <a:noFill/>
             </a:ln>
@@ -24099,7 +24273,7 @@
           <a:buFontTx/>
           <a:buNone/>
           <a:tabLst/>
-          <a:defRPr b="0" baseline="0" cap="none" i="0" spc="0" strike="noStrike" sz="1800" u="none" kumimoji="0" normalizeH="0">
+          <a:defRPr kumimoji="0" sz="1800" b="0" i="0" u="none" strike="noStrike" cap="none" spc="0" normalizeH="0" baseline="0">
             <a:ln>
               <a:noFill/>
             </a:ln>
@@ -24125,7 +24299,7 @@
           <a:buFontTx/>
           <a:buNone/>
           <a:tabLst/>
-          <a:defRPr b="0" baseline="0" cap="none" i="0" spc="0" strike="noStrike" sz="1800" u="none" kumimoji="0" normalizeH="0">
+          <a:defRPr kumimoji="0" sz="1800" b="0" i="0" u="none" strike="noStrike" cap="none" spc="0" normalizeH="0" baseline="0">
             <a:ln>
               <a:noFill/>
             </a:ln>
@@ -24151,7 +24325,7 @@
           <a:buFontTx/>
           <a:buNone/>
           <a:tabLst/>
-          <a:defRPr b="0" baseline="0" cap="none" i="0" spc="0" strike="noStrike" sz="1800" u="none" kumimoji="0" normalizeH="0">
+          <a:defRPr kumimoji="0" sz="1800" b="0" i="0" u="none" strike="noStrike" cap="none" spc="0" normalizeH="0" baseline="0">
             <a:ln>
               <a:noFill/>
             </a:ln>
@@ -24177,7 +24351,7 @@
           <a:buFontTx/>
           <a:buNone/>
           <a:tabLst/>
-          <a:defRPr b="0" baseline="0" cap="none" i="0" spc="0" strike="noStrike" sz="1800" u="none" kumimoji="0" normalizeH="0">
+          <a:defRPr kumimoji="0" sz="1800" b="0" i="0" u="none" strike="noStrike" cap="none" spc="0" normalizeH="0" baseline="0">
             <a:ln>
               <a:noFill/>
             </a:ln>
@@ -24203,7 +24377,7 @@
           <a:buFontTx/>
           <a:buNone/>
           <a:tabLst/>
-          <a:defRPr b="0" baseline="0" cap="none" i="0" spc="0" strike="noStrike" sz="1800" u="none" kumimoji="0" normalizeH="0">
+          <a:defRPr kumimoji="0" sz="1800" b="0" i="0" u="none" strike="noStrike" cap="none" spc="0" normalizeH="0" baseline="0">
             <a:ln>
               <a:noFill/>
             </a:ln>
@@ -24216,9 +24390,15 @@
         </a:lvl9pPr>
       </a:lstStyle>
       <a:style>
-        <a:lnRef idx="0"/>
-        <a:fillRef idx="0"/>
-        <a:effectRef idx="0"/>
+        <a:lnRef idx="0">
+          <a:scrgbClr r="0" g="0" b="0"/>
+        </a:lnRef>
+        <a:fillRef idx="0">
+          <a:scrgbClr r="0" g="0" b="0"/>
+        </a:fillRef>
+        <a:effectRef idx="0">
+          <a:scrgbClr r="0" g="0" b="0"/>
+        </a:effectRef>
         <a:fontRef idx="none"/>
       </a:style>
     </a:spDef>
@@ -24233,7 +24413,7 @@
           <a:round/>
         </a:ln>
         <a:effectLst>
-          <a:outerShdw sx="100000" sy="100000" kx="0" ky="0" algn="b" rotWithShape="0" blurRad="38100" dist="20000" dir="5400000">
+          <a:outerShdw blurRad="38100" dist="20000" dir="5400000" rotWithShape="0">
             <a:srgbClr val="000000">
               <a:alpha val="38000"/>
             </a:srgbClr>
@@ -24241,7 +24421,7 @@
         </a:effectLst>
         <a:sp3d/>
       </a:spPr>
-      <a:bodyPr rot="0" spcFirstLastPara="1" vertOverflow="overflow" horzOverflow="overflow" vert="horz" wrap="square" lIns="91439" tIns="45719" rIns="91439" bIns="45719" numCol="1" spcCol="38100" rtlCol="0" anchor="t" upright="0">
+      <a:bodyPr rot="0" spcFirstLastPara="1" vertOverflow="overflow" horzOverflow="overflow" vert="horz" wrap="square" lIns="91439" tIns="45719" rIns="91439" bIns="45719" numCol="1" spcCol="38100" rtlCol="0" anchor="t">
         <a:noAutofit/>
       </a:bodyPr>
       <a:lstStyle>
@@ -24260,7 +24440,7 @@
           <a:buFontTx/>
           <a:buNone/>
           <a:tabLst/>
-          <a:defRPr b="0" baseline="0" cap="none" i="0" spc="0" strike="noStrike" sz="1800" u="none" kumimoji="0" normalizeH="0">
+          <a:defRPr kumimoji="0" sz="1800" b="0" i="0" u="none" strike="noStrike" cap="none" spc="0" normalizeH="0" baseline="0">
             <a:ln>
               <a:noFill/>
             </a:ln>
@@ -24286,7 +24466,7 @@
           <a:buFontTx/>
           <a:buNone/>
           <a:tabLst/>
-          <a:defRPr b="0" baseline="0" cap="none" i="0" spc="0" strike="noStrike" sz="1800" u="none" kumimoji="0" normalizeH="0">
+          <a:defRPr kumimoji="0" sz="1800" b="0" i="0" u="none" strike="noStrike" cap="none" spc="0" normalizeH="0" baseline="0">
             <a:ln>
               <a:noFill/>
             </a:ln>
@@ -24312,7 +24492,7 @@
           <a:buFontTx/>
           <a:buNone/>
           <a:tabLst/>
-          <a:defRPr b="0" baseline="0" cap="none" i="0" spc="0" strike="noStrike" sz="1800" u="none" kumimoji="0" normalizeH="0">
+          <a:defRPr kumimoji="0" sz="1800" b="0" i="0" u="none" strike="noStrike" cap="none" spc="0" normalizeH="0" baseline="0">
             <a:ln>
               <a:noFill/>
             </a:ln>
@@ -24338,7 +24518,7 @@
           <a:buFontTx/>
           <a:buNone/>
           <a:tabLst/>
-          <a:defRPr b="0" baseline="0" cap="none" i="0" spc="0" strike="noStrike" sz="1800" u="none" kumimoji="0" normalizeH="0">
+          <a:defRPr kumimoji="0" sz="1800" b="0" i="0" u="none" strike="noStrike" cap="none" spc="0" normalizeH="0" baseline="0">
             <a:ln>
               <a:noFill/>
             </a:ln>
@@ -24364,7 +24544,7 @@
           <a:buFontTx/>
           <a:buNone/>
           <a:tabLst/>
-          <a:defRPr b="0" baseline="0" cap="none" i="0" spc="0" strike="noStrike" sz="1800" u="none" kumimoji="0" normalizeH="0">
+          <a:defRPr kumimoji="0" sz="1800" b="0" i="0" u="none" strike="noStrike" cap="none" spc="0" normalizeH="0" baseline="0">
             <a:ln>
               <a:noFill/>
             </a:ln>
@@ -24390,7 +24570,7 @@
           <a:buFontTx/>
           <a:buNone/>
           <a:tabLst/>
-          <a:defRPr b="0" baseline="0" cap="none" i="0" spc="0" strike="noStrike" sz="1800" u="none" kumimoji="0" normalizeH="0">
+          <a:defRPr kumimoji="0" sz="1800" b="0" i="0" u="none" strike="noStrike" cap="none" spc="0" normalizeH="0" baseline="0">
             <a:ln>
               <a:noFill/>
             </a:ln>
@@ -24416,7 +24596,7 @@
           <a:buFontTx/>
           <a:buNone/>
           <a:tabLst/>
-          <a:defRPr b="0" baseline="0" cap="none" i="0" spc="0" strike="noStrike" sz="1800" u="none" kumimoji="0" normalizeH="0">
+          <a:defRPr kumimoji="0" sz="1800" b="0" i="0" u="none" strike="noStrike" cap="none" spc="0" normalizeH="0" baseline="0">
             <a:ln>
               <a:noFill/>
             </a:ln>
@@ -24442,7 +24622,7 @@
           <a:buFontTx/>
           <a:buNone/>
           <a:tabLst/>
-          <a:defRPr b="0" baseline="0" cap="none" i="0" spc="0" strike="noStrike" sz="1800" u="none" kumimoji="0" normalizeH="0">
+          <a:defRPr kumimoji="0" sz="1800" b="0" i="0" u="none" strike="noStrike" cap="none" spc="0" normalizeH="0" baseline="0">
             <a:ln>
               <a:noFill/>
             </a:ln>
@@ -24468,7 +24648,7 @@
           <a:buFontTx/>
           <a:buNone/>
           <a:tabLst/>
-          <a:defRPr b="0" baseline="0" cap="none" i="0" spc="0" strike="noStrike" sz="1800" u="none" kumimoji="0" normalizeH="0">
+          <a:defRPr kumimoji="0" sz="1800" b="0" i="0" u="none" strike="noStrike" cap="none" spc="0" normalizeH="0" baseline="0">
             <a:ln>
               <a:noFill/>
             </a:ln>
@@ -24494,7 +24674,7 @@
           <a:buFontTx/>
           <a:buNone/>
           <a:tabLst/>
-          <a:defRPr b="0" baseline="0" cap="none" i="0" spc="0" strike="noStrike" sz="1800" u="none" kumimoji="0" normalizeH="0">
+          <a:defRPr kumimoji="0" sz="1800" b="0" i="0" u="none" strike="noStrike" cap="none" spc="0" normalizeH="0" baseline="0">
             <a:ln>
               <a:noFill/>
             </a:ln>
@@ -24507,9 +24687,15 @@
         </a:lvl9pPr>
       </a:lstStyle>
       <a:style>
-        <a:lnRef idx="0"/>
-        <a:fillRef idx="0"/>
-        <a:effectRef idx="0"/>
+        <a:lnRef idx="0">
+          <a:scrgbClr r="0" g="0" b="0"/>
+        </a:lnRef>
+        <a:fillRef idx="0">
+          <a:scrgbClr r="0" g="0" b="0"/>
+        </a:fillRef>
+        <a:effectRef idx="0">
+          <a:scrgbClr r="0" g="0" b="0"/>
+        </a:effectRef>
         <a:fontRef idx="none"/>
       </a:style>
     </a:lnDef>
@@ -24523,7 +24709,7 @@
         <a:effectLst/>
         <a:sp3d/>
       </a:spPr>
-      <a:bodyPr rot="0" spcFirstLastPara="1" vertOverflow="overflow" horzOverflow="overflow" vert="horz" wrap="square" lIns="0" tIns="0" rIns="0" bIns="0" numCol="1" spcCol="38100" rtlCol="0" anchor="t" upright="0">
+      <a:bodyPr rot="0" spcFirstLastPara="1" vertOverflow="overflow" horzOverflow="overflow" vert="horz" wrap="square" lIns="0" tIns="0" rIns="0" bIns="0" numCol="1" spcCol="38100" rtlCol="0" anchor="t">
         <a:spAutoFit/>
       </a:bodyPr>
       <a:lstStyle>
@@ -24542,7 +24728,7 @@
           <a:buFontTx/>
           <a:buNone/>
           <a:tabLst/>
-          <a:defRPr b="0" baseline="0" cap="none" i="0" spc="0" strike="noStrike" sz="1400" u="none" kumimoji="0" normalizeH="0">
+          <a:defRPr kumimoji="0" sz="1400" b="0" i="0" u="none" strike="noStrike" cap="none" spc="0" normalizeH="0" baseline="0">
             <a:ln>
               <a:noFill/>
             </a:ln>
@@ -24572,7 +24758,7 @@
           <a:buFontTx/>
           <a:buNone/>
           <a:tabLst/>
-          <a:defRPr b="0" baseline="0" cap="none" i="0" spc="0" strike="noStrike" sz="1800" u="none" kumimoji="0" normalizeH="0">
+          <a:defRPr kumimoji="0" sz="1800" b="0" i="0" u="none" strike="noStrike" cap="none" spc="0" normalizeH="0" baseline="0">
             <a:ln>
               <a:noFill/>
             </a:ln>
@@ -24598,7 +24784,7 @@
           <a:buFontTx/>
           <a:buNone/>
           <a:tabLst/>
-          <a:defRPr b="0" baseline="0" cap="none" i="0" spc="0" strike="noStrike" sz="1800" u="none" kumimoji="0" normalizeH="0">
+          <a:defRPr kumimoji="0" sz="1800" b="0" i="0" u="none" strike="noStrike" cap="none" spc="0" normalizeH="0" baseline="0">
             <a:ln>
               <a:noFill/>
             </a:ln>
@@ -24624,7 +24810,7 @@
           <a:buFontTx/>
           <a:buNone/>
           <a:tabLst/>
-          <a:defRPr b="0" baseline="0" cap="none" i="0" spc="0" strike="noStrike" sz="1800" u="none" kumimoji="0" normalizeH="0">
+          <a:defRPr kumimoji="0" sz="1800" b="0" i="0" u="none" strike="noStrike" cap="none" spc="0" normalizeH="0" baseline="0">
             <a:ln>
               <a:noFill/>
             </a:ln>
@@ -24650,7 +24836,7 @@
           <a:buFontTx/>
           <a:buNone/>
           <a:tabLst/>
-          <a:defRPr b="0" baseline="0" cap="none" i="0" spc="0" strike="noStrike" sz="1800" u="none" kumimoji="0" normalizeH="0">
+          <a:defRPr kumimoji="0" sz="1800" b="0" i="0" u="none" strike="noStrike" cap="none" spc="0" normalizeH="0" baseline="0">
             <a:ln>
               <a:noFill/>
             </a:ln>
@@ -24676,7 +24862,7 @@
           <a:buFontTx/>
           <a:buNone/>
           <a:tabLst/>
-          <a:defRPr b="0" baseline="0" cap="none" i="0" spc="0" strike="noStrike" sz="1800" u="none" kumimoji="0" normalizeH="0">
+          <a:defRPr kumimoji="0" sz="1800" b="0" i="0" u="none" strike="noStrike" cap="none" spc="0" normalizeH="0" baseline="0">
             <a:ln>
               <a:noFill/>
             </a:ln>
@@ -24702,7 +24888,7 @@
           <a:buFontTx/>
           <a:buNone/>
           <a:tabLst/>
-          <a:defRPr b="0" baseline="0" cap="none" i="0" spc="0" strike="noStrike" sz="1800" u="none" kumimoji="0" normalizeH="0">
+          <a:defRPr kumimoji="0" sz="1800" b="0" i="0" u="none" strike="noStrike" cap="none" spc="0" normalizeH="0" baseline="0">
             <a:ln>
               <a:noFill/>
             </a:ln>
@@ -24728,7 +24914,7 @@
           <a:buFontTx/>
           <a:buNone/>
           <a:tabLst/>
-          <a:defRPr b="0" baseline="0" cap="none" i="0" spc="0" strike="noStrike" sz="1800" u="none" kumimoji="0" normalizeH="0">
+          <a:defRPr kumimoji="0" sz="1800" b="0" i="0" u="none" strike="noStrike" cap="none" spc="0" normalizeH="0" baseline="0">
             <a:ln>
               <a:noFill/>
             </a:ln>
@@ -24754,7 +24940,7 @@
           <a:buFontTx/>
           <a:buNone/>
           <a:tabLst/>
-          <a:defRPr b="0" baseline="0" cap="none" i="0" spc="0" strike="noStrike" sz="1800" u="none" kumimoji="0" normalizeH="0">
+          <a:defRPr kumimoji="0" sz="1800" b="0" i="0" u="none" strike="noStrike" cap="none" spc="0" normalizeH="0" baseline="0">
             <a:ln>
               <a:noFill/>
             </a:ln>
@@ -24780,7 +24966,7 @@
           <a:buFontTx/>
           <a:buNone/>
           <a:tabLst/>
-          <a:defRPr b="0" baseline="0" cap="none" i="0" spc="0" strike="noStrike" sz="1800" u="none" kumimoji="0" normalizeH="0">
+          <a:defRPr kumimoji="0" sz="1800" b="0" i="0" u="none" strike="noStrike" cap="none" spc="0" normalizeH="0" baseline="0">
             <a:ln>
               <a:noFill/>
             </a:ln>
@@ -24793,18 +24979,25 @@
         </a:lvl9pPr>
       </a:lstStyle>
       <a:style>
-        <a:lnRef idx="0"/>
-        <a:fillRef idx="0"/>
-        <a:effectRef idx="0"/>
+        <a:lnRef idx="0">
+          <a:scrgbClr r="0" g="0" b="0"/>
+        </a:lnRef>
+        <a:fillRef idx="0">
+          <a:scrgbClr r="0" g="0" b="0"/>
+        </a:fillRef>
+        <a:effectRef idx="0">
+          <a:scrgbClr r="0" g="0" b="0"/>
+        </a:effectRef>
         <a:fontRef idx="none"/>
       </a:style>
     </a:txDef>
   </a:objectDefaults>
+  <a:extraClrSchemeLst/>
 </a:theme>
 </file>
 
 <file path=ppt/theme/theme2.xml><?xml version="1.0" encoding="utf-8"?>
-<a:theme xmlns:a="http://schemas.openxmlformats.org/drawingml/2006/main" xmlns:r="http://schemas.openxmlformats.org/officeDocument/2006/relationships" name="Office Theme">
+<a:theme xmlns:a="http://schemas.openxmlformats.org/drawingml/2006/main" name="Office Theme">
   <a:themeElements>
     <a:clrScheme name="Office Theme">
       <a:dk1>
@@ -24936,7 +25129,7 @@
         </a:effectStyle>
         <a:effectStyle>
           <a:effectLst>
-            <a:outerShdw sx="100000" sy="100000" kx="0" ky="0" algn="b" rotWithShape="0" blurRad="38100" dist="20000" dir="5400000">
+            <a:outerShdw blurRad="38100" dist="20000" dir="5400000" rotWithShape="0">
               <a:srgbClr val="000000">
                 <a:alpha val="38000"/>
               </a:srgbClr>
@@ -25012,7 +25205,7 @@
         <a:effectLst/>
         <a:sp3d/>
       </a:spPr>
-      <a:bodyPr rot="0" spcFirstLastPara="1" vertOverflow="overflow" horzOverflow="overflow" vert="horz" wrap="square" lIns="0" tIns="0" rIns="0" bIns="0" numCol="1" spcCol="38100" rtlCol="0" anchor="t" upright="0">
+      <a:bodyPr rot="0" spcFirstLastPara="1" vertOverflow="overflow" horzOverflow="overflow" vert="horz" wrap="square" lIns="0" tIns="0" rIns="0" bIns="0" numCol="1" spcCol="38100" rtlCol="0" anchor="t">
         <a:spAutoFit/>
       </a:bodyPr>
       <a:lstStyle>
@@ -25031,7 +25224,7 @@
           <a:buFontTx/>
           <a:buNone/>
           <a:tabLst/>
-          <a:defRPr b="0" baseline="0" cap="none" i="0" spc="0" strike="noStrike" sz="1400" u="none" kumimoji="0" normalizeH="0">
+          <a:defRPr kumimoji="0" sz="1400" b="0" i="0" u="none" strike="noStrike" cap="none" spc="0" normalizeH="0" baseline="0">
             <a:ln>
               <a:noFill/>
             </a:ln>
@@ -25061,7 +25254,7 @@
           <a:buFontTx/>
           <a:buNone/>
           <a:tabLst/>
-          <a:defRPr b="0" baseline="0" cap="none" i="0" spc="0" strike="noStrike" sz="1800" u="none" kumimoji="0" normalizeH="0">
+          <a:defRPr kumimoji="0" sz="1800" b="0" i="0" u="none" strike="noStrike" cap="none" spc="0" normalizeH="0" baseline="0">
             <a:ln>
               <a:noFill/>
             </a:ln>
@@ -25087,7 +25280,7 @@
           <a:buFontTx/>
           <a:buNone/>
           <a:tabLst/>
-          <a:defRPr b="0" baseline="0" cap="none" i="0" spc="0" strike="noStrike" sz="1800" u="none" kumimoji="0" normalizeH="0">
+          <a:defRPr kumimoji="0" sz="1800" b="0" i="0" u="none" strike="noStrike" cap="none" spc="0" normalizeH="0" baseline="0">
             <a:ln>
               <a:noFill/>
             </a:ln>
@@ -25113,7 +25306,7 @@
           <a:buFontTx/>
           <a:buNone/>
           <a:tabLst/>
-          <a:defRPr b="0" baseline="0" cap="none" i="0" spc="0" strike="noStrike" sz="1800" u="none" kumimoji="0" normalizeH="0">
+          <a:defRPr kumimoji="0" sz="1800" b="0" i="0" u="none" strike="noStrike" cap="none" spc="0" normalizeH="0" baseline="0">
             <a:ln>
               <a:noFill/>
             </a:ln>
@@ -25139,7 +25332,7 @@
           <a:buFontTx/>
           <a:buNone/>
           <a:tabLst/>
-          <a:defRPr b="0" baseline="0" cap="none" i="0" spc="0" strike="noStrike" sz="1800" u="none" kumimoji="0" normalizeH="0">
+          <a:defRPr kumimoji="0" sz="1800" b="0" i="0" u="none" strike="noStrike" cap="none" spc="0" normalizeH="0" baseline="0">
             <a:ln>
               <a:noFill/>
             </a:ln>
@@ -25165,7 +25358,7 @@
           <a:buFontTx/>
           <a:buNone/>
           <a:tabLst/>
-          <a:defRPr b="0" baseline="0" cap="none" i="0" spc="0" strike="noStrike" sz="1800" u="none" kumimoji="0" normalizeH="0">
+          <a:defRPr kumimoji="0" sz="1800" b="0" i="0" u="none" strike="noStrike" cap="none" spc="0" normalizeH="0" baseline="0">
             <a:ln>
               <a:noFill/>
             </a:ln>
@@ -25191,7 +25384,7 @@
           <a:buFontTx/>
           <a:buNone/>
           <a:tabLst/>
-          <a:defRPr b="0" baseline="0" cap="none" i="0" spc="0" strike="noStrike" sz="1800" u="none" kumimoji="0" normalizeH="0">
+          <a:defRPr kumimoji="0" sz="1800" b="0" i="0" u="none" strike="noStrike" cap="none" spc="0" normalizeH="0" baseline="0">
             <a:ln>
               <a:noFill/>
             </a:ln>
@@ -25217,7 +25410,7 @@
           <a:buFontTx/>
           <a:buNone/>
           <a:tabLst/>
-          <a:defRPr b="0" baseline="0" cap="none" i="0" spc="0" strike="noStrike" sz="1800" u="none" kumimoji="0" normalizeH="0">
+          <a:defRPr kumimoji="0" sz="1800" b="0" i="0" u="none" strike="noStrike" cap="none" spc="0" normalizeH="0" baseline="0">
             <a:ln>
               <a:noFill/>
             </a:ln>
@@ -25243,7 +25436,7 @@
           <a:buFontTx/>
           <a:buNone/>
           <a:tabLst/>
-          <a:defRPr b="0" baseline="0" cap="none" i="0" spc="0" strike="noStrike" sz="1800" u="none" kumimoji="0" normalizeH="0">
+          <a:defRPr kumimoji="0" sz="1800" b="0" i="0" u="none" strike="noStrike" cap="none" spc="0" normalizeH="0" baseline="0">
             <a:ln>
               <a:noFill/>
             </a:ln>
@@ -25269,7 +25462,7 @@
           <a:buFontTx/>
           <a:buNone/>
           <a:tabLst/>
-          <a:defRPr b="0" baseline="0" cap="none" i="0" spc="0" strike="noStrike" sz="1800" u="none" kumimoji="0" normalizeH="0">
+          <a:defRPr kumimoji="0" sz="1800" b="0" i="0" u="none" strike="noStrike" cap="none" spc="0" normalizeH="0" baseline="0">
             <a:ln>
               <a:noFill/>
             </a:ln>
@@ -25282,9 +25475,15 @@
         </a:lvl9pPr>
       </a:lstStyle>
       <a:style>
-        <a:lnRef idx="0"/>
-        <a:fillRef idx="0"/>
-        <a:effectRef idx="0"/>
+        <a:lnRef idx="0">
+          <a:scrgbClr r="0" g="0" b="0"/>
+        </a:lnRef>
+        <a:fillRef idx="0">
+          <a:scrgbClr r="0" g="0" b="0"/>
+        </a:fillRef>
+        <a:effectRef idx="0">
+          <a:scrgbClr r="0" g="0" b="0"/>
+        </a:effectRef>
         <a:fontRef idx="none"/>
       </a:style>
     </a:spDef>
@@ -25299,7 +25498,7 @@
           <a:round/>
         </a:ln>
         <a:effectLst>
-          <a:outerShdw sx="100000" sy="100000" kx="0" ky="0" algn="b" rotWithShape="0" blurRad="38100" dist="20000" dir="5400000">
+          <a:outerShdw blurRad="38100" dist="20000" dir="5400000" rotWithShape="0">
             <a:srgbClr val="000000">
               <a:alpha val="38000"/>
             </a:srgbClr>
@@ -25307,7 +25506,7 @@
         </a:effectLst>
         <a:sp3d/>
       </a:spPr>
-      <a:bodyPr rot="0" spcFirstLastPara="1" vertOverflow="overflow" horzOverflow="overflow" vert="horz" wrap="square" lIns="91439" tIns="45719" rIns="91439" bIns="45719" numCol="1" spcCol="38100" rtlCol="0" anchor="t" upright="0">
+      <a:bodyPr rot="0" spcFirstLastPara="1" vertOverflow="overflow" horzOverflow="overflow" vert="horz" wrap="square" lIns="91439" tIns="45719" rIns="91439" bIns="45719" numCol="1" spcCol="38100" rtlCol="0" anchor="t">
         <a:noAutofit/>
       </a:bodyPr>
       <a:lstStyle>
@@ -25326,7 +25525,7 @@
           <a:buFontTx/>
           <a:buNone/>
           <a:tabLst/>
-          <a:defRPr b="0" baseline="0" cap="none" i="0" spc="0" strike="noStrike" sz="1800" u="none" kumimoji="0" normalizeH="0">
+          <a:defRPr kumimoji="0" sz="1800" b="0" i="0" u="none" strike="noStrike" cap="none" spc="0" normalizeH="0" baseline="0">
             <a:ln>
               <a:noFill/>
             </a:ln>
@@ -25352,7 +25551,7 @@
           <a:buFontTx/>
           <a:buNone/>
           <a:tabLst/>
-          <a:defRPr b="0" baseline="0" cap="none" i="0" spc="0" strike="noStrike" sz="1800" u="none" kumimoji="0" normalizeH="0">
+          <a:defRPr kumimoji="0" sz="1800" b="0" i="0" u="none" strike="noStrike" cap="none" spc="0" normalizeH="0" baseline="0">
             <a:ln>
               <a:noFill/>
             </a:ln>
@@ -25378,7 +25577,7 @@
           <a:buFontTx/>
           <a:buNone/>
           <a:tabLst/>
-          <a:defRPr b="0" baseline="0" cap="none" i="0" spc="0" strike="noStrike" sz="1800" u="none" kumimoji="0" normalizeH="0">
+          <a:defRPr kumimoji="0" sz="1800" b="0" i="0" u="none" strike="noStrike" cap="none" spc="0" normalizeH="0" baseline="0">
             <a:ln>
               <a:noFill/>
             </a:ln>
@@ -25404,7 +25603,7 @@
           <a:buFontTx/>
           <a:buNone/>
           <a:tabLst/>
-          <a:defRPr b="0" baseline="0" cap="none" i="0" spc="0" strike="noStrike" sz="1800" u="none" kumimoji="0" normalizeH="0">
+          <a:defRPr kumimoji="0" sz="1800" b="0" i="0" u="none" strike="noStrike" cap="none" spc="0" normalizeH="0" baseline="0">
             <a:ln>
               <a:noFill/>
             </a:ln>
@@ -25430,7 +25629,7 @@
           <a:buFontTx/>
           <a:buNone/>
           <a:tabLst/>
-          <a:defRPr b="0" baseline="0" cap="none" i="0" spc="0" strike="noStrike" sz="1800" u="none" kumimoji="0" normalizeH="0">
+          <a:defRPr kumimoji="0" sz="1800" b="0" i="0" u="none" strike="noStrike" cap="none" spc="0" normalizeH="0" baseline="0">
             <a:ln>
               <a:noFill/>
             </a:ln>
@@ -25456,7 +25655,7 @@
           <a:buFontTx/>
           <a:buNone/>
           <a:tabLst/>
-          <a:defRPr b="0" baseline="0" cap="none" i="0" spc="0" strike="noStrike" sz="1800" u="none" kumimoji="0" normalizeH="0">
+          <a:defRPr kumimoji="0" sz="1800" b="0" i="0" u="none" strike="noStrike" cap="none" spc="0" normalizeH="0" baseline="0">
             <a:ln>
               <a:noFill/>
             </a:ln>
@@ -25482,7 +25681,7 @@
           <a:buFontTx/>
           <a:buNone/>
           <a:tabLst/>
-          <a:defRPr b="0" baseline="0" cap="none" i="0" spc="0" strike="noStrike" sz="1800" u="none" kumimoji="0" normalizeH="0">
+          <a:defRPr kumimoji="0" sz="1800" b="0" i="0" u="none" strike="noStrike" cap="none" spc="0" normalizeH="0" baseline="0">
             <a:ln>
               <a:noFill/>
             </a:ln>
@@ -25508,7 +25707,7 @@
           <a:buFontTx/>
           <a:buNone/>
           <a:tabLst/>
-          <a:defRPr b="0" baseline="0" cap="none" i="0" spc="0" strike="noStrike" sz="1800" u="none" kumimoji="0" normalizeH="0">
+          <a:defRPr kumimoji="0" sz="1800" b="0" i="0" u="none" strike="noStrike" cap="none" spc="0" normalizeH="0" baseline="0">
             <a:ln>
               <a:noFill/>
             </a:ln>
@@ -25534,7 +25733,7 @@
           <a:buFontTx/>
           <a:buNone/>
           <a:tabLst/>
-          <a:defRPr b="0" baseline="0" cap="none" i="0" spc="0" strike="noStrike" sz="1800" u="none" kumimoji="0" normalizeH="0">
+          <a:defRPr kumimoji="0" sz="1800" b="0" i="0" u="none" strike="noStrike" cap="none" spc="0" normalizeH="0" baseline="0">
             <a:ln>
               <a:noFill/>
             </a:ln>
@@ -25560,7 +25759,7 @@
           <a:buFontTx/>
           <a:buNone/>
           <a:tabLst/>
-          <a:defRPr b="0" baseline="0" cap="none" i="0" spc="0" strike="noStrike" sz="1800" u="none" kumimoji="0" normalizeH="0">
+          <a:defRPr kumimoji="0" sz="1800" b="0" i="0" u="none" strike="noStrike" cap="none" spc="0" normalizeH="0" baseline="0">
             <a:ln>
               <a:noFill/>
             </a:ln>
@@ -25573,9 +25772,15 @@
         </a:lvl9pPr>
       </a:lstStyle>
       <a:style>
-        <a:lnRef idx="0"/>
-        <a:fillRef idx="0"/>
-        <a:effectRef idx="0"/>
+        <a:lnRef idx="0">
+          <a:scrgbClr r="0" g="0" b="0"/>
+        </a:lnRef>
+        <a:fillRef idx="0">
+          <a:scrgbClr r="0" g="0" b="0"/>
+        </a:fillRef>
+        <a:effectRef idx="0">
+          <a:scrgbClr r="0" g="0" b="0"/>
+        </a:effectRef>
         <a:fontRef idx="none"/>
       </a:style>
     </a:lnDef>
@@ -25589,7 +25794,7 @@
         <a:effectLst/>
         <a:sp3d/>
       </a:spPr>
-      <a:bodyPr rot="0" spcFirstLastPara="1" vertOverflow="overflow" horzOverflow="overflow" vert="horz" wrap="square" lIns="0" tIns="0" rIns="0" bIns="0" numCol="1" spcCol="38100" rtlCol="0" anchor="t" upright="0">
+      <a:bodyPr rot="0" spcFirstLastPara="1" vertOverflow="overflow" horzOverflow="overflow" vert="horz" wrap="square" lIns="0" tIns="0" rIns="0" bIns="0" numCol="1" spcCol="38100" rtlCol="0" anchor="t">
         <a:spAutoFit/>
       </a:bodyPr>
       <a:lstStyle>
@@ -25608,7 +25813,7 @@
           <a:buFontTx/>
           <a:buNone/>
           <a:tabLst/>
-          <a:defRPr b="0" baseline="0" cap="none" i="0" spc="0" strike="noStrike" sz="1400" u="none" kumimoji="0" normalizeH="0">
+          <a:defRPr kumimoji="0" sz="1400" b="0" i="0" u="none" strike="noStrike" cap="none" spc="0" normalizeH="0" baseline="0">
             <a:ln>
               <a:noFill/>
             </a:ln>
@@ -25638,7 +25843,7 @@
           <a:buFontTx/>
           <a:buNone/>
           <a:tabLst/>
-          <a:defRPr b="0" baseline="0" cap="none" i="0" spc="0" strike="noStrike" sz="1800" u="none" kumimoji="0" normalizeH="0">
+          <a:defRPr kumimoji="0" sz="1800" b="0" i="0" u="none" strike="noStrike" cap="none" spc="0" normalizeH="0" baseline="0">
             <a:ln>
               <a:noFill/>
             </a:ln>
@@ -25664,7 +25869,7 @@
           <a:buFontTx/>
           <a:buNone/>
           <a:tabLst/>
-          <a:defRPr b="0" baseline="0" cap="none" i="0" spc="0" strike="noStrike" sz="1800" u="none" kumimoji="0" normalizeH="0">
+          <a:defRPr kumimoji="0" sz="1800" b="0" i="0" u="none" strike="noStrike" cap="none" spc="0" normalizeH="0" baseline="0">
             <a:ln>
               <a:noFill/>
             </a:ln>
@@ -25690,7 +25895,7 @@
           <a:buFontTx/>
           <a:buNone/>
           <a:tabLst/>
-          <a:defRPr b="0" baseline="0" cap="none" i="0" spc="0" strike="noStrike" sz="1800" u="none" kumimoji="0" normalizeH="0">
+          <a:defRPr kumimoji="0" sz="1800" b="0" i="0" u="none" strike="noStrike" cap="none" spc="0" normalizeH="0" baseline="0">
             <a:ln>
               <a:noFill/>
             </a:ln>
@@ -25716,7 +25921,7 @@
           <a:buFontTx/>
           <a:buNone/>
           <a:tabLst/>
-          <a:defRPr b="0" baseline="0" cap="none" i="0" spc="0" strike="noStrike" sz="1800" u="none" kumimoji="0" normalizeH="0">
+          <a:defRPr kumimoji="0" sz="1800" b="0" i="0" u="none" strike="noStrike" cap="none" spc="0" normalizeH="0" baseline="0">
             <a:ln>
               <a:noFill/>
             </a:ln>
@@ -25742,7 +25947,7 @@
           <a:buFontTx/>
           <a:buNone/>
           <a:tabLst/>
-          <a:defRPr b="0" baseline="0" cap="none" i="0" spc="0" strike="noStrike" sz="1800" u="none" kumimoji="0" normalizeH="0">
+          <a:defRPr kumimoji="0" sz="1800" b="0" i="0" u="none" strike="noStrike" cap="none" spc="0" normalizeH="0" baseline="0">
             <a:ln>
               <a:noFill/>
             </a:ln>
@@ -25768,7 +25973,7 @@
           <a:buFontTx/>
           <a:buNone/>
           <a:tabLst/>
-          <a:defRPr b="0" baseline="0" cap="none" i="0" spc="0" strike="noStrike" sz="1800" u="none" kumimoji="0" normalizeH="0">
+          <a:defRPr kumimoji="0" sz="1800" b="0" i="0" u="none" strike="noStrike" cap="none" spc="0" normalizeH="0" baseline="0">
             <a:ln>
               <a:noFill/>
             </a:ln>
@@ -25794,7 +25999,7 @@
           <a:buFontTx/>
           <a:buNone/>
           <a:tabLst/>
-          <a:defRPr b="0" baseline="0" cap="none" i="0" spc="0" strike="noStrike" sz="1800" u="none" kumimoji="0" normalizeH="0">
+          <a:defRPr kumimoji="0" sz="1800" b="0" i="0" u="none" strike="noStrike" cap="none" spc="0" normalizeH="0" baseline="0">
             <a:ln>
               <a:noFill/>
             </a:ln>
@@ -25820,7 +26025,7 @@
           <a:buFontTx/>
           <a:buNone/>
           <a:tabLst/>
-          <a:defRPr b="0" baseline="0" cap="none" i="0" spc="0" strike="noStrike" sz="1800" u="none" kumimoji="0" normalizeH="0">
+          <a:defRPr kumimoji="0" sz="1800" b="0" i="0" u="none" strike="noStrike" cap="none" spc="0" normalizeH="0" baseline="0">
             <a:ln>
               <a:noFill/>
             </a:ln>
@@ -25846,7 +26051,7 @@
           <a:buFontTx/>
           <a:buNone/>
           <a:tabLst/>
-          <a:defRPr b="0" baseline="0" cap="none" i="0" spc="0" strike="noStrike" sz="1800" u="none" kumimoji="0" normalizeH="0">
+          <a:defRPr kumimoji="0" sz="1800" b="0" i="0" u="none" strike="noStrike" cap="none" spc="0" normalizeH="0" baseline="0">
             <a:ln>
               <a:noFill/>
             </a:ln>
@@ -25859,12 +26064,19 @@
         </a:lvl9pPr>
       </a:lstStyle>
       <a:style>
-        <a:lnRef idx="0"/>
-        <a:fillRef idx="0"/>
-        <a:effectRef idx="0"/>
+        <a:lnRef idx="0">
+          <a:scrgbClr r="0" g="0" b="0"/>
+        </a:lnRef>
+        <a:fillRef idx="0">
+          <a:scrgbClr r="0" g="0" b="0"/>
+        </a:fillRef>
+        <a:effectRef idx="0">
+          <a:scrgbClr r="0" g="0" b="0"/>
+        </a:effectRef>
         <a:fontRef idx="none"/>
       </a:style>
     </a:txDef>
   </a:objectDefaults>
+  <a:extraClrSchemeLst/>
 </a:theme>
 </file>